--- a/LCO_Brief_Placeholder/Deliverables/jt-lco_final_ppt.pptx
+++ b/LCO_Brief_Placeholder/Deliverables/jt-lco_final_ppt.pptx
@@ -5,7 +5,7 @@
     <p:sldMasterId id="2147483648" r:id="rId1"/>
   </p:sldMasterIdLst>
   <p:notesMasterIdLst>
-    <p:notesMasterId r:id="rId20"/>
+    <p:notesMasterId r:id="rId22"/>
   </p:notesMasterIdLst>
   <p:sldIdLst>
     <p:sldId id="258" r:id="rId2"/>
@@ -13,19 +13,21 @@
     <p:sldId id="257" r:id="rId4"/>
     <p:sldId id="261" r:id="rId5"/>
     <p:sldId id="262" r:id="rId6"/>
-    <p:sldId id="264" r:id="rId7"/>
-    <p:sldId id="265" r:id="rId8"/>
-    <p:sldId id="266" r:id="rId9"/>
-    <p:sldId id="267" r:id="rId10"/>
-    <p:sldId id="263" r:id="rId11"/>
-    <p:sldId id="268" r:id="rId12"/>
-    <p:sldId id="270" r:id="rId13"/>
-    <p:sldId id="278" r:id="rId14"/>
-    <p:sldId id="273" r:id="rId15"/>
-    <p:sldId id="274" r:id="rId16"/>
-    <p:sldId id="276" r:id="rId17"/>
-    <p:sldId id="277" r:id="rId18"/>
-    <p:sldId id="260" r:id="rId19"/>
+    <p:sldId id="282" r:id="rId7"/>
+    <p:sldId id="281" r:id="rId8"/>
+    <p:sldId id="264" r:id="rId9"/>
+    <p:sldId id="265" r:id="rId10"/>
+    <p:sldId id="266" r:id="rId11"/>
+    <p:sldId id="267" r:id="rId12"/>
+    <p:sldId id="263" r:id="rId13"/>
+    <p:sldId id="268" r:id="rId14"/>
+    <p:sldId id="270" r:id="rId15"/>
+    <p:sldId id="278" r:id="rId16"/>
+    <p:sldId id="273" r:id="rId17"/>
+    <p:sldId id="274" r:id="rId18"/>
+    <p:sldId id="276" r:id="rId19"/>
+    <p:sldId id="277" r:id="rId20"/>
+    <p:sldId id="260" r:id="rId21"/>
   </p:sldIdLst>
   <p:sldSz cx="9144000" cy="6858000" type="screen4x3"/>
   <p:notesSz cx="6858000" cy="9144000"/>
@@ -11087,8 +11089,8 @@
     <dgm:cxn modelId="{E84E829F-2A18-4F87-93C2-C40146B61A23}" type="presOf" srcId="{14D27D49-E5F3-4F3F-984A-B52B24A2DB40}" destId="{3A116811-B1D9-4E82-AD9A-B2A2DCFBC323}" srcOrd="0" destOrd="0" presId="urn:microsoft.com/office/officeart/2005/8/layout/list1"/>
     <dgm:cxn modelId="{A139FB11-8D91-4F75-A30F-CBF42A656369}" type="presOf" srcId="{7383A405-BE4C-4E48-93A6-5B2CF0A4B328}" destId="{BD00AF8C-DE37-45F1-9926-46855B42741D}" srcOrd="0" destOrd="0" presId="urn:microsoft.com/office/officeart/2005/8/layout/list1"/>
     <dgm:cxn modelId="{F3DDFA0B-D021-4826-B135-04B9CF72B635}" type="presOf" srcId="{50EB82D2-2654-4B45-A0D7-AF222CA21AAA}" destId="{3A116811-B1D9-4E82-AD9A-B2A2DCFBC323}" srcOrd="0" destOrd="1" presId="urn:microsoft.com/office/officeart/2005/8/layout/list1"/>
+    <dgm:cxn modelId="{20658C95-F1E3-463B-B131-52D6E713394A}" srcId="{F2732604-F7C3-4D68-B3B5-1BB13A09D443}" destId="{14D27D49-E5F3-4F3F-984A-B52B24A2DB40}" srcOrd="0" destOrd="0" parTransId="{7F1E842A-3D15-4B67-9685-FE3A7503130D}" sibTransId="{8C3EA81B-DD6A-4439-80E1-FA4BFA6DF165}"/>
     <dgm:cxn modelId="{8E84E034-F563-49DB-B284-74B6625F03B7}" type="presOf" srcId="{2589634E-7C13-42BC-84FA-9A195F1BA3C6}" destId="{3A116811-B1D9-4E82-AD9A-B2A2DCFBC323}" srcOrd="0" destOrd="3" presId="urn:microsoft.com/office/officeart/2005/8/layout/list1"/>
-    <dgm:cxn modelId="{20658C95-F1E3-463B-B131-52D6E713394A}" srcId="{F2732604-F7C3-4D68-B3B5-1BB13A09D443}" destId="{14D27D49-E5F3-4F3F-984A-B52B24A2DB40}" srcOrd="0" destOrd="0" parTransId="{7F1E842A-3D15-4B67-9685-FE3A7503130D}" sibTransId="{8C3EA81B-DD6A-4439-80E1-FA4BFA6DF165}"/>
     <dgm:cxn modelId="{6DF3D97F-AA50-4811-BA2E-8CD4EAB17070}" type="presOf" srcId="{1E61FFB7-0174-43A6-9382-96B23B9D3ADD}" destId="{3A116811-B1D9-4E82-AD9A-B2A2DCFBC323}" srcOrd="0" destOrd="2" presId="urn:microsoft.com/office/officeart/2005/8/layout/list1"/>
     <dgm:cxn modelId="{03D091C4-C9E9-46DA-8692-44BC4AEE3390}" type="presParOf" srcId="{BD00AF8C-DE37-45F1-9926-46855B42741D}" destId="{3F6AE614-4A0E-4C48-84FE-EF34E929A1E2}" srcOrd="0" destOrd="0" presId="urn:microsoft.com/office/officeart/2005/8/layout/list1"/>
     <dgm:cxn modelId="{BEBC0E49-BA2D-4721-B929-0E3109FDAD4E}" type="presParOf" srcId="{3F6AE614-4A0E-4C48-84FE-EF34E929A1E2}" destId="{51939834-C2D2-4E5F-9E62-17F89C09EBE9}" srcOrd="0" destOrd="0" presId="urn:microsoft.com/office/officeart/2005/8/layout/list1"/>
@@ -15249,8 +15251,8 @@
     <dgm:cxn modelId="{D2BA6725-F19F-4827-859D-9472CE6BBB8F}" type="presOf" srcId="{FDD5F494-38C4-47C6-9D19-54B7EF83EB7F}" destId="{98AA630D-1984-4009-B657-D0BACFA95942}" srcOrd="0" destOrd="1" presId="urn:microsoft.com/office/officeart/2005/8/layout/list1"/>
     <dgm:cxn modelId="{D97E62C6-8D9A-443A-BFCB-8CEE0E11D846}" type="presOf" srcId="{5192AE29-7FE1-46B9-B4AE-5F53525BC39C}" destId="{3C31FDD6-7F16-434F-B243-AE5D88E32B3E}" srcOrd="0" destOrd="1" presId="urn:microsoft.com/office/officeart/2005/8/layout/list1"/>
     <dgm:cxn modelId="{83B78AC2-C15B-48B5-B3D2-9AB0BD9FE476}" type="presOf" srcId="{00D90CAB-0A3C-4687-A3F0-9EEA2287548E}" destId="{901B3937-9BCF-431A-9EEE-53FCA527231D}" srcOrd="1" destOrd="0" presId="urn:microsoft.com/office/officeart/2005/8/layout/list1"/>
+    <dgm:cxn modelId="{2415D1E8-1A20-4B12-80A8-780BD1F96BE0}" srcId="{B584FA2E-0FF8-4ABE-A73B-DF5198A9E76D}" destId="{FDD5F494-38C4-47C6-9D19-54B7EF83EB7F}" srcOrd="1" destOrd="0" parTransId="{828613DB-F8FC-4AF5-88F4-F064269CD231}" sibTransId="{AB888C33-C767-4D2B-B785-E4C671C5FF66}"/>
     <dgm:cxn modelId="{CC28BA38-9AC2-44D2-8408-AACD50047EA2}" srcId="{6ED76C86-54AA-47F4-AF65-FF62D01F400A}" destId="{5192AE29-7FE1-46B9-B4AE-5F53525BC39C}" srcOrd="1" destOrd="0" parTransId="{ED868FB3-D35D-4C81-A94A-2A82A2C5A809}" sibTransId="{6D755FD5-C975-471B-AA90-0EDD25F3CFC5}"/>
-    <dgm:cxn modelId="{2415D1E8-1A20-4B12-80A8-780BD1F96BE0}" srcId="{B584FA2E-0FF8-4ABE-A73B-DF5198A9E76D}" destId="{FDD5F494-38C4-47C6-9D19-54B7EF83EB7F}" srcOrd="1" destOrd="0" parTransId="{828613DB-F8FC-4AF5-88F4-F064269CD231}" sibTransId="{AB888C33-C767-4D2B-B785-E4C671C5FF66}"/>
     <dgm:cxn modelId="{162BB373-E4C2-41F8-ABEA-EE0809807D86}" type="presOf" srcId="{00D90CAB-0A3C-4687-A3F0-9EEA2287548E}" destId="{D57D8A87-7C2D-4768-9D0D-C915418DA2C8}" srcOrd="0" destOrd="0" presId="urn:microsoft.com/office/officeart/2005/8/layout/list1"/>
     <dgm:cxn modelId="{11ECCFD5-9BF4-4C2D-BEAA-4BD0FFCC10B0}" type="presOf" srcId="{DFFD7BD3-F7E8-4033-88CB-C40C5111C22F}" destId="{3C31FDD6-7F16-434F-B243-AE5D88E32B3E}" srcOrd="0" destOrd="0" presId="urn:microsoft.com/office/officeart/2005/8/layout/list1"/>
     <dgm:cxn modelId="{9C4D885C-0EED-4251-83C3-39EF8AA4D27D}" type="presParOf" srcId="{3C869451-9766-4F5C-B144-00BC10184BA0}" destId="{73F81C09-E695-4FA2-A0E1-06A7330BD841}" srcOrd="0" destOrd="0" presId="urn:microsoft.com/office/officeart/2005/8/layout/list1"/>
@@ -16777,6 +16779,216 @@
       <dsp:cNvGrpSpPr/>
     </dsp:nvGrpSpPr>
     <dsp:grpSpPr/>
+    <dsp:sp modelId="{3A116811-B1D9-4E82-AD9A-B2A2DCFBC323}">
+      <dsp:nvSpPr>
+        <dsp:cNvPr id="0" name=""/>
+        <dsp:cNvSpPr/>
+      </dsp:nvSpPr>
+      <dsp:spPr>
+        <a:xfrm>
+          <a:off x="0" y="503079"/>
+          <a:ext cx="6096000" cy="3515400"/>
+        </a:xfrm>
+        <a:prstGeom prst="rect">
+          <a:avLst/>
+        </a:prstGeom>
+        <a:solidFill>
+          <a:schemeClr val="lt1">
+            <a:alpha val="90000"/>
+            <a:hueOff val="0"/>
+            <a:satOff val="0"/>
+            <a:lumOff val="0"/>
+            <a:alphaOff val="0"/>
+          </a:schemeClr>
+        </a:solidFill>
+        <a:ln w="38100" cap="flat" cmpd="sng" algn="ctr">
+          <a:solidFill>
+            <a:schemeClr val="accent1">
+              <a:hueOff val="0"/>
+              <a:satOff val="0"/>
+              <a:lumOff val="0"/>
+              <a:alphaOff val="0"/>
+            </a:schemeClr>
+          </a:solidFill>
+          <a:prstDash val="solid"/>
+        </a:ln>
+        <a:effectLst/>
+      </dsp:spPr>
+      <dsp:style>
+        <a:lnRef idx="2">
+          <a:scrgbClr r="0" g="0" b="0"/>
+        </a:lnRef>
+        <a:fillRef idx="1">
+          <a:scrgbClr r="0" g="0" b="0"/>
+        </a:fillRef>
+        <a:effectRef idx="0">
+          <a:scrgbClr r="0" g="0" b="0"/>
+        </a:effectRef>
+        <a:fontRef idx="minor"/>
+      </dsp:style>
+      <dsp:txBody>
+        <a:bodyPr spcFirstLastPara="0" vert="horz" wrap="square" lIns="473117" tIns="645668" rIns="473117" bIns="220472" numCol="1" spcCol="1270" anchor="t" anchorCtr="0">
+          <a:noAutofit/>
+        </a:bodyPr>
+        <a:lstStyle/>
+        <a:p>
+          <a:pPr marL="285750" lvl="1" indent="-285750" algn="l" defTabSz="1377950">
+            <a:lnSpc>
+              <a:spcPct val="90000"/>
+            </a:lnSpc>
+            <a:spcBef>
+              <a:spcPct val="0"/>
+            </a:spcBef>
+            <a:spcAft>
+              <a:spcPct val="15000"/>
+            </a:spcAft>
+            <a:buChar char="••"/>
+          </a:pPr>
+          <a:r>
+            <a:rPr lang="en-US" sz="3100" kern="1200" smtClean="0"/>
+            <a:t>GPS sensors ($40 - $200)</a:t>
+          </a:r>
+          <a:endParaRPr lang="en-US" sz="3100" kern="1200"/>
+        </a:p>
+        <a:p>
+          <a:pPr marL="285750" lvl="1" indent="-285750" algn="l" defTabSz="1377950">
+            <a:lnSpc>
+              <a:spcPct val="90000"/>
+            </a:lnSpc>
+            <a:spcBef>
+              <a:spcPct val="0"/>
+            </a:spcBef>
+            <a:spcAft>
+              <a:spcPct val="15000"/>
+            </a:spcAft>
+            <a:buChar char="••"/>
+          </a:pPr>
+          <a:r>
+            <a:rPr lang="en-US" sz="3100" kern="1200" dirty="0" smtClean="0"/>
+            <a:t>Possibly motion sensors ($20 - $300)</a:t>
+          </a:r>
+        </a:p>
+        <a:p>
+          <a:pPr marL="285750" lvl="1" indent="-285750" algn="l" defTabSz="1377950">
+            <a:lnSpc>
+              <a:spcPct val="90000"/>
+            </a:lnSpc>
+            <a:spcBef>
+              <a:spcPct val="0"/>
+            </a:spcBef>
+            <a:spcAft>
+              <a:spcPct val="15000"/>
+            </a:spcAft>
+            <a:buChar char="••"/>
+          </a:pPr>
+          <a:r>
+            <a:rPr lang="en-US" sz="3100" kern="1200" smtClean="0"/>
+            <a:t>Visual Paradigm (a software tool)</a:t>
+          </a:r>
+          <a:endParaRPr lang="en-US" sz="3100" kern="1200" dirty="0" smtClean="0"/>
+        </a:p>
+        <a:p>
+          <a:pPr marL="285750" lvl="1" indent="-285750" algn="l" defTabSz="1377950">
+            <a:lnSpc>
+              <a:spcPct val="90000"/>
+            </a:lnSpc>
+            <a:spcBef>
+              <a:spcPct val="0"/>
+            </a:spcBef>
+            <a:spcAft>
+              <a:spcPct val="15000"/>
+            </a:spcAft>
+            <a:buChar char="••"/>
+          </a:pPr>
+          <a:r>
+            <a:rPr lang="en-US" sz="3100" kern="1200" dirty="0" smtClean="0"/>
+            <a:t>Possible software libraries</a:t>
+          </a:r>
+          <a:endParaRPr lang="en-US" sz="3100" kern="1200" dirty="0"/>
+        </a:p>
+      </dsp:txBody>
+      <dsp:txXfrm>
+        <a:off x="0" y="503079"/>
+        <a:ext cx="6096000" cy="3515400"/>
+      </dsp:txXfrm>
+    </dsp:sp>
+    <dsp:sp modelId="{EEFE7EAD-756F-4777-AA97-08F7F99D27CD}">
+      <dsp:nvSpPr>
+        <dsp:cNvPr id="0" name=""/>
+        <dsp:cNvSpPr/>
+      </dsp:nvSpPr>
+      <dsp:spPr>
+        <a:xfrm>
+          <a:off x="304800" y="45519"/>
+          <a:ext cx="4267200" cy="915120"/>
+        </a:xfrm>
+        <a:prstGeom prst="roundRect">
+          <a:avLst/>
+        </a:prstGeom>
+        <a:solidFill>
+          <a:schemeClr val="accent1">
+            <a:hueOff val="0"/>
+            <a:satOff val="0"/>
+            <a:lumOff val="0"/>
+            <a:alphaOff val="0"/>
+          </a:schemeClr>
+        </a:solidFill>
+        <a:ln w="38100" cap="flat" cmpd="sng" algn="ctr">
+          <a:solidFill>
+            <a:schemeClr val="lt1">
+              <a:hueOff val="0"/>
+              <a:satOff val="0"/>
+              <a:lumOff val="0"/>
+              <a:alphaOff val="0"/>
+            </a:schemeClr>
+          </a:solidFill>
+          <a:prstDash val="solid"/>
+        </a:ln>
+        <a:effectLst/>
+      </dsp:spPr>
+      <dsp:style>
+        <a:lnRef idx="2">
+          <a:scrgbClr r="0" g="0" b="0"/>
+        </a:lnRef>
+        <a:fillRef idx="1">
+          <a:scrgbClr r="0" g="0" b="0"/>
+        </a:fillRef>
+        <a:effectRef idx="0">
+          <a:scrgbClr r="0" g="0" b="0"/>
+        </a:effectRef>
+        <a:fontRef idx="minor">
+          <a:schemeClr val="lt1"/>
+        </a:fontRef>
+      </dsp:style>
+      <dsp:txBody>
+        <a:bodyPr spcFirstLastPara="0" vert="horz" wrap="square" lIns="161290" tIns="0" rIns="161290" bIns="0" numCol="1" spcCol="1270" anchor="ctr" anchorCtr="0">
+          <a:noAutofit/>
+        </a:bodyPr>
+        <a:lstStyle/>
+        <a:p>
+          <a:pPr lvl="0" algn="l" defTabSz="1377950">
+            <a:lnSpc>
+              <a:spcPct val="90000"/>
+            </a:lnSpc>
+            <a:spcBef>
+              <a:spcPct val="0"/>
+            </a:spcBef>
+            <a:spcAft>
+              <a:spcPct val="35000"/>
+            </a:spcAft>
+          </a:pPr>
+          <a:r>
+            <a:rPr lang="en-US" sz="3100" kern="1200" dirty="0" smtClean="0"/>
+            <a:t>Devices &amp; Tools: </a:t>
+          </a:r>
+          <a:endParaRPr lang="en-US" sz="3100" kern="1200" dirty="0"/>
+        </a:p>
+      </dsp:txBody>
+      <dsp:txXfrm>
+        <a:off x="304800" y="45519"/>
+        <a:ext cx="4267200" cy="915120"/>
+      </dsp:txXfrm>
+    </dsp:sp>
   </dsp:spTree>
 </dsp:drawing>
 </file>
@@ -16789,6 +17001,496 @@
       <dsp:cNvGrpSpPr/>
     </dsp:nvGrpSpPr>
     <dsp:grpSpPr/>
+    <dsp:sp modelId="{4A041AB4-885A-4D8B-B175-271431C0FB44}">
+      <dsp:nvSpPr>
+        <dsp:cNvPr id="0" name=""/>
+        <dsp:cNvSpPr/>
+      </dsp:nvSpPr>
+      <dsp:spPr>
+        <a:xfrm>
+          <a:off x="0" y="522889"/>
+          <a:ext cx="8305800" cy="1593900"/>
+        </a:xfrm>
+        <a:prstGeom prst="rect">
+          <a:avLst/>
+        </a:prstGeom>
+        <a:solidFill>
+          <a:schemeClr val="lt1">
+            <a:alpha val="90000"/>
+            <a:hueOff val="0"/>
+            <a:satOff val="0"/>
+            <a:lumOff val="0"/>
+            <a:alphaOff val="0"/>
+          </a:schemeClr>
+        </a:solidFill>
+        <a:ln w="38100" cap="flat" cmpd="sng" algn="ctr">
+          <a:solidFill>
+            <a:schemeClr val="accent1">
+              <a:hueOff val="0"/>
+              <a:satOff val="0"/>
+              <a:lumOff val="0"/>
+              <a:alphaOff val="0"/>
+            </a:schemeClr>
+          </a:solidFill>
+          <a:prstDash val="solid"/>
+        </a:ln>
+        <a:effectLst/>
+      </dsp:spPr>
+      <dsp:style>
+        <a:lnRef idx="2">
+          <a:scrgbClr r="0" g="0" b="0"/>
+        </a:lnRef>
+        <a:fillRef idx="1">
+          <a:scrgbClr r="0" g="0" b="0"/>
+        </a:fillRef>
+        <a:effectRef idx="0">
+          <a:scrgbClr r="0" g="0" b="0"/>
+        </a:effectRef>
+        <a:fontRef idx="minor"/>
+      </dsp:style>
+      <dsp:txBody>
+        <a:bodyPr spcFirstLastPara="0" vert="horz" wrap="square" lIns="644622" tIns="458216" rIns="644622" bIns="156464" numCol="1" spcCol="1270" anchor="t" anchorCtr="0">
+          <a:noAutofit/>
+        </a:bodyPr>
+        <a:lstStyle/>
+        <a:p>
+          <a:pPr marL="228600" lvl="1" indent="-228600" algn="l" defTabSz="977900">
+            <a:lnSpc>
+              <a:spcPct val="90000"/>
+            </a:lnSpc>
+            <a:spcBef>
+              <a:spcPct val="0"/>
+            </a:spcBef>
+            <a:spcAft>
+              <a:spcPct val="15000"/>
+            </a:spcAft>
+            <a:buChar char="••"/>
+          </a:pPr>
+          <a:r>
+            <a:rPr lang="en-US" sz="2200" kern="1200" dirty="0" smtClean="0"/>
+            <a:t>All data storage will be done via SQL database</a:t>
+          </a:r>
+          <a:endParaRPr lang="en-US" sz="2200" kern="1200" dirty="0"/>
+        </a:p>
+        <a:p>
+          <a:pPr marL="457200" lvl="2" indent="-228600" algn="l" defTabSz="977900">
+            <a:lnSpc>
+              <a:spcPct val="90000"/>
+            </a:lnSpc>
+            <a:spcBef>
+              <a:spcPct val="0"/>
+            </a:spcBef>
+            <a:spcAft>
+              <a:spcPct val="15000"/>
+            </a:spcAft>
+            <a:buChar char="••"/>
+          </a:pPr>
+          <a:r>
+            <a:rPr lang="en-US" sz="2200" kern="1200" dirty="0" smtClean="0"/>
+            <a:t>[database model &amp; provider subject to change]</a:t>
+          </a:r>
+          <a:endParaRPr lang="en-US" sz="2200" kern="1200" dirty="0"/>
+        </a:p>
+        <a:p>
+          <a:pPr marL="228600" lvl="1" indent="-228600" algn="l" defTabSz="977900">
+            <a:lnSpc>
+              <a:spcPct val="90000"/>
+            </a:lnSpc>
+            <a:spcBef>
+              <a:spcPct val="0"/>
+            </a:spcBef>
+            <a:spcAft>
+              <a:spcPct val="15000"/>
+            </a:spcAft>
+            <a:buChar char="••"/>
+          </a:pPr>
+          <a:r>
+            <a:rPr lang="en-US" sz="2200" kern="1200" dirty="0" smtClean="0"/>
+            <a:t>Bus locations can be obtained via GPS sensors</a:t>
+          </a:r>
+          <a:endParaRPr lang="en-US" sz="2200" kern="1200" dirty="0"/>
+        </a:p>
+      </dsp:txBody>
+      <dsp:txXfrm>
+        <a:off x="0" y="522889"/>
+        <a:ext cx="8305800" cy="1593900"/>
+      </dsp:txXfrm>
+    </dsp:sp>
+    <dsp:sp modelId="{9AE171B7-007C-4682-BC78-D9A630801CAB}">
+      <dsp:nvSpPr>
+        <dsp:cNvPr id="0" name=""/>
+        <dsp:cNvSpPr/>
+      </dsp:nvSpPr>
+      <dsp:spPr>
+        <a:xfrm>
+          <a:off x="415290" y="198169"/>
+          <a:ext cx="5814060" cy="649440"/>
+        </a:xfrm>
+        <a:prstGeom prst="roundRect">
+          <a:avLst/>
+        </a:prstGeom>
+        <a:solidFill>
+          <a:schemeClr val="accent1">
+            <a:hueOff val="0"/>
+            <a:satOff val="0"/>
+            <a:lumOff val="0"/>
+            <a:alphaOff val="0"/>
+          </a:schemeClr>
+        </a:solidFill>
+        <a:ln w="38100" cap="flat" cmpd="sng" algn="ctr">
+          <a:solidFill>
+            <a:schemeClr val="lt1">
+              <a:hueOff val="0"/>
+              <a:satOff val="0"/>
+              <a:lumOff val="0"/>
+              <a:alphaOff val="0"/>
+            </a:schemeClr>
+          </a:solidFill>
+          <a:prstDash val="solid"/>
+        </a:ln>
+        <a:effectLst/>
+      </dsp:spPr>
+      <dsp:style>
+        <a:lnRef idx="2">
+          <a:scrgbClr r="0" g="0" b="0"/>
+        </a:lnRef>
+        <a:fillRef idx="1">
+          <a:scrgbClr r="0" g="0" b="0"/>
+        </a:fillRef>
+        <a:effectRef idx="0">
+          <a:scrgbClr r="0" g="0" b="0"/>
+        </a:effectRef>
+        <a:fontRef idx="minor">
+          <a:schemeClr val="lt1"/>
+        </a:fontRef>
+      </dsp:style>
+      <dsp:txBody>
+        <a:bodyPr spcFirstLastPara="0" vert="horz" wrap="square" lIns="219758" tIns="0" rIns="219758" bIns="0" numCol="1" spcCol="1270" anchor="ctr" anchorCtr="0">
+          <a:noAutofit/>
+        </a:bodyPr>
+        <a:lstStyle/>
+        <a:p>
+          <a:pPr lvl="0" algn="l" defTabSz="977900">
+            <a:lnSpc>
+              <a:spcPct val="90000"/>
+            </a:lnSpc>
+            <a:spcBef>
+              <a:spcPct val="0"/>
+            </a:spcBef>
+            <a:spcAft>
+              <a:spcPct val="35000"/>
+            </a:spcAft>
+          </a:pPr>
+          <a:r>
+            <a:rPr lang="en-US" sz="2200" kern="1200" dirty="0" smtClean="0"/>
+            <a:t>Data</a:t>
+          </a:r>
+          <a:endParaRPr lang="en-US" sz="2200" kern="1200" dirty="0"/>
+        </a:p>
+      </dsp:txBody>
+      <dsp:txXfrm>
+        <a:off x="415290" y="198169"/>
+        <a:ext cx="5814060" cy="649440"/>
+      </dsp:txXfrm>
+    </dsp:sp>
+    <dsp:sp modelId="{2DD9BC71-541B-418D-8CC2-8DF84119BCE4}">
+      <dsp:nvSpPr>
+        <dsp:cNvPr id="0" name=""/>
+        <dsp:cNvSpPr/>
+      </dsp:nvSpPr>
+      <dsp:spPr>
+        <a:xfrm>
+          <a:off x="0" y="2560310"/>
+          <a:ext cx="8305800" cy="554400"/>
+        </a:xfrm>
+        <a:prstGeom prst="rect">
+          <a:avLst/>
+        </a:prstGeom>
+        <a:solidFill>
+          <a:schemeClr val="lt1">
+            <a:alpha val="90000"/>
+            <a:hueOff val="0"/>
+            <a:satOff val="0"/>
+            <a:lumOff val="0"/>
+            <a:alphaOff val="0"/>
+          </a:schemeClr>
+        </a:solidFill>
+        <a:ln w="38100" cap="flat" cmpd="sng" algn="ctr">
+          <a:solidFill>
+            <a:schemeClr val="accent1">
+              <a:hueOff val="0"/>
+              <a:satOff val="0"/>
+              <a:lumOff val="0"/>
+              <a:alphaOff val="0"/>
+            </a:schemeClr>
+          </a:solidFill>
+          <a:prstDash val="solid"/>
+        </a:ln>
+        <a:effectLst/>
+      </dsp:spPr>
+      <dsp:style>
+        <a:lnRef idx="2">
+          <a:scrgbClr r="0" g="0" b="0"/>
+        </a:lnRef>
+        <a:fillRef idx="1">
+          <a:scrgbClr r="0" g="0" b="0"/>
+        </a:fillRef>
+        <a:effectRef idx="0">
+          <a:scrgbClr r="0" g="0" b="0"/>
+        </a:effectRef>
+        <a:fontRef idx="minor"/>
+      </dsp:style>
+    </dsp:sp>
+    <dsp:sp modelId="{37F2E01D-A55F-4AB3-BCFD-FC4A47DE286C}">
+      <dsp:nvSpPr>
+        <dsp:cNvPr id="0" name=""/>
+        <dsp:cNvSpPr/>
+      </dsp:nvSpPr>
+      <dsp:spPr>
+        <a:xfrm>
+          <a:off x="444954" y="2235589"/>
+          <a:ext cx="5814060" cy="649440"/>
+        </a:xfrm>
+        <a:prstGeom prst="roundRect">
+          <a:avLst/>
+        </a:prstGeom>
+        <a:solidFill>
+          <a:schemeClr val="accent1">
+            <a:hueOff val="0"/>
+            <a:satOff val="0"/>
+            <a:lumOff val="0"/>
+            <a:alphaOff val="0"/>
+          </a:schemeClr>
+        </a:solidFill>
+        <a:ln w="38100" cap="flat" cmpd="sng" algn="ctr">
+          <a:solidFill>
+            <a:schemeClr val="lt1">
+              <a:hueOff val="0"/>
+              <a:satOff val="0"/>
+              <a:lumOff val="0"/>
+              <a:alphaOff val="0"/>
+            </a:schemeClr>
+          </a:solidFill>
+          <a:prstDash val="solid"/>
+        </a:ln>
+        <a:effectLst/>
+      </dsp:spPr>
+      <dsp:style>
+        <a:lnRef idx="2">
+          <a:scrgbClr r="0" g="0" b="0"/>
+        </a:lnRef>
+        <a:fillRef idx="1">
+          <a:scrgbClr r="0" g="0" b="0"/>
+        </a:fillRef>
+        <a:effectRef idx="0">
+          <a:scrgbClr r="0" g="0" b="0"/>
+        </a:effectRef>
+        <a:fontRef idx="minor">
+          <a:schemeClr val="lt1"/>
+        </a:fontRef>
+      </dsp:style>
+      <dsp:txBody>
+        <a:bodyPr spcFirstLastPara="0" vert="horz" wrap="square" lIns="219758" tIns="0" rIns="219758" bIns="0" numCol="1" spcCol="1270" anchor="ctr" anchorCtr="0">
+          <a:noAutofit/>
+        </a:bodyPr>
+        <a:lstStyle/>
+        <a:p>
+          <a:pPr lvl="0" algn="l" defTabSz="977900">
+            <a:lnSpc>
+              <a:spcPct val="90000"/>
+            </a:lnSpc>
+            <a:spcBef>
+              <a:spcPct val="0"/>
+            </a:spcBef>
+            <a:spcAft>
+              <a:spcPct val="35000"/>
+            </a:spcAft>
+          </a:pPr>
+          <a:r>
+            <a:rPr lang="en-US" sz="2200" kern="1200" dirty="0" smtClean="0"/>
+            <a:t>Route times will be estimated and averaged based on length and previous times</a:t>
+          </a:r>
+          <a:endParaRPr lang="en-US" sz="2200" kern="1200" dirty="0"/>
+        </a:p>
+      </dsp:txBody>
+      <dsp:txXfrm>
+        <a:off x="444954" y="2235589"/>
+        <a:ext cx="5814060" cy="649440"/>
+      </dsp:txXfrm>
+    </dsp:sp>
+    <dsp:sp modelId="{7122457D-7CAD-4062-A854-837A5CCE0F66}">
+      <dsp:nvSpPr>
+        <dsp:cNvPr id="0" name=""/>
+        <dsp:cNvSpPr/>
+      </dsp:nvSpPr>
+      <dsp:spPr>
+        <a:xfrm>
+          <a:off x="0" y="3558230"/>
+          <a:ext cx="8305800" cy="1247400"/>
+        </a:xfrm>
+        <a:prstGeom prst="rect">
+          <a:avLst/>
+        </a:prstGeom>
+        <a:solidFill>
+          <a:schemeClr val="lt1">
+            <a:alpha val="90000"/>
+            <a:hueOff val="0"/>
+            <a:satOff val="0"/>
+            <a:lumOff val="0"/>
+            <a:alphaOff val="0"/>
+          </a:schemeClr>
+        </a:solidFill>
+        <a:ln w="38100" cap="flat" cmpd="sng" algn="ctr">
+          <a:solidFill>
+            <a:schemeClr val="accent1">
+              <a:hueOff val="0"/>
+              <a:satOff val="0"/>
+              <a:lumOff val="0"/>
+              <a:alphaOff val="0"/>
+            </a:schemeClr>
+          </a:solidFill>
+          <a:prstDash val="solid"/>
+        </a:ln>
+        <a:effectLst/>
+      </dsp:spPr>
+      <dsp:style>
+        <a:lnRef idx="2">
+          <a:scrgbClr r="0" g="0" b="0"/>
+        </a:lnRef>
+        <a:fillRef idx="1">
+          <a:scrgbClr r="0" g="0" b="0"/>
+        </a:fillRef>
+        <a:effectRef idx="0">
+          <a:scrgbClr r="0" g="0" b="0"/>
+        </a:effectRef>
+        <a:fontRef idx="minor"/>
+      </dsp:style>
+      <dsp:txBody>
+        <a:bodyPr spcFirstLastPara="0" vert="horz" wrap="square" lIns="644622" tIns="458216" rIns="644622" bIns="156464" numCol="1" spcCol="1270" anchor="t" anchorCtr="0">
+          <a:noAutofit/>
+        </a:bodyPr>
+        <a:lstStyle/>
+        <a:p>
+          <a:pPr marL="228600" lvl="1" indent="-228600" algn="l" defTabSz="977900">
+            <a:lnSpc>
+              <a:spcPct val="90000"/>
+            </a:lnSpc>
+            <a:spcBef>
+              <a:spcPct val="0"/>
+            </a:spcBef>
+            <a:spcAft>
+              <a:spcPct val="15000"/>
+            </a:spcAft>
+            <a:buChar char="••"/>
+          </a:pPr>
+          <a:r>
+            <a:rPr lang="en-US" sz="2200" kern="1200" dirty="0" smtClean="0"/>
+            <a:t>Motion sensor on the bus</a:t>
+          </a:r>
+          <a:endParaRPr lang="en-US" sz="2200" kern="1200" dirty="0"/>
+        </a:p>
+        <a:p>
+          <a:pPr marL="228600" lvl="1" indent="-228600" algn="l" defTabSz="977900">
+            <a:lnSpc>
+              <a:spcPct val="90000"/>
+            </a:lnSpc>
+            <a:spcBef>
+              <a:spcPct val="0"/>
+            </a:spcBef>
+            <a:spcAft>
+              <a:spcPct val="15000"/>
+            </a:spcAft>
+            <a:buChar char="••"/>
+          </a:pPr>
+          <a:r>
+            <a:rPr lang="en-US" sz="2200" kern="1200" dirty="0" smtClean="0"/>
+            <a:t>Interaction with  the application</a:t>
+          </a:r>
+          <a:endParaRPr lang="en-US" sz="2200" kern="1200" dirty="0"/>
+        </a:p>
+      </dsp:txBody>
+      <dsp:txXfrm>
+        <a:off x="0" y="3558230"/>
+        <a:ext cx="8305800" cy="1247400"/>
+      </dsp:txXfrm>
+    </dsp:sp>
+    <dsp:sp modelId="{F58C8A42-C170-4B12-AA2A-45A4BDBBD6C0}">
+      <dsp:nvSpPr>
+        <dsp:cNvPr id="0" name=""/>
+        <dsp:cNvSpPr/>
+      </dsp:nvSpPr>
+      <dsp:spPr>
+        <a:xfrm>
+          <a:off x="415290" y="3233510"/>
+          <a:ext cx="5814060" cy="649440"/>
+        </a:xfrm>
+        <a:prstGeom prst="roundRect">
+          <a:avLst/>
+        </a:prstGeom>
+        <a:solidFill>
+          <a:schemeClr val="accent1">
+            <a:hueOff val="0"/>
+            <a:satOff val="0"/>
+            <a:lumOff val="0"/>
+            <a:alphaOff val="0"/>
+          </a:schemeClr>
+        </a:solidFill>
+        <a:ln w="38100" cap="flat" cmpd="sng" algn="ctr">
+          <a:solidFill>
+            <a:schemeClr val="lt1">
+              <a:hueOff val="0"/>
+              <a:satOff val="0"/>
+              <a:lumOff val="0"/>
+              <a:alphaOff val="0"/>
+            </a:schemeClr>
+          </a:solidFill>
+          <a:prstDash val="solid"/>
+        </a:ln>
+        <a:effectLst/>
+      </dsp:spPr>
+      <dsp:style>
+        <a:lnRef idx="2">
+          <a:scrgbClr r="0" g="0" b="0"/>
+        </a:lnRef>
+        <a:fillRef idx="1">
+          <a:scrgbClr r="0" g="0" b="0"/>
+        </a:fillRef>
+        <a:effectRef idx="0">
+          <a:scrgbClr r="0" g="0" b="0"/>
+        </a:effectRef>
+        <a:fontRef idx="minor">
+          <a:schemeClr val="lt1"/>
+        </a:fontRef>
+      </dsp:style>
+      <dsp:txBody>
+        <a:bodyPr spcFirstLastPara="0" vert="horz" wrap="square" lIns="219758" tIns="0" rIns="219758" bIns="0" numCol="1" spcCol="1270" anchor="ctr" anchorCtr="0">
+          <a:noAutofit/>
+        </a:bodyPr>
+        <a:lstStyle/>
+        <a:p>
+          <a:pPr lvl="0" algn="l" defTabSz="977900">
+            <a:lnSpc>
+              <a:spcPct val="90000"/>
+            </a:lnSpc>
+            <a:spcBef>
+              <a:spcPct val="0"/>
+            </a:spcBef>
+            <a:spcAft>
+              <a:spcPct val="35000"/>
+            </a:spcAft>
+          </a:pPr>
+          <a:r>
+            <a:rPr lang="en-US" sz="2200" kern="1200" dirty="0" smtClean="0"/>
+            <a:t>Student's boarding &amp; exiting the bus can be done in several ways:</a:t>
+          </a:r>
+          <a:endParaRPr lang="en-US" sz="2200" kern="1200" dirty="0"/>
+        </a:p>
+      </dsp:txBody>
+      <dsp:txXfrm>
+        <a:off x="415290" y="3233510"/>
+        <a:ext cx="5814060" cy="649440"/>
+      </dsp:txXfrm>
+    </dsp:sp>
   </dsp:spTree>
 </dsp:drawing>
 </file>
@@ -16801,6 +17503,381 @@
       <dsp:cNvGrpSpPr/>
     </dsp:nvGrpSpPr>
     <dsp:grpSpPr/>
+    <dsp:sp modelId="{E193D023-62EB-4319-A1F1-20D2AAA2564C}">
+      <dsp:nvSpPr>
+        <dsp:cNvPr id="0" name=""/>
+        <dsp:cNvSpPr/>
+      </dsp:nvSpPr>
+      <dsp:spPr>
+        <a:xfrm>
+          <a:off x="0" y="682560"/>
+          <a:ext cx="8534400" cy="1083600"/>
+        </a:xfrm>
+        <a:prstGeom prst="rect">
+          <a:avLst/>
+        </a:prstGeom>
+        <a:solidFill>
+          <a:schemeClr val="lt1">
+            <a:alpha val="90000"/>
+            <a:hueOff val="0"/>
+            <a:satOff val="0"/>
+            <a:lumOff val="0"/>
+            <a:alphaOff val="0"/>
+          </a:schemeClr>
+        </a:solidFill>
+        <a:ln w="38100" cap="flat" cmpd="sng" algn="ctr">
+          <a:solidFill>
+            <a:schemeClr val="accent1">
+              <a:hueOff val="0"/>
+              <a:satOff val="0"/>
+              <a:lumOff val="0"/>
+              <a:alphaOff val="0"/>
+            </a:schemeClr>
+          </a:solidFill>
+          <a:prstDash val="solid"/>
+        </a:ln>
+        <a:effectLst/>
+      </dsp:spPr>
+      <dsp:style>
+        <a:lnRef idx="2">
+          <a:scrgbClr r="0" g="0" b="0"/>
+        </a:lnRef>
+        <a:fillRef idx="1">
+          <a:scrgbClr r="0" g="0" b="0"/>
+        </a:fillRef>
+        <a:effectRef idx="0">
+          <a:scrgbClr r="0" g="0" b="0"/>
+        </a:effectRef>
+        <a:fontRef idx="minor"/>
+      </dsp:style>
+    </dsp:sp>
+    <dsp:sp modelId="{981FEB13-4175-4F5F-8EA6-96A06383949E}">
+      <dsp:nvSpPr>
+        <dsp:cNvPr id="0" name=""/>
+        <dsp:cNvSpPr/>
+      </dsp:nvSpPr>
+      <dsp:spPr>
+        <a:xfrm>
+          <a:off x="426720" y="47879"/>
+          <a:ext cx="5974080" cy="1269360"/>
+        </a:xfrm>
+        <a:prstGeom prst="roundRect">
+          <a:avLst/>
+        </a:prstGeom>
+        <a:solidFill>
+          <a:schemeClr val="accent1">
+            <a:hueOff val="0"/>
+            <a:satOff val="0"/>
+            <a:lumOff val="0"/>
+            <a:alphaOff val="0"/>
+          </a:schemeClr>
+        </a:solidFill>
+        <a:ln w="38100" cap="flat" cmpd="sng" algn="ctr">
+          <a:solidFill>
+            <a:schemeClr val="lt1">
+              <a:hueOff val="0"/>
+              <a:satOff val="0"/>
+              <a:lumOff val="0"/>
+              <a:alphaOff val="0"/>
+            </a:schemeClr>
+          </a:solidFill>
+          <a:prstDash val="solid"/>
+        </a:ln>
+        <a:effectLst/>
+      </dsp:spPr>
+      <dsp:style>
+        <a:lnRef idx="2">
+          <a:scrgbClr r="0" g="0" b="0"/>
+        </a:lnRef>
+        <a:fillRef idx="1">
+          <a:scrgbClr r="0" g="0" b="0"/>
+        </a:fillRef>
+        <a:effectRef idx="0">
+          <a:scrgbClr r="0" g="0" b="0"/>
+        </a:effectRef>
+        <a:fontRef idx="minor">
+          <a:schemeClr val="lt1"/>
+        </a:fontRef>
+      </dsp:style>
+      <dsp:txBody>
+        <a:bodyPr spcFirstLastPara="0" vert="horz" wrap="square" lIns="225806" tIns="0" rIns="225806" bIns="0" numCol="1" spcCol="1270" anchor="ctr" anchorCtr="0">
+          <a:noAutofit/>
+        </a:bodyPr>
+        <a:lstStyle/>
+        <a:p>
+          <a:pPr lvl="0" algn="l" defTabSz="1244600">
+            <a:lnSpc>
+              <a:spcPct val="90000"/>
+            </a:lnSpc>
+            <a:spcBef>
+              <a:spcPct val="0"/>
+            </a:spcBef>
+            <a:spcAft>
+              <a:spcPct val="35000"/>
+            </a:spcAft>
+          </a:pPr>
+          <a:r>
+            <a:rPr lang="en-US" sz="2800" kern="1200" dirty="0" smtClean="0"/>
+            <a:t>One UI Prototype will be ready by the first LCO phase deadline</a:t>
+          </a:r>
+          <a:endParaRPr lang="en-US" sz="2800" kern="1200" dirty="0"/>
+        </a:p>
+      </dsp:txBody>
+      <dsp:txXfrm>
+        <a:off x="426720" y="47879"/>
+        <a:ext cx="5974080" cy="1269360"/>
+      </dsp:txXfrm>
+    </dsp:sp>
+    <dsp:sp modelId="{115D5713-5D17-4567-81AE-543FD2FA3680}">
+      <dsp:nvSpPr>
+        <dsp:cNvPr id="0" name=""/>
+        <dsp:cNvSpPr/>
+      </dsp:nvSpPr>
+      <dsp:spPr>
+        <a:xfrm>
+          <a:off x="0" y="2633040"/>
+          <a:ext cx="8534400" cy="1083600"/>
+        </a:xfrm>
+        <a:prstGeom prst="rect">
+          <a:avLst/>
+        </a:prstGeom>
+        <a:solidFill>
+          <a:schemeClr val="lt1">
+            <a:alpha val="90000"/>
+            <a:hueOff val="0"/>
+            <a:satOff val="0"/>
+            <a:lumOff val="0"/>
+            <a:alphaOff val="0"/>
+          </a:schemeClr>
+        </a:solidFill>
+        <a:ln w="38100" cap="flat" cmpd="sng" algn="ctr">
+          <a:solidFill>
+            <a:schemeClr val="accent1">
+              <a:hueOff val="0"/>
+              <a:satOff val="0"/>
+              <a:lumOff val="0"/>
+              <a:alphaOff val="0"/>
+            </a:schemeClr>
+          </a:solidFill>
+          <a:prstDash val="solid"/>
+        </a:ln>
+        <a:effectLst/>
+      </dsp:spPr>
+      <dsp:style>
+        <a:lnRef idx="2">
+          <a:scrgbClr r="0" g="0" b="0"/>
+        </a:lnRef>
+        <a:fillRef idx="1">
+          <a:scrgbClr r="0" g="0" b="0"/>
+        </a:fillRef>
+        <a:effectRef idx="0">
+          <a:scrgbClr r="0" g="0" b="0"/>
+        </a:effectRef>
+        <a:fontRef idx="minor"/>
+      </dsp:style>
+    </dsp:sp>
+    <dsp:sp modelId="{DE89EB8F-8402-4814-95DB-C316B17D9005}">
+      <dsp:nvSpPr>
+        <dsp:cNvPr id="0" name=""/>
+        <dsp:cNvSpPr/>
+      </dsp:nvSpPr>
+      <dsp:spPr>
+        <a:xfrm>
+          <a:off x="426720" y="1998360"/>
+          <a:ext cx="5974080" cy="1269360"/>
+        </a:xfrm>
+        <a:prstGeom prst="roundRect">
+          <a:avLst/>
+        </a:prstGeom>
+        <a:solidFill>
+          <a:schemeClr val="accent1">
+            <a:hueOff val="0"/>
+            <a:satOff val="0"/>
+            <a:lumOff val="0"/>
+            <a:alphaOff val="0"/>
+          </a:schemeClr>
+        </a:solidFill>
+        <a:ln w="38100" cap="flat" cmpd="sng" algn="ctr">
+          <a:solidFill>
+            <a:schemeClr val="lt1">
+              <a:hueOff val="0"/>
+              <a:satOff val="0"/>
+              <a:lumOff val="0"/>
+              <a:alphaOff val="0"/>
+            </a:schemeClr>
+          </a:solidFill>
+          <a:prstDash val="solid"/>
+        </a:ln>
+        <a:effectLst/>
+      </dsp:spPr>
+      <dsp:style>
+        <a:lnRef idx="2">
+          <a:scrgbClr r="0" g="0" b="0"/>
+        </a:lnRef>
+        <a:fillRef idx="1">
+          <a:scrgbClr r="0" g="0" b="0"/>
+        </a:fillRef>
+        <a:effectRef idx="0">
+          <a:scrgbClr r="0" g="0" b="0"/>
+        </a:effectRef>
+        <a:fontRef idx="minor">
+          <a:schemeClr val="lt1"/>
+        </a:fontRef>
+      </dsp:style>
+      <dsp:txBody>
+        <a:bodyPr spcFirstLastPara="0" vert="horz" wrap="square" lIns="225806" tIns="0" rIns="225806" bIns="0" numCol="1" spcCol="1270" anchor="ctr" anchorCtr="0">
+          <a:noAutofit/>
+        </a:bodyPr>
+        <a:lstStyle/>
+        <a:p>
+          <a:pPr lvl="0" algn="l" defTabSz="1244600">
+            <a:lnSpc>
+              <a:spcPct val="90000"/>
+            </a:lnSpc>
+            <a:spcBef>
+              <a:spcPct val="0"/>
+            </a:spcBef>
+            <a:spcAft>
+              <a:spcPct val="35000"/>
+            </a:spcAft>
+          </a:pPr>
+          <a:r>
+            <a:rPr lang="en-US" sz="2800" kern="1200" smtClean="0"/>
+            <a:t>For the second iteration, research into OODBMS will be done</a:t>
+          </a:r>
+          <a:endParaRPr lang="en-US" sz="2800" kern="1200" dirty="0"/>
+        </a:p>
+      </dsp:txBody>
+      <dsp:txXfrm>
+        <a:off x="426720" y="1998360"/>
+        <a:ext cx="5974080" cy="1269360"/>
+      </dsp:txXfrm>
+    </dsp:sp>
+    <dsp:sp modelId="{EA9C0C29-5EA7-4045-A087-B16B4142C350}">
+      <dsp:nvSpPr>
+        <dsp:cNvPr id="0" name=""/>
+        <dsp:cNvSpPr/>
+      </dsp:nvSpPr>
+      <dsp:spPr>
+        <a:xfrm>
+          <a:off x="0" y="4583520"/>
+          <a:ext cx="8534400" cy="1083600"/>
+        </a:xfrm>
+        <a:prstGeom prst="rect">
+          <a:avLst/>
+        </a:prstGeom>
+        <a:solidFill>
+          <a:schemeClr val="lt1">
+            <a:alpha val="90000"/>
+            <a:hueOff val="0"/>
+            <a:satOff val="0"/>
+            <a:lumOff val="0"/>
+            <a:alphaOff val="0"/>
+          </a:schemeClr>
+        </a:solidFill>
+        <a:ln w="38100" cap="flat" cmpd="sng" algn="ctr">
+          <a:solidFill>
+            <a:schemeClr val="accent1">
+              <a:hueOff val="0"/>
+              <a:satOff val="0"/>
+              <a:lumOff val="0"/>
+              <a:alphaOff val="0"/>
+            </a:schemeClr>
+          </a:solidFill>
+          <a:prstDash val="solid"/>
+        </a:ln>
+        <a:effectLst/>
+      </dsp:spPr>
+      <dsp:style>
+        <a:lnRef idx="2">
+          <a:scrgbClr r="0" g="0" b="0"/>
+        </a:lnRef>
+        <a:fillRef idx="1">
+          <a:scrgbClr r="0" g="0" b="0"/>
+        </a:fillRef>
+        <a:effectRef idx="0">
+          <a:scrgbClr r="0" g="0" b="0"/>
+        </a:effectRef>
+        <a:fontRef idx="minor"/>
+      </dsp:style>
+    </dsp:sp>
+    <dsp:sp modelId="{69267596-E8D1-4270-AF15-EF33ADE40995}">
+      <dsp:nvSpPr>
+        <dsp:cNvPr id="0" name=""/>
+        <dsp:cNvSpPr/>
+      </dsp:nvSpPr>
+      <dsp:spPr>
+        <a:xfrm>
+          <a:off x="426720" y="3948840"/>
+          <a:ext cx="5974080" cy="1269360"/>
+        </a:xfrm>
+        <a:prstGeom prst="roundRect">
+          <a:avLst/>
+        </a:prstGeom>
+        <a:solidFill>
+          <a:schemeClr val="accent1">
+            <a:hueOff val="0"/>
+            <a:satOff val="0"/>
+            <a:lumOff val="0"/>
+            <a:alphaOff val="0"/>
+          </a:schemeClr>
+        </a:solidFill>
+        <a:ln w="38100" cap="flat" cmpd="sng" algn="ctr">
+          <a:solidFill>
+            <a:schemeClr val="lt1">
+              <a:hueOff val="0"/>
+              <a:satOff val="0"/>
+              <a:lumOff val="0"/>
+              <a:alphaOff val="0"/>
+            </a:schemeClr>
+          </a:solidFill>
+          <a:prstDash val="solid"/>
+        </a:ln>
+        <a:effectLst/>
+      </dsp:spPr>
+      <dsp:style>
+        <a:lnRef idx="2">
+          <a:scrgbClr r="0" g="0" b="0"/>
+        </a:lnRef>
+        <a:fillRef idx="1">
+          <a:scrgbClr r="0" g="0" b="0"/>
+        </a:fillRef>
+        <a:effectRef idx="0">
+          <a:scrgbClr r="0" g="0" b="0"/>
+        </a:effectRef>
+        <a:fontRef idx="minor">
+          <a:schemeClr val="lt1"/>
+        </a:fontRef>
+      </dsp:style>
+      <dsp:txBody>
+        <a:bodyPr spcFirstLastPara="0" vert="horz" wrap="square" lIns="225806" tIns="0" rIns="225806" bIns="0" numCol="1" spcCol="1270" anchor="ctr" anchorCtr="0">
+          <a:noAutofit/>
+        </a:bodyPr>
+        <a:lstStyle/>
+        <a:p>
+          <a:pPr lvl="0" algn="l" defTabSz="1244600">
+            <a:lnSpc>
+              <a:spcPct val="90000"/>
+            </a:lnSpc>
+            <a:spcBef>
+              <a:spcPct val="0"/>
+            </a:spcBef>
+            <a:spcAft>
+              <a:spcPct val="35000"/>
+            </a:spcAft>
+          </a:pPr>
+          <a:r>
+            <a:rPr lang="en-US" sz="2800" kern="1200" dirty="0" smtClean="0"/>
+            <a:t>At the end of the second iteration, a demo for accessing the database should be done</a:t>
+          </a:r>
+          <a:endParaRPr lang="en-US" sz="2800" kern="1200" dirty="0"/>
+        </a:p>
+      </dsp:txBody>
+      <dsp:txXfrm>
+        <a:off x="426720" y="3948840"/>
+        <a:ext cx="5974080" cy="1269360"/>
+      </dsp:txXfrm>
+    </dsp:sp>
   </dsp:spTree>
 </dsp:drawing>
 </file>
@@ -16813,6 +17890,475 @@
       <dsp:cNvGrpSpPr/>
     </dsp:nvGrpSpPr>
     <dsp:grpSpPr/>
+    <dsp:sp modelId="{C9768CF7-CC16-4FF9-A5E3-BAF5248F3350}">
+      <dsp:nvSpPr>
+        <dsp:cNvPr id="0" name=""/>
+        <dsp:cNvSpPr/>
+      </dsp:nvSpPr>
+      <dsp:spPr>
+        <a:xfrm>
+          <a:off x="0" y="439944"/>
+          <a:ext cx="8382000" cy="1593900"/>
+        </a:xfrm>
+        <a:prstGeom prst="rect">
+          <a:avLst/>
+        </a:prstGeom>
+        <a:solidFill>
+          <a:schemeClr val="lt1">
+            <a:alpha val="90000"/>
+            <a:hueOff val="0"/>
+            <a:satOff val="0"/>
+            <a:lumOff val="0"/>
+            <a:alphaOff val="0"/>
+          </a:schemeClr>
+        </a:solidFill>
+        <a:ln w="38100" cap="flat" cmpd="sng" algn="ctr">
+          <a:solidFill>
+            <a:schemeClr val="accent1">
+              <a:hueOff val="0"/>
+              <a:satOff val="0"/>
+              <a:lumOff val="0"/>
+              <a:alphaOff val="0"/>
+            </a:schemeClr>
+          </a:solidFill>
+          <a:prstDash val="solid"/>
+        </a:ln>
+        <a:effectLst/>
+      </dsp:spPr>
+      <dsp:style>
+        <a:lnRef idx="2">
+          <a:scrgbClr r="0" g="0" b="0"/>
+        </a:lnRef>
+        <a:fillRef idx="1">
+          <a:scrgbClr r="0" g="0" b="0"/>
+        </a:fillRef>
+        <a:effectRef idx="0">
+          <a:scrgbClr r="0" g="0" b="0"/>
+        </a:effectRef>
+        <a:fontRef idx="minor"/>
+      </dsp:style>
+      <dsp:txBody>
+        <a:bodyPr spcFirstLastPara="0" vert="horz" wrap="square" lIns="650536" tIns="479044" rIns="650536" bIns="163576" numCol="1" spcCol="1270" anchor="t" anchorCtr="0">
+          <a:noAutofit/>
+        </a:bodyPr>
+        <a:lstStyle/>
+        <a:p>
+          <a:pPr marL="228600" lvl="1" indent="-228600" algn="l" defTabSz="1022350">
+            <a:lnSpc>
+              <a:spcPct val="90000"/>
+            </a:lnSpc>
+            <a:spcBef>
+              <a:spcPct val="0"/>
+            </a:spcBef>
+            <a:spcAft>
+              <a:spcPct val="15000"/>
+            </a:spcAft>
+            <a:buChar char="••"/>
+          </a:pPr>
+          <a:r>
+            <a:rPr lang="en-US" sz="2300" kern="1200" smtClean="0"/>
+            <a:t>Reports were omitted, unneeded due to team size and length constraints</a:t>
+          </a:r>
+          <a:endParaRPr lang="en-US" sz="2300" kern="1200" dirty="0"/>
+        </a:p>
+        <a:p>
+          <a:pPr marL="228600" lvl="1" indent="-228600" algn="l" defTabSz="1022350">
+            <a:lnSpc>
+              <a:spcPct val="90000"/>
+            </a:lnSpc>
+            <a:spcBef>
+              <a:spcPct val="0"/>
+            </a:spcBef>
+            <a:spcAft>
+              <a:spcPct val="15000"/>
+            </a:spcAft>
+            <a:buChar char="••"/>
+          </a:pPr>
+          <a:r>
+            <a:rPr lang="en-US" sz="2300" kern="1200" smtClean="0"/>
+            <a:t>Audits were omitted for same reasons</a:t>
+          </a:r>
+          <a:endParaRPr lang="en-US" sz="2300" kern="1200" dirty="0"/>
+        </a:p>
+      </dsp:txBody>
+      <dsp:txXfrm>
+        <a:off x="0" y="439944"/>
+        <a:ext cx="8382000" cy="1593900"/>
+      </dsp:txXfrm>
+    </dsp:sp>
+    <dsp:sp modelId="{B34DBF3E-C7EA-424F-BF4E-436ADC0DB330}">
+      <dsp:nvSpPr>
+        <dsp:cNvPr id="0" name=""/>
+        <dsp:cNvSpPr/>
+      </dsp:nvSpPr>
+      <dsp:spPr>
+        <a:xfrm>
+          <a:off x="419100" y="100464"/>
+          <a:ext cx="5867400" cy="678960"/>
+        </a:xfrm>
+        <a:prstGeom prst="roundRect">
+          <a:avLst/>
+        </a:prstGeom>
+        <a:solidFill>
+          <a:schemeClr val="accent1">
+            <a:hueOff val="0"/>
+            <a:satOff val="0"/>
+            <a:lumOff val="0"/>
+            <a:alphaOff val="0"/>
+          </a:schemeClr>
+        </a:solidFill>
+        <a:ln w="38100" cap="flat" cmpd="sng" algn="ctr">
+          <a:solidFill>
+            <a:schemeClr val="lt1">
+              <a:hueOff val="0"/>
+              <a:satOff val="0"/>
+              <a:lumOff val="0"/>
+              <a:alphaOff val="0"/>
+            </a:schemeClr>
+          </a:solidFill>
+          <a:prstDash val="solid"/>
+        </a:ln>
+        <a:effectLst/>
+      </dsp:spPr>
+      <dsp:style>
+        <a:lnRef idx="2">
+          <a:scrgbClr r="0" g="0" b="0"/>
+        </a:lnRef>
+        <a:fillRef idx="1">
+          <a:scrgbClr r="0" g="0" b="0"/>
+        </a:fillRef>
+        <a:effectRef idx="0">
+          <a:scrgbClr r="0" g="0" b="0"/>
+        </a:effectRef>
+        <a:fontRef idx="minor">
+          <a:schemeClr val="lt1"/>
+        </a:fontRef>
+      </dsp:style>
+      <dsp:txBody>
+        <a:bodyPr spcFirstLastPara="0" vert="horz" wrap="square" lIns="221774" tIns="0" rIns="221774" bIns="0" numCol="1" spcCol="1270" anchor="ctr" anchorCtr="0">
+          <a:noAutofit/>
+        </a:bodyPr>
+        <a:lstStyle/>
+        <a:p>
+          <a:pPr lvl="0" algn="l" defTabSz="1022350">
+            <a:lnSpc>
+              <a:spcPct val="90000"/>
+            </a:lnSpc>
+            <a:spcBef>
+              <a:spcPct val="0"/>
+            </a:spcBef>
+            <a:spcAft>
+              <a:spcPct val="35000"/>
+            </a:spcAft>
+          </a:pPr>
+          <a:r>
+            <a:rPr lang="en-US" sz="2300" kern="1200" smtClean="0"/>
+            <a:t>Major RUP changes:</a:t>
+          </a:r>
+          <a:endParaRPr lang="en-US" sz="2300" kern="1200"/>
+        </a:p>
+      </dsp:txBody>
+      <dsp:txXfrm>
+        <a:off x="419100" y="100464"/>
+        <a:ext cx="5867400" cy="678960"/>
+      </dsp:txXfrm>
+    </dsp:sp>
+    <dsp:sp modelId="{FED59DDB-38D0-4736-A874-1CBF019AD6EE}">
+      <dsp:nvSpPr>
+        <dsp:cNvPr id="0" name=""/>
+        <dsp:cNvSpPr/>
+      </dsp:nvSpPr>
+      <dsp:spPr>
+        <a:xfrm>
+          <a:off x="0" y="2497524"/>
+          <a:ext cx="8382000" cy="1304100"/>
+        </a:xfrm>
+        <a:prstGeom prst="rect">
+          <a:avLst/>
+        </a:prstGeom>
+        <a:solidFill>
+          <a:schemeClr val="lt1">
+            <a:alpha val="90000"/>
+            <a:hueOff val="0"/>
+            <a:satOff val="0"/>
+            <a:lumOff val="0"/>
+            <a:alphaOff val="0"/>
+          </a:schemeClr>
+        </a:solidFill>
+        <a:ln w="38100" cap="flat" cmpd="sng" algn="ctr">
+          <a:solidFill>
+            <a:schemeClr val="accent1">
+              <a:hueOff val="0"/>
+              <a:satOff val="0"/>
+              <a:lumOff val="0"/>
+              <a:alphaOff val="0"/>
+            </a:schemeClr>
+          </a:solidFill>
+          <a:prstDash val="solid"/>
+        </a:ln>
+        <a:effectLst/>
+      </dsp:spPr>
+      <dsp:style>
+        <a:lnRef idx="2">
+          <a:scrgbClr r="0" g="0" b="0"/>
+        </a:lnRef>
+        <a:fillRef idx="1">
+          <a:scrgbClr r="0" g="0" b="0"/>
+        </a:fillRef>
+        <a:effectRef idx="0">
+          <a:scrgbClr r="0" g="0" b="0"/>
+        </a:effectRef>
+        <a:fontRef idx="minor"/>
+      </dsp:style>
+      <dsp:txBody>
+        <a:bodyPr spcFirstLastPara="0" vert="horz" wrap="square" lIns="650536" tIns="479044" rIns="650536" bIns="163576" numCol="1" spcCol="1270" anchor="t" anchorCtr="0">
+          <a:noAutofit/>
+        </a:bodyPr>
+        <a:lstStyle/>
+        <a:p>
+          <a:pPr marL="228600" lvl="1" indent="-228600" algn="l" defTabSz="1022350">
+            <a:lnSpc>
+              <a:spcPct val="90000"/>
+            </a:lnSpc>
+            <a:spcBef>
+              <a:spcPct val="0"/>
+            </a:spcBef>
+            <a:spcAft>
+              <a:spcPct val="15000"/>
+            </a:spcAft>
+            <a:buChar char="••"/>
+          </a:pPr>
+          <a:r>
+            <a:rPr lang="en-US" sz="2300" kern="1200" dirty="0" smtClean="0"/>
+            <a:t>rough artifact deadline information</a:t>
+          </a:r>
+          <a:endParaRPr lang="en-US" sz="2300" kern="1200" dirty="0"/>
+        </a:p>
+        <a:p>
+          <a:pPr marL="228600" lvl="1" indent="-228600" algn="l" defTabSz="1022350">
+            <a:lnSpc>
+              <a:spcPct val="90000"/>
+            </a:lnSpc>
+            <a:spcBef>
+              <a:spcPct val="0"/>
+            </a:spcBef>
+            <a:spcAft>
+              <a:spcPct val="15000"/>
+            </a:spcAft>
+            <a:buChar char="••"/>
+          </a:pPr>
+          <a:r>
+            <a:rPr lang="en-US" sz="2300" kern="1200" dirty="0" smtClean="0"/>
+            <a:t> team information</a:t>
+          </a:r>
+        </a:p>
+      </dsp:txBody>
+      <dsp:txXfrm>
+        <a:off x="0" y="2497524"/>
+        <a:ext cx="8382000" cy="1304100"/>
+      </dsp:txXfrm>
+    </dsp:sp>
+    <dsp:sp modelId="{A9ED6E90-985F-428C-9ABD-D85671914D65}">
+      <dsp:nvSpPr>
+        <dsp:cNvPr id="0" name=""/>
+        <dsp:cNvSpPr/>
+      </dsp:nvSpPr>
+      <dsp:spPr>
+        <a:xfrm>
+          <a:off x="419100" y="2158044"/>
+          <a:ext cx="5867400" cy="678960"/>
+        </a:xfrm>
+        <a:prstGeom prst="roundRect">
+          <a:avLst/>
+        </a:prstGeom>
+        <a:solidFill>
+          <a:schemeClr val="accent1">
+            <a:hueOff val="0"/>
+            <a:satOff val="0"/>
+            <a:lumOff val="0"/>
+            <a:alphaOff val="0"/>
+          </a:schemeClr>
+        </a:solidFill>
+        <a:ln w="38100" cap="flat" cmpd="sng" algn="ctr">
+          <a:solidFill>
+            <a:schemeClr val="lt1">
+              <a:hueOff val="0"/>
+              <a:satOff val="0"/>
+              <a:lumOff val="0"/>
+              <a:alphaOff val="0"/>
+            </a:schemeClr>
+          </a:solidFill>
+          <a:prstDash val="solid"/>
+        </a:ln>
+        <a:effectLst/>
+      </dsp:spPr>
+      <dsp:style>
+        <a:lnRef idx="2">
+          <a:scrgbClr r="0" g="0" b="0"/>
+        </a:lnRef>
+        <a:fillRef idx="1">
+          <a:scrgbClr r="0" g="0" b="0"/>
+        </a:fillRef>
+        <a:effectRef idx="0">
+          <a:scrgbClr r="0" g="0" b="0"/>
+        </a:effectRef>
+        <a:fontRef idx="minor">
+          <a:schemeClr val="lt1"/>
+        </a:fontRef>
+      </dsp:style>
+      <dsp:txBody>
+        <a:bodyPr spcFirstLastPara="0" vert="horz" wrap="square" lIns="221774" tIns="0" rIns="221774" bIns="0" numCol="1" spcCol="1270" anchor="ctr" anchorCtr="0">
+          <a:noAutofit/>
+        </a:bodyPr>
+        <a:lstStyle/>
+        <a:p>
+          <a:pPr lvl="0" algn="l" defTabSz="1022350">
+            <a:lnSpc>
+              <a:spcPct val="90000"/>
+            </a:lnSpc>
+            <a:spcBef>
+              <a:spcPct val="0"/>
+            </a:spcBef>
+            <a:spcAft>
+              <a:spcPct val="35000"/>
+            </a:spcAft>
+          </a:pPr>
+          <a:r>
+            <a:rPr lang="en-US" sz="2300" kern="1200" dirty="0" smtClean="0"/>
+            <a:t>Development case contains:</a:t>
+          </a:r>
+          <a:endParaRPr lang="en-US" sz="2300" kern="1200" dirty="0"/>
+        </a:p>
+      </dsp:txBody>
+      <dsp:txXfrm>
+        <a:off x="419100" y="2158044"/>
+        <a:ext cx="5867400" cy="678960"/>
+      </dsp:txXfrm>
+    </dsp:sp>
+    <dsp:sp modelId="{EAACA776-E2A5-448F-8337-120CA1E8B52D}">
+      <dsp:nvSpPr>
+        <dsp:cNvPr id="0" name=""/>
+        <dsp:cNvSpPr/>
+      </dsp:nvSpPr>
+      <dsp:spPr>
+        <a:xfrm>
+          <a:off x="0" y="4577735"/>
+          <a:ext cx="8382000" cy="579600"/>
+        </a:xfrm>
+        <a:prstGeom prst="rect">
+          <a:avLst/>
+        </a:prstGeom>
+        <a:solidFill>
+          <a:schemeClr val="lt1">
+            <a:alpha val="90000"/>
+            <a:hueOff val="0"/>
+            <a:satOff val="0"/>
+            <a:lumOff val="0"/>
+            <a:alphaOff val="0"/>
+          </a:schemeClr>
+        </a:solidFill>
+        <a:ln w="38100" cap="flat" cmpd="sng" algn="ctr">
+          <a:solidFill>
+            <a:schemeClr val="accent1">
+              <a:hueOff val="0"/>
+              <a:satOff val="0"/>
+              <a:lumOff val="0"/>
+              <a:alphaOff val="0"/>
+            </a:schemeClr>
+          </a:solidFill>
+          <a:prstDash val="solid"/>
+        </a:ln>
+        <a:effectLst/>
+      </dsp:spPr>
+      <dsp:style>
+        <a:lnRef idx="2">
+          <a:scrgbClr r="0" g="0" b="0"/>
+        </a:lnRef>
+        <a:fillRef idx="1">
+          <a:scrgbClr r="0" g="0" b="0"/>
+        </a:fillRef>
+        <a:effectRef idx="0">
+          <a:scrgbClr r="0" g="0" b="0"/>
+        </a:effectRef>
+        <a:fontRef idx="minor"/>
+      </dsp:style>
+    </dsp:sp>
+    <dsp:sp modelId="{8CEE1BC3-90B3-49FE-9616-5AC296752305}">
+      <dsp:nvSpPr>
+        <dsp:cNvPr id="0" name=""/>
+        <dsp:cNvSpPr/>
+      </dsp:nvSpPr>
+      <dsp:spPr>
+        <a:xfrm>
+          <a:off x="419100" y="3925824"/>
+          <a:ext cx="5943617" cy="991390"/>
+        </a:xfrm>
+        <a:prstGeom prst="roundRect">
+          <a:avLst/>
+        </a:prstGeom>
+        <a:solidFill>
+          <a:schemeClr val="accent1">
+            <a:hueOff val="0"/>
+            <a:satOff val="0"/>
+            <a:lumOff val="0"/>
+            <a:alphaOff val="0"/>
+          </a:schemeClr>
+        </a:solidFill>
+        <a:ln w="38100" cap="flat" cmpd="sng" algn="ctr">
+          <a:solidFill>
+            <a:schemeClr val="lt1">
+              <a:hueOff val="0"/>
+              <a:satOff val="0"/>
+              <a:lumOff val="0"/>
+              <a:alphaOff val="0"/>
+            </a:schemeClr>
+          </a:solidFill>
+          <a:prstDash val="solid"/>
+        </a:ln>
+        <a:effectLst/>
+      </dsp:spPr>
+      <dsp:style>
+        <a:lnRef idx="2">
+          <a:scrgbClr r="0" g="0" b="0"/>
+        </a:lnRef>
+        <a:fillRef idx="1">
+          <a:scrgbClr r="0" g="0" b="0"/>
+        </a:fillRef>
+        <a:effectRef idx="0">
+          <a:scrgbClr r="0" g="0" b="0"/>
+        </a:effectRef>
+        <a:fontRef idx="minor">
+          <a:schemeClr val="lt1"/>
+        </a:fontRef>
+      </dsp:style>
+      <dsp:txBody>
+        <a:bodyPr spcFirstLastPara="0" vert="horz" wrap="square" lIns="221774" tIns="0" rIns="221774" bIns="0" numCol="1" spcCol="1270" anchor="ctr" anchorCtr="0">
+          <a:noAutofit/>
+        </a:bodyPr>
+        <a:lstStyle/>
+        <a:p>
+          <a:pPr lvl="0" algn="l" defTabSz="1066800">
+            <a:lnSpc>
+              <a:spcPct val="90000"/>
+            </a:lnSpc>
+            <a:spcBef>
+              <a:spcPct val="0"/>
+            </a:spcBef>
+            <a:spcAft>
+              <a:spcPct val="35000"/>
+            </a:spcAft>
+          </a:pPr>
+          <a:r>
+            <a:rPr lang="en-US" sz="2400" kern="1200" dirty="0" smtClean="0"/>
+            <a:t>See CM Plan for information on how we suggest to submit  and manage code and artifacts.</a:t>
+          </a:r>
+        </a:p>
+      </dsp:txBody>
+      <dsp:txXfrm>
+        <a:off x="419100" y="3925824"/>
+        <a:ext cx="5943617" cy="991390"/>
+      </dsp:txXfrm>
+    </dsp:sp>
   </dsp:spTree>
 </dsp:drawing>
 </file>
@@ -16825,6 +18371,503 @@
       <dsp:cNvGrpSpPr/>
     </dsp:nvGrpSpPr>
     <dsp:grpSpPr/>
+    <dsp:sp modelId="{F4955967-D75C-4FBE-874B-043E0BA5D2DD}">
+      <dsp:nvSpPr>
+        <dsp:cNvPr id="0" name=""/>
+        <dsp:cNvSpPr/>
+      </dsp:nvSpPr>
+      <dsp:spPr>
+        <a:xfrm>
+          <a:off x="0" y="431481"/>
+          <a:ext cx="8229600" cy="630000"/>
+        </a:xfrm>
+        <a:prstGeom prst="rect">
+          <a:avLst/>
+        </a:prstGeom>
+        <a:solidFill>
+          <a:schemeClr val="lt1">
+            <a:alpha val="90000"/>
+            <a:hueOff val="0"/>
+            <a:satOff val="0"/>
+            <a:lumOff val="0"/>
+            <a:alphaOff val="0"/>
+          </a:schemeClr>
+        </a:solidFill>
+        <a:ln w="38100" cap="flat" cmpd="sng" algn="ctr">
+          <a:solidFill>
+            <a:schemeClr val="accent1">
+              <a:hueOff val="0"/>
+              <a:satOff val="0"/>
+              <a:lumOff val="0"/>
+              <a:alphaOff val="0"/>
+            </a:schemeClr>
+          </a:solidFill>
+          <a:prstDash val="solid"/>
+        </a:ln>
+        <a:effectLst/>
+      </dsp:spPr>
+      <dsp:style>
+        <a:lnRef idx="2">
+          <a:scrgbClr r="0" g="0" b="0"/>
+        </a:lnRef>
+        <a:fillRef idx="1">
+          <a:scrgbClr r="0" g="0" b="0"/>
+        </a:fillRef>
+        <a:effectRef idx="0">
+          <a:scrgbClr r="0" g="0" b="0"/>
+        </a:effectRef>
+        <a:fontRef idx="minor"/>
+      </dsp:style>
+    </dsp:sp>
+    <dsp:sp modelId="{D0561972-1019-4576-B76B-9F90AF8957C3}">
+      <dsp:nvSpPr>
+        <dsp:cNvPr id="0" name=""/>
+        <dsp:cNvSpPr/>
+      </dsp:nvSpPr>
+      <dsp:spPr>
+        <a:xfrm>
+          <a:off x="1143025" y="381002"/>
+          <a:ext cx="5760720" cy="738000"/>
+        </a:xfrm>
+        <a:prstGeom prst="roundRect">
+          <a:avLst/>
+        </a:prstGeom>
+        <a:solidFill>
+          <a:schemeClr val="accent1">
+            <a:hueOff val="0"/>
+            <a:satOff val="0"/>
+            <a:lumOff val="0"/>
+            <a:alphaOff val="0"/>
+          </a:schemeClr>
+        </a:solidFill>
+        <a:ln w="38100" cap="flat" cmpd="sng" algn="ctr">
+          <a:solidFill>
+            <a:schemeClr val="lt1">
+              <a:hueOff val="0"/>
+              <a:satOff val="0"/>
+              <a:lumOff val="0"/>
+              <a:alphaOff val="0"/>
+            </a:schemeClr>
+          </a:solidFill>
+          <a:prstDash val="solid"/>
+        </a:ln>
+        <a:effectLst/>
+      </dsp:spPr>
+      <dsp:style>
+        <a:lnRef idx="2">
+          <a:scrgbClr r="0" g="0" b="0"/>
+        </a:lnRef>
+        <a:fillRef idx="1">
+          <a:scrgbClr r="0" g="0" b="0"/>
+        </a:fillRef>
+        <a:effectRef idx="0">
+          <a:scrgbClr r="0" g="0" b="0"/>
+        </a:effectRef>
+        <a:fontRef idx="minor">
+          <a:schemeClr val="lt1"/>
+        </a:fontRef>
+      </dsp:style>
+      <dsp:txBody>
+        <a:bodyPr spcFirstLastPara="0" vert="horz" wrap="square" lIns="217742" tIns="0" rIns="217742" bIns="0" numCol="1" spcCol="1270" anchor="ctr" anchorCtr="0">
+          <a:noAutofit/>
+        </a:bodyPr>
+        <a:lstStyle/>
+        <a:p>
+          <a:pPr lvl="0" algn="l" defTabSz="1111250">
+            <a:lnSpc>
+              <a:spcPct val="90000"/>
+            </a:lnSpc>
+            <a:spcBef>
+              <a:spcPct val="0"/>
+            </a:spcBef>
+            <a:spcAft>
+              <a:spcPct val="35000"/>
+            </a:spcAft>
+          </a:pPr>
+          <a:r>
+            <a:rPr lang="en-US" sz="2500" kern="1200" dirty="0" smtClean="0"/>
+            <a:t>LCO Artifacts Due : 03/12/2012</a:t>
+          </a:r>
+          <a:endParaRPr lang="en-US" sz="2500" kern="1200" dirty="0"/>
+        </a:p>
+      </dsp:txBody>
+      <dsp:txXfrm>
+        <a:off x="1143025" y="381002"/>
+        <a:ext cx="5760720" cy="738000"/>
+      </dsp:txXfrm>
+    </dsp:sp>
+    <dsp:sp modelId="{14DD0E24-166F-4057-AA5E-0FB1F4A0593C}">
+      <dsp:nvSpPr>
+        <dsp:cNvPr id="0" name=""/>
+        <dsp:cNvSpPr/>
+      </dsp:nvSpPr>
+      <dsp:spPr>
+        <a:xfrm>
+          <a:off x="0" y="1565481"/>
+          <a:ext cx="8229600" cy="630000"/>
+        </a:xfrm>
+        <a:prstGeom prst="rect">
+          <a:avLst/>
+        </a:prstGeom>
+        <a:solidFill>
+          <a:schemeClr val="lt1">
+            <a:alpha val="90000"/>
+            <a:hueOff val="0"/>
+            <a:satOff val="0"/>
+            <a:lumOff val="0"/>
+            <a:alphaOff val="0"/>
+          </a:schemeClr>
+        </a:solidFill>
+        <a:ln w="38100" cap="flat" cmpd="sng" algn="ctr">
+          <a:solidFill>
+            <a:schemeClr val="accent1">
+              <a:hueOff val="0"/>
+              <a:satOff val="0"/>
+              <a:lumOff val="0"/>
+              <a:alphaOff val="0"/>
+            </a:schemeClr>
+          </a:solidFill>
+          <a:prstDash val="solid"/>
+        </a:ln>
+        <a:effectLst/>
+      </dsp:spPr>
+      <dsp:style>
+        <a:lnRef idx="2">
+          <a:scrgbClr r="0" g="0" b="0"/>
+        </a:lnRef>
+        <a:fillRef idx="1">
+          <a:scrgbClr r="0" g="0" b="0"/>
+        </a:fillRef>
+        <a:effectRef idx="0">
+          <a:scrgbClr r="0" g="0" b="0"/>
+        </a:effectRef>
+        <a:fontRef idx="minor"/>
+      </dsp:style>
+    </dsp:sp>
+    <dsp:sp modelId="{410E97F1-54A6-4CA7-9E64-D298FC08D805}">
+      <dsp:nvSpPr>
+        <dsp:cNvPr id="0" name=""/>
+        <dsp:cNvSpPr/>
+      </dsp:nvSpPr>
+      <dsp:spPr>
+        <a:xfrm>
+          <a:off x="1143025" y="1489799"/>
+          <a:ext cx="5760720" cy="738000"/>
+        </a:xfrm>
+        <a:prstGeom prst="roundRect">
+          <a:avLst/>
+        </a:prstGeom>
+        <a:solidFill>
+          <a:schemeClr val="accent1">
+            <a:hueOff val="0"/>
+            <a:satOff val="0"/>
+            <a:lumOff val="0"/>
+            <a:alphaOff val="0"/>
+          </a:schemeClr>
+        </a:solidFill>
+        <a:ln w="38100" cap="flat" cmpd="sng" algn="ctr">
+          <a:solidFill>
+            <a:schemeClr val="lt1">
+              <a:hueOff val="0"/>
+              <a:satOff val="0"/>
+              <a:lumOff val="0"/>
+              <a:alphaOff val="0"/>
+            </a:schemeClr>
+          </a:solidFill>
+          <a:prstDash val="solid"/>
+        </a:ln>
+        <a:effectLst/>
+      </dsp:spPr>
+      <dsp:style>
+        <a:lnRef idx="2">
+          <a:scrgbClr r="0" g="0" b="0"/>
+        </a:lnRef>
+        <a:fillRef idx="1">
+          <a:scrgbClr r="0" g="0" b="0"/>
+        </a:fillRef>
+        <a:effectRef idx="0">
+          <a:scrgbClr r="0" g="0" b="0"/>
+        </a:effectRef>
+        <a:fontRef idx="minor">
+          <a:schemeClr val="lt1"/>
+        </a:fontRef>
+      </dsp:style>
+      <dsp:txBody>
+        <a:bodyPr spcFirstLastPara="0" vert="horz" wrap="square" lIns="217742" tIns="0" rIns="217742" bIns="0" numCol="1" spcCol="1270" anchor="ctr" anchorCtr="0">
+          <a:noAutofit/>
+        </a:bodyPr>
+        <a:lstStyle/>
+        <a:p>
+          <a:pPr lvl="0" algn="l" defTabSz="1111250">
+            <a:lnSpc>
+              <a:spcPct val="90000"/>
+            </a:lnSpc>
+            <a:spcBef>
+              <a:spcPct val="0"/>
+            </a:spcBef>
+            <a:spcAft>
+              <a:spcPct val="35000"/>
+            </a:spcAft>
+          </a:pPr>
+          <a:r>
+            <a:rPr lang="en-US" sz="2500" kern="1200" dirty="0" smtClean="0"/>
+            <a:t>LCO Presentation Slides Due : 03/16/2012</a:t>
+          </a:r>
+        </a:p>
+      </dsp:txBody>
+      <dsp:txXfrm>
+        <a:off x="1143025" y="1489799"/>
+        <a:ext cx="5760720" cy="738000"/>
+      </dsp:txXfrm>
+    </dsp:sp>
+    <dsp:sp modelId="{A1FE0DE6-4DF8-41EF-9DB6-68831820D766}">
+      <dsp:nvSpPr>
+        <dsp:cNvPr id="0" name=""/>
+        <dsp:cNvSpPr/>
+      </dsp:nvSpPr>
+      <dsp:spPr>
+        <a:xfrm>
+          <a:off x="0" y="2699481"/>
+          <a:ext cx="8229600" cy="630000"/>
+        </a:xfrm>
+        <a:prstGeom prst="rect">
+          <a:avLst/>
+        </a:prstGeom>
+        <a:solidFill>
+          <a:schemeClr val="lt1">
+            <a:alpha val="90000"/>
+            <a:hueOff val="0"/>
+            <a:satOff val="0"/>
+            <a:lumOff val="0"/>
+            <a:alphaOff val="0"/>
+          </a:schemeClr>
+        </a:solidFill>
+        <a:ln w="38100" cap="flat" cmpd="sng" algn="ctr">
+          <a:solidFill>
+            <a:schemeClr val="accent1">
+              <a:hueOff val="0"/>
+              <a:satOff val="0"/>
+              <a:lumOff val="0"/>
+              <a:alphaOff val="0"/>
+            </a:schemeClr>
+          </a:solidFill>
+          <a:prstDash val="solid"/>
+        </a:ln>
+        <a:effectLst/>
+      </dsp:spPr>
+      <dsp:style>
+        <a:lnRef idx="2">
+          <a:scrgbClr r="0" g="0" b="0"/>
+        </a:lnRef>
+        <a:fillRef idx="1">
+          <a:scrgbClr r="0" g="0" b="0"/>
+        </a:fillRef>
+        <a:effectRef idx="0">
+          <a:scrgbClr r="0" g="0" b="0"/>
+        </a:effectRef>
+        <a:fontRef idx="minor"/>
+      </dsp:style>
+    </dsp:sp>
+    <dsp:sp modelId="{091C577E-201F-4D1A-BA45-B5A6E8172194}">
+      <dsp:nvSpPr>
+        <dsp:cNvPr id="0" name=""/>
+        <dsp:cNvSpPr/>
+      </dsp:nvSpPr>
+      <dsp:spPr>
+        <a:xfrm>
+          <a:off x="1143025" y="2623799"/>
+          <a:ext cx="5760720" cy="738000"/>
+        </a:xfrm>
+        <a:prstGeom prst="roundRect">
+          <a:avLst/>
+        </a:prstGeom>
+        <a:solidFill>
+          <a:schemeClr val="accent1">
+            <a:hueOff val="0"/>
+            <a:satOff val="0"/>
+            <a:lumOff val="0"/>
+            <a:alphaOff val="0"/>
+          </a:schemeClr>
+        </a:solidFill>
+        <a:ln w="38100" cap="flat" cmpd="sng" algn="ctr">
+          <a:solidFill>
+            <a:schemeClr val="lt1">
+              <a:hueOff val="0"/>
+              <a:satOff val="0"/>
+              <a:lumOff val="0"/>
+              <a:alphaOff val="0"/>
+            </a:schemeClr>
+          </a:solidFill>
+          <a:prstDash val="solid"/>
+        </a:ln>
+        <a:effectLst/>
+      </dsp:spPr>
+      <dsp:style>
+        <a:lnRef idx="2">
+          <a:scrgbClr r="0" g="0" b="0"/>
+        </a:lnRef>
+        <a:fillRef idx="1">
+          <a:scrgbClr r="0" g="0" b="0"/>
+        </a:fillRef>
+        <a:effectRef idx="0">
+          <a:scrgbClr r="0" g="0" b="0"/>
+        </a:effectRef>
+        <a:fontRef idx="minor">
+          <a:schemeClr val="lt1"/>
+        </a:fontRef>
+      </dsp:style>
+      <dsp:txBody>
+        <a:bodyPr spcFirstLastPara="0" vert="horz" wrap="square" lIns="217742" tIns="0" rIns="217742" bIns="0" numCol="1" spcCol="1270" anchor="ctr" anchorCtr="0">
+          <a:noAutofit/>
+        </a:bodyPr>
+        <a:lstStyle/>
+        <a:p>
+          <a:pPr lvl="0" algn="l" defTabSz="1111250">
+            <a:lnSpc>
+              <a:spcPct val="90000"/>
+            </a:lnSpc>
+            <a:spcBef>
+              <a:spcPct val="0"/>
+            </a:spcBef>
+            <a:spcAft>
+              <a:spcPct val="35000"/>
+            </a:spcAft>
+          </a:pPr>
+          <a:r>
+            <a:rPr lang="en-US" sz="2500" kern="1200" dirty="0" smtClean="0"/>
+            <a:t>LCO milestone : 03/20/2012</a:t>
+          </a:r>
+        </a:p>
+      </dsp:txBody>
+      <dsp:txXfrm>
+        <a:off x="1143025" y="2623799"/>
+        <a:ext cx="5760720" cy="738000"/>
+      </dsp:txXfrm>
+    </dsp:sp>
+    <dsp:sp modelId="{75EDF9CA-537E-4811-960B-A45451F9E5C3}">
+      <dsp:nvSpPr>
+        <dsp:cNvPr id="0" name=""/>
+        <dsp:cNvSpPr/>
+      </dsp:nvSpPr>
+      <dsp:spPr>
+        <a:xfrm>
+          <a:off x="0" y="3833481"/>
+          <a:ext cx="8229600" cy="630000"/>
+        </a:xfrm>
+        <a:prstGeom prst="rect">
+          <a:avLst/>
+        </a:prstGeom>
+        <a:solidFill>
+          <a:schemeClr val="lt1">
+            <a:alpha val="90000"/>
+            <a:hueOff val="0"/>
+            <a:satOff val="0"/>
+            <a:lumOff val="0"/>
+            <a:alphaOff val="0"/>
+          </a:schemeClr>
+        </a:solidFill>
+        <a:ln w="38100" cap="flat" cmpd="sng" algn="ctr">
+          <a:solidFill>
+            <a:schemeClr val="accent1">
+              <a:hueOff val="0"/>
+              <a:satOff val="0"/>
+              <a:lumOff val="0"/>
+              <a:alphaOff val="0"/>
+            </a:schemeClr>
+          </a:solidFill>
+          <a:prstDash val="solid"/>
+        </a:ln>
+        <a:effectLst/>
+      </dsp:spPr>
+      <dsp:style>
+        <a:lnRef idx="2">
+          <a:scrgbClr r="0" g="0" b="0"/>
+        </a:lnRef>
+        <a:fillRef idx="1">
+          <a:scrgbClr r="0" g="0" b="0"/>
+        </a:fillRef>
+        <a:effectRef idx="0">
+          <a:scrgbClr r="0" g="0" b="0"/>
+        </a:effectRef>
+        <a:fontRef idx="minor"/>
+      </dsp:style>
+    </dsp:sp>
+    <dsp:sp modelId="{9D87FB2C-97AA-4304-A7E6-3B273A9F22C8}">
+      <dsp:nvSpPr>
+        <dsp:cNvPr id="0" name=""/>
+        <dsp:cNvSpPr/>
+      </dsp:nvSpPr>
+      <dsp:spPr>
+        <a:xfrm>
+          <a:off x="1143025" y="3757799"/>
+          <a:ext cx="5760720" cy="738000"/>
+        </a:xfrm>
+        <a:prstGeom prst="roundRect">
+          <a:avLst/>
+        </a:prstGeom>
+        <a:solidFill>
+          <a:schemeClr val="accent1">
+            <a:hueOff val="0"/>
+            <a:satOff val="0"/>
+            <a:lumOff val="0"/>
+            <a:alphaOff val="0"/>
+          </a:schemeClr>
+        </a:solidFill>
+        <a:ln w="38100" cap="flat" cmpd="sng" algn="ctr">
+          <a:solidFill>
+            <a:schemeClr val="lt1">
+              <a:hueOff val="0"/>
+              <a:satOff val="0"/>
+              <a:lumOff val="0"/>
+              <a:alphaOff val="0"/>
+            </a:schemeClr>
+          </a:solidFill>
+          <a:prstDash val="solid"/>
+        </a:ln>
+        <a:effectLst/>
+      </dsp:spPr>
+      <dsp:style>
+        <a:lnRef idx="2">
+          <a:scrgbClr r="0" g="0" b="0"/>
+        </a:lnRef>
+        <a:fillRef idx="1">
+          <a:scrgbClr r="0" g="0" b="0"/>
+        </a:fillRef>
+        <a:effectRef idx="0">
+          <a:scrgbClr r="0" g="0" b="0"/>
+        </a:effectRef>
+        <a:fontRef idx="minor">
+          <a:schemeClr val="lt1"/>
+        </a:fontRef>
+      </dsp:style>
+      <dsp:txBody>
+        <a:bodyPr spcFirstLastPara="0" vert="horz" wrap="square" lIns="217742" tIns="0" rIns="217742" bIns="0" numCol="1" spcCol="1270" anchor="ctr" anchorCtr="0">
+          <a:noAutofit/>
+        </a:bodyPr>
+        <a:lstStyle/>
+        <a:p>
+          <a:pPr lvl="0" algn="l" defTabSz="1111250">
+            <a:lnSpc>
+              <a:spcPct val="90000"/>
+            </a:lnSpc>
+            <a:spcBef>
+              <a:spcPct val="0"/>
+            </a:spcBef>
+            <a:spcAft>
+              <a:spcPct val="35000"/>
+            </a:spcAft>
+          </a:pPr>
+          <a:r>
+            <a:rPr lang="en-US" sz="2500" kern="1200" dirty="0" smtClean="0"/>
+            <a:t>Project Iteration Briefing : 05/01/2012</a:t>
+          </a:r>
+        </a:p>
+      </dsp:txBody>
+      <dsp:txXfrm>
+        <a:off x="1143025" y="3757799"/>
+        <a:ext cx="5760720" cy="738000"/>
+      </dsp:txXfrm>
+    </dsp:sp>
   </dsp:spTree>
 </dsp:drawing>
 </file>
@@ -18070,6 +20113,425 @@
       <dsp:cNvGrpSpPr/>
     </dsp:nvGrpSpPr>
     <dsp:grpSpPr/>
+    <dsp:sp modelId="{4B840E8D-AE36-423D-9C99-37BD66F2E0EA}">
+      <dsp:nvSpPr>
+        <dsp:cNvPr id="0" name=""/>
+        <dsp:cNvSpPr/>
+      </dsp:nvSpPr>
+      <dsp:spPr>
+        <a:xfrm>
+          <a:off x="0" y="410549"/>
+          <a:ext cx="8153400" cy="1984500"/>
+        </a:xfrm>
+        <a:prstGeom prst="rect">
+          <a:avLst/>
+        </a:prstGeom>
+        <a:solidFill>
+          <a:schemeClr val="lt1">
+            <a:alpha val="90000"/>
+            <a:hueOff val="0"/>
+            <a:satOff val="0"/>
+            <a:lumOff val="0"/>
+            <a:alphaOff val="0"/>
+          </a:schemeClr>
+        </a:solidFill>
+        <a:ln w="38100" cap="flat" cmpd="sng" algn="ctr">
+          <a:solidFill>
+            <a:schemeClr val="accent1">
+              <a:hueOff val="0"/>
+              <a:satOff val="0"/>
+              <a:lumOff val="0"/>
+              <a:alphaOff val="0"/>
+            </a:schemeClr>
+          </a:solidFill>
+          <a:prstDash val="solid"/>
+        </a:ln>
+        <a:effectLst/>
+      </dsp:spPr>
+      <dsp:style>
+        <a:lnRef idx="2">
+          <a:scrgbClr r="0" g="0" b="0"/>
+        </a:lnRef>
+        <a:fillRef idx="1">
+          <a:scrgbClr r="0" g="0" b="0"/>
+        </a:fillRef>
+        <a:effectRef idx="0">
+          <a:scrgbClr r="0" g="0" b="0"/>
+        </a:effectRef>
+        <a:fontRef idx="minor"/>
+      </dsp:style>
+      <dsp:txBody>
+        <a:bodyPr spcFirstLastPara="0" vert="horz" wrap="square" lIns="632794" tIns="416560" rIns="632794" bIns="142240" numCol="1" spcCol="1270" anchor="t" anchorCtr="0">
+          <a:noAutofit/>
+        </a:bodyPr>
+        <a:lstStyle/>
+        <a:p>
+          <a:pPr marL="228600" lvl="1" indent="-228600" algn="l" defTabSz="889000">
+            <a:lnSpc>
+              <a:spcPct val="90000"/>
+            </a:lnSpc>
+            <a:spcBef>
+              <a:spcPct val="0"/>
+            </a:spcBef>
+            <a:spcAft>
+              <a:spcPct val="15000"/>
+            </a:spcAft>
+            <a:buChar char="••"/>
+          </a:pPr>
+          <a:r>
+            <a:rPr lang="en-US" altLang="zh-CN" sz="2000" b="1" kern="1200" smtClean="0"/>
+            <a:t>Availability</a:t>
+          </a:r>
+          <a:endParaRPr lang="en-US" altLang="zh-CN" sz="2000" b="1" kern="1200" dirty="0" smtClean="0"/>
+        </a:p>
+        <a:p>
+          <a:pPr marL="228600" lvl="1" indent="-228600" algn="l" defTabSz="889000">
+            <a:lnSpc>
+              <a:spcPct val="90000"/>
+            </a:lnSpc>
+            <a:spcBef>
+              <a:spcPct val="0"/>
+            </a:spcBef>
+            <a:spcAft>
+              <a:spcPct val="15000"/>
+            </a:spcAft>
+            <a:buChar char="••"/>
+          </a:pPr>
+          <a:r>
+            <a:rPr lang="en-US" altLang="zh-CN" sz="2000" kern="1200" dirty="0" smtClean="0"/>
+            <a:t>The availability requirements will be defined in the next iteration.</a:t>
+          </a:r>
+        </a:p>
+        <a:p>
+          <a:pPr marL="228600" lvl="1" indent="-228600" algn="l" defTabSz="889000">
+            <a:lnSpc>
+              <a:spcPct val="90000"/>
+            </a:lnSpc>
+            <a:spcBef>
+              <a:spcPct val="0"/>
+            </a:spcBef>
+            <a:spcAft>
+              <a:spcPct val="15000"/>
+            </a:spcAft>
+            <a:buChar char="••"/>
+          </a:pPr>
+          <a:r>
+            <a:rPr lang="en-US" altLang="zh-CN" sz="2000" b="1" kern="1200" dirty="0" smtClean="0"/>
+            <a:t>Mean time between failures</a:t>
+          </a:r>
+        </a:p>
+        <a:p>
+          <a:pPr marL="228600" lvl="1" indent="-228600" algn="l" defTabSz="889000">
+            <a:lnSpc>
+              <a:spcPct val="90000"/>
+            </a:lnSpc>
+            <a:spcBef>
+              <a:spcPct val="0"/>
+            </a:spcBef>
+            <a:spcAft>
+              <a:spcPct val="15000"/>
+            </a:spcAft>
+            <a:buChar char="••"/>
+          </a:pPr>
+          <a:r>
+            <a:rPr lang="en-US" altLang="zh-CN" sz="2000" kern="1200" smtClean="0"/>
+            <a:t>The MTBF requirements will be defined in the next iteration.</a:t>
+          </a:r>
+          <a:endParaRPr lang="en-US" altLang="zh-CN" sz="2000" kern="1200" dirty="0" smtClean="0"/>
+        </a:p>
+      </dsp:txBody>
+      <dsp:txXfrm>
+        <a:off x="0" y="410549"/>
+        <a:ext cx="8153400" cy="1984500"/>
+      </dsp:txXfrm>
+    </dsp:sp>
+    <dsp:sp modelId="{B0579F80-4826-4804-8CEB-B24F9E3E71E1}">
+      <dsp:nvSpPr>
+        <dsp:cNvPr id="0" name=""/>
+        <dsp:cNvSpPr/>
+      </dsp:nvSpPr>
+      <dsp:spPr>
+        <a:xfrm>
+          <a:off x="407670" y="115349"/>
+          <a:ext cx="5707380" cy="590400"/>
+        </a:xfrm>
+        <a:prstGeom prst="roundRect">
+          <a:avLst/>
+        </a:prstGeom>
+        <a:solidFill>
+          <a:schemeClr val="accent1">
+            <a:hueOff val="0"/>
+            <a:satOff val="0"/>
+            <a:lumOff val="0"/>
+            <a:alphaOff val="0"/>
+          </a:schemeClr>
+        </a:solidFill>
+        <a:ln w="38100" cap="flat" cmpd="sng" algn="ctr">
+          <a:solidFill>
+            <a:schemeClr val="lt1">
+              <a:hueOff val="0"/>
+              <a:satOff val="0"/>
+              <a:lumOff val="0"/>
+              <a:alphaOff val="0"/>
+            </a:schemeClr>
+          </a:solidFill>
+          <a:prstDash val="solid"/>
+        </a:ln>
+        <a:effectLst/>
+      </dsp:spPr>
+      <dsp:style>
+        <a:lnRef idx="2">
+          <a:scrgbClr r="0" g="0" b="0"/>
+        </a:lnRef>
+        <a:fillRef idx="1">
+          <a:scrgbClr r="0" g="0" b="0"/>
+        </a:fillRef>
+        <a:effectRef idx="0">
+          <a:scrgbClr r="0" g="0" b="0"/>
+        </a:effectRef>
+        <a:fontRef idx="minor">
+          <a:schemeClr val="lt1"/>
+        </a:fontRef>
+      </dsp:style>
+      <dsp:txBody>
+        <a:bodyPr spcFirstLastPara="0" vert="horz" wrap="square" lIns="215725" tIns="0" rIns="215725" bIns="0" numCol="1" spcCol="1270" anchor="ctr" anchorCtr="0">
+          <a:noAutofit/>
+        </a:bodyPr>
+        <a:lstStyle/>
+        <a:p>
+          <a:pPr lvl="0" algn="l" defTabSz="1244600">
+            <a:lnSpc>
+              <a:spcPct val="90000"/>
+            </a:lnSpc>
+            <a:spcBef>
+              <a:spcPct val="0"/>
+            </a:spcBef>
+            <a:spcAft>
+              <a:spcPct val="35000"/>
+            </a:spcAft>
+          </a:pPr>
+          <a:r>
+            <a:rPr lang="en-US" altLang="zh-CN" sz="2800" b="1" kern="1200" dirty="0" smtClean="0"/>
+            <a:t>Reliability</a:t>
+          </a:r>
+          <a:endParaRPr lang="en-US" sz="2800" kern="1200" dirty="0"/>
+        </a:p>
+      </dsp:txBody>
+      <dsp:txXfrm>
+        <a:off x="407670" y="115349"/>
+        <a:ext cx="5707380" cy="590400"/>
+      </dsp:txXfrm>
+    </dsp:sp>
+    <dsp:sp modelId="{79A3EE5C-C043-458B-BE75-51CA870F12C3}">
+      <dsp:nvSpPr>
+        <dsp:cNvPr id="0" name=""/>
+        <dsp:cNvSpPr/>
+      </dsp:nvSpPr>
+      <dsp:spPr>
+        <a:xfrm>
+          <a:off x="0" y="2798249"/>
+          <a:ext cx="8153400" cy="2268000"/>
+        </a:xfrm>
+        <a:prstGeom prst="rect">
+          <a:avLst/>
+        </a:prstGeom>
+        <a:solidFill>
+          <a:schemeClr val="lt1">
+            <a:alpha val="90000"/>
+            <a:hueOff val="0"/>
+            <a:satOff val="0"/>
+            <a:lumOff val="0"/>
+            <a:alphaOff val="0"/>
+          </a:schemeClr>
+        </a:solidFill>
+        <a:ln w="38100" cap="flat" cmpd="sng" algn="ctr">
+          <a:solidFill>
+            <a:schemeClr val="accent1">
+              <a:hueOff val="0"/>
+              <a:satOff val="0"/>
+              <a:lumOff val="0"/>
+              <a:alphaOff val="0"/>
+            </a:schemeClr>
+          </a:solidFill>
+          <a:prstDash val="solid"/>
+        </a:ln>
+        <a:effectLst/>
+      </dsp:spPr>
+      <dsp:style>
+        <a:lnRef idx="2">
+          <a:scrgbClr r="0" g="0" b="0"/>
+        </a:lnRef>
+        <a:fillRef idx="1">
+          <a:scrgbClr r="0" g="0" b="0"/>
+        </a:fillRef>
+        <a:effectRef idx="0">
+          <a:scrgbClr r="0" g="0" b="0"/>
+        </a:effectRef>
+        <a:fontRef idx="minor"/>
+      </dsp:style>
+      <dsp:txBody>
+        <a:bodyPr spcFirstLastPara="0" vert="horz" wrap="square" lIns="632794" tIns="416560" rIns="632794" bIns="142240" numCol="1" spcCol="1270" anchor="t" anchorCtr="0">
+          <a:noAutofit/>
+        </a:bodyPr>
+        <a:lstStyle/>
+        <a:p>
+          <a:pPr marL="228600" lvl="1" indent="-228600" algn="l" defTabSz="889000">
+            <a:lnSpc>
+              <a:spcPct val="90000"/>
+            </a:lnSpc>
+            <a:spcBef>
+              <a:spcPct val="0"/>
+            </a:spcBef>
+            <a:spcAft>
+              <a:spcPct val="15000"/>
+            </a:spcAft>
+            <a:buChar char="••"/>
+          </a:pPr>
+          <a:r>
+            <a:rPr lang="en-US" altLang="zh-CN" sz="2000" b="1" kern="1200" smtClean="0"/>
+            <a:t>Database access response time</a:t>
+          </a:r>
+          <a:endParaRPr lang="en-US" altLang="zh-CN" sz="2000" b="1" kern="1200" dirty="0" smtClean="0"/>
+        </a:p>
+        <a:p>
+          <a:pPr marL="228600" lvl="1" indent="-228600" algn="l" defTabSz="889000">
+            <a:lnSpc>
+              <a:spcPct val="90000"/>
+            </a:lnSpc>
+            <a:spcBef>
+              <a:spcPct val="0"/>
+            </a:spcBef>
+            <a:spcAft>
+              <a:spcPct val="15000"/>
+            </a:spcAft>
+            <a:buChar char="••"/>
+          </a:pPr>
+          <a:r>
+            <a:rPr lang="en-US" altLang="zh-CN" sz="2000" kern="1200" smtClean="0"/>
+            <a:t>The system shall provide access to the legacy course catalog database with no more than a 10 second latency.</a:t>
+          </a:r>
+          <a:endParaRPr lang="en-US" altLang="zh-CN" sz="2000" kern="1200" dirty="0" smtClean="0"/>
+        </a:p>
+        <a:p>
+          <a:pPr marL="228600" lvl="1" indent="-228600" algn="l" defTabSz="889000">
+            <a:lnSpc>
+              <a:spcPct val="90000"/>
+            </a:lnSpc>
+            <a:spcBef>
+              <a:spcPct val="0"/>
+            </a:spcBef>
+            <a:spcAft>
+              <a:spcPct val="15000"/>
+            </a:spcAft>
+            <a:buChar char="••"/>
+          </a:pPr>
+          <a:r>
+            <a:rPr lang="en-US" altLang="zh-CN" sz="2000" b="1" kern="1200" smtClean="0"/>
+            <a:t>Transaction response time</a:t>
+          </a:r>
+          <a:endParaRPr lang="en-US" altLang="zh-CN" sz="2000" b="1" kern="1200" dirty="0" smtClean="0"/>
+        </a:p>
+        <a:p>
+          <a:pPr marL="228600" lvl="1" indent="-228600" algn="l" defTabSz="889000">
+            <a:lnSpc>
+              <a:spcPct val="90000"/>
+            </a:lnSpc>
+            <a:spcBef>
+              <a:spcPct val="0"/>
+            </a:spcBef>
+            <a:spcAft>
+              <a:spcPct val="15000"/>
+            </a:spcAft>
+            <a:buChar char="••"/>
+          </a:pPr>
+          <a:r>
+            <a:rPr lang="en-US" altLang="zh-CN" sz="2000" kern="1200" smtClean="0"/>
+            <a:t>The system must be able to complete 80% of all transactions within 30 seconds.</a:t>
+          </a:r>
+          <a:endParaRPr lang="en-US" altLang="zh-CN" sz="2000" kern="1200" dirty="0" smtClean="0"/>
+        </a:p>
+      </dsp:txBody>
+      <dsp:txXfrm>
+        <a:off x="0" y="2798249"/>
+        <a:ext cx="8153400" cy="2268000"/>
+      </dsp:txXfrm>
+    </dsp:sp>
+    <dsp:sp modelId="{BD77F960-D19E-428B-A9CF-1774FA75CF48}">
+      <dsp:nvSpPr>
+        <dsp:cNvPr id="0" name=""/>
+        <dsp:cNvSpPr/>
+      </dsp:nvSpPr>
+      <dsp:spPr>
+        <a:xfrm>
+          <a:off x="407670" y="2503049"/>
+          <a:ext cx="5707380" cy="590400"/>
+        </a:xfrm>
+        <a:prstGeom prst="roundRect">
+          <a:avLst/>
+        </a:prstGeom>
+        <a:solidFill>
+          <a:schemeClr val="accent1">
+            <a:hueOff val="0"/>
+            <a:satOff val="0"/>
+            <a:lumOff val="0"/>
+            <a:alphaOff val="0"/>
+          </a:schemeClr>
+        </a:solidFill>
+        <a:ln w="38100" cap="flat" cmpd="sng" algn="ctr">
+          <a:solidFill>
+            <a:schemeClr val="lt1">
+              <a:hueOff val="0"/>
+              <a:satOff val="0"/>
+              <a:lumOff val="0"/>
+              <a:alphaOff val="0"/>
+            </a:schemeClr>
+          </a:solidFill>
+          <a:prstDash val="solid"/>
+        </a:ln>
+        <a:effectLst/>
+      </dsp:spPr>
+      <dsp:style>
+        <a:lnRef idx="2">
+          <a:scrgbClr r="0" g="0" b="0"/>
+        </a:lnRef>
+        <a:fillRef idx="1">
+          <a:scrgbClr r="0" g="0" b="0"/>
+        </a:fillRef>
+        <a:effectRef idx="0">
+          <a:scrgbClr r="0" g="0" b="0"/>
+        </a:effectRef>
+        <a:fontRef idx="minor">
+          <a:schemeClr val="lt1"/>
+        </a:fontRef>
+      </dsp:style>
+      <dsp:txBody>
+        <a:bodyPr spcFirstLastPara="0" vert="horz" wrap="square" lIns="215725" tIns="0" rIns="215725" bIns="0" numCol="1" spcCol="1270" anchor="ctr" anchorCtr="0">
+          <a:noAutofit/>
+        </a:bodyPr>
+        <a:lstStyle/>
+        <a:p>
+          <a:pPr lvl="0" algn="l" defTabSz="1244600">
+            <a:lnSpc>
+              <a:spcPct val="90000"/>
+            </a:lnSpc>
+            <a:spcBef>
+              <a:spcPct val="0"/>
+            </a:spcBef>
+            <a:spcAft>
+              <a:spcPct val="35000"/>
+            </a:spcAft>
+          </a:pPr>
+          <a:r>
+            <a:rPr lang="en-US" altLang="zh-CN" sz="2800" b="1" kern="1200" dirty="0" smtClean="0"/>
+            <a:t>Performance</a:t>
+          </a:r>
+        </a:p>
+      </dsp:txBody>
+      <dsp:txXfrm>
+        <a:off x="407670" y="2503049"/>
+        <a:ext cx="5707380" cy="590400"/>
+      </dsp:txXfrm>
+    </dsp:sp>
   </dsp:spTree>
 </dsp:drawing>
 </file>
@@ -18082,6 +20544,529 @@
       <dsp:cNvGrpSpPr/>
     </dsp:nvGrpSpPr>
     <dsp:grpSpPr/>
+    <dsp:sp modelId="{98AA630D-1984-4009-B657-D0BACFA95942}">
+      <dsp:nvSpPr>
+        <dsp:cNvPr id="0" name=""/>
+        <dsp:cNvSpPr/>
+      </dsp:nvSpPr>
+      <dsp:spPr>
+        <a:xfrm>
+          <a:off x="0" y="441615"/>
+          <a:ext cx="8229600" cy="1419075"/>
+        </a:xfrm>
+        <a:prstGeom prst="rect">
+          <a:avLst/>
+        </a:prstGeom>
+        <a:solidFill>
+          <a:schemeClr val="lt1">
+            <a:alpha val="90000"/>
+            <a:hueOff val="0"/>
+            <a:satOff val="0"/>
+            <a:lumOff val="0"/>
+            <a:alphaOff val="0"/>
+          </a:schemeClr>
+        </a:solidFill>
+        <a:ln w="38100" cap="flat" cmpd="sng" algn="ctr">
+          <a:solidFill>
+            <a:schemeClr val="accent1">
+              <a:hueOff val="0"/>
+              <a:satOff val="0"/>
+              <a:lumOff val="0"/>
+              <a:alphaOff val="0"/>
+            </a:schemeClr>
+          </a:solidFill>
+          <a:prstDash val="solid"/>
+        </a:ln>
+        <a:effectLst/>
+      </dsp:spPr>
+      <dsp:style>
+        <a:lnRef idx="2">
+          <a:scrgbClr r="0" g="0" b="0"/>
+        </a:lnRef>
+        <a:fillRef idx="1">
+          <a:scrgbClr r="0" g="0" b="0"/>
+        </a:fillRef>
+        <a:effectRef idx="0">
+          <a:scrgbClr r="0" g="0" b="0"/>
+        </a:effectRef>
+        <a:fontRef idx="minor"/>
+      </dsp:style>
+      <dsp:txBody>
+        <a:bodyPr spcFirstLastPara="0" vert="horz" wrap="square" lIns="638708" tIns="354076" rIns="638708" bIns="120904" numCol="1" spcCol="1270" anchor="t" anchorCtr="0">
+          <a:noAutofit/>
+        </a:bodyPr>
+        <a:lstStyle/>
+        <a:p>
+          <a:pPr marL="171450" lvl="1" indent="-171450" algn="l" defTabSz="755650">
+            <a:lnSpc>
+              <a:spcPct val="90000"/>
+            </a:lnSpc>
+            <a:spcBef>
+              <a:spcPct val="0"/>
+            </a:spcBef>
+            <a:spcAft>
+              <a:spcPct val="15000"/>
+            </a:spcAft>
+            <a:buChar char="••"/>
+          </a:pPr>
+          <a:r>
+            <a:rPr lang="en-US" sz="1700" kern="1200" dirty="0" smtClean="0"/>
+            <a:t>The Android hardware used for testing may fail at critical times during the project.</a:t>
+          </a:r>
+        </a:p>
+        <a:p>
+          <a:pPr marL="171450" lvl="1" indent="-171450" algn="l" defTabSz="755650">
+            <a:lnSpc>
+              <a:spcPct val="90000"/>
+            </a:lnSpc>
+            <a:spcBef>
+              <a:spcPct val="0"/>
+            </a:spcBef>
+            <a:spcAft>
+              <a:spcPct val="15000"/>
+            </a:spcAft>
+            <a:buChar char="••"/>
+          </a:pPr>
+          <a:r>
+            <a:rPr lang="en-US" sz="1700" kern="1200" smtClean="0"/>
+            <a:t>Mitigation Plan: Currently, we are making use of Android simulators to reduce the affect of this risk. </a:t>
+          </a:r>
+          <a:endParaRPr lang="en-US" sz="1700" kern="1200" dirty="0" smtClean="0"/>
+        </a:p>
+      </dsp:txBody>
+      <dsp:txXfrm>
+        <a:off x="0" y="441615"/>
+        <a:ext cx="8229600" cy="1419075"/>
+      </dsp:txXfrm>
+    </dsp:sp>
+    <dsp:sp modelId="{913CDE91-F6E9-4EFD-AF4D-AED7A86C20A0}">
+      <dsp:nvSpPr>
+        <dsp:cNvPr id="0" name=""/>
+        <dsp:cNvSpPr/>
+      </dsp:nvSpPr>
+      <dsp:spPr>
+        <a:xfrm>
+          <a:off x="411480" y="190695"/>
+          <a:ext cx="5760720" cy="501840"/>
+        </a:xfrm>
+        <a:prstGeom prst="roundRect">
+          <a:avLst/>
+        </a:prstGeom>
+        <a:solidFill>
+          <a:schemeClr val="accent1">
+            <a:hueOff val="0"/>
+            <a:satOff val="0"/>
+            <a:lumOff val="0"/>
+            <a:alphaOff val="0"/>
+          </a:schemeClr>
+        </a:solidFill>
+        <a:ln w="38100" cap="flat" cmpd="sng" algn="ctr">
+          <a:solidFill>
+            <a:schemeClr val="lt1">
+              <a:hueOff val="0"/>
+              <a:satOff val="0"/>
+              <a:lumOff val="0"/>
+              <a:alphaOff val="0"/>
+            </a:schemeClr>
+          </a:solidFill>
+          <a:prstDash val="solid"/>
+        </a:ln>
+        <a:effectLst/>
+      </dsp:spPr>
+      <dsp:style>
+        <a:lnRef idx="2">
+          <a:scrgbClr r="0" g="0" b="0"/>
+        </a:lnRef>
+        <a:fillRef idx="1">
+          <a:scrgbClr r="0" g="0" b="0"/>
+        </a:fillRef>
+        <a:effectRef idx="0">
+          <a:scrgbClr r="0" g="0" b="0"/>
+        </a:effectRef>
+        <a:fontRef idx="minor">
+          <a:schemeClr val="lt1"/>
+        </a:fontRef>
+      </dsp:style>
+      <dsp:txBody>
+        <a:bodyPr spcFirstLastPara="0" vert="horz" wrap="square" lIns="217742" tIns="0" rIns="217742" bIns="0" numCol="1" spcCol="1270" anchor="ctr" anchorCtr="0">
+          <a:noAutofit/>
+        </a:bodyPr>
+        <a:lstStyle/>
+        <a:p>
+          <a:pPr lvl="0" algn="l" defTabSz="1066800">
+            <a:lnSpc>
+              <a:spcPct val="90000"/>
+            </a:lnSpc>
+            <a:spcBef>
+              <a:spcPct val="0"/>
+            </a:spcBef>
+            <a:spcAft>
+              <a:spcPct val="35000"/>
+            </a:spcAft>
+          </a:pPr>
+          <a:r>
+            <a:rPr lang="en-US" sz="2400" kern="1200" dirty="0" smtClean="0"/>
+            <a:t>Technology</a:t>
+          </a:r>
+          <a:endParaRPr lang="en-US" sz="2400" kern="1200" dirty="0"/>
+        </a:p>
+      </dsp:txBody>
+      <dsp:txXfrm>
+        <a:off x="411480" y="190695"/>
+        <a:ext cx="5760720" cy="501840"/>
+      </dsp:txXfrm>
+    </dsp:sp>
+    <dsp:sp modelId="{615EDBCA-E6B7-4F5F-B780-27CDEC9B742C}">
+      <dsp:nvSpPr>
+        <dsp:cNvPr id="0" name=""/>
+        <dsp:cNvSpPr/>
+      </dsp:nvSpPr>
+      <dsp:spPr>
+        <a:xfrm>
+          <a:off x="0" y="2203410"/>
+          <a:ext cx="8229600" cy="1419075"/>
+        </a:xfrm>
+        <a:prstGeom prst="rect">
+          <a:avLst/>
+        </a:prstGeom>
+        <a:solidFill>
+          <a:schemeClr val="lt1">
+            <a:alpha val="90000"/>
+            <a:hueOff val="0"/>
+            <a:satOff val="0"/>
+            <a:lumOff val="0"/>
+            <a:alphaOff val="0"/>
+          </a:schemeClr>
+        </a:solidFill>
+        <a:ln w="38100" cap="flat" cmpd="sng" algn="ctr">
+          <a:solidFill>
+            <a:schemeClr val="accent1">
+              <a:hueOff val="0"/>
+              <a:satOff val="0"/>
+              <a:lumOff val="0"/>
+              <a:alphaOff val="0"/>
+            </a:schemeClr>
+          </a:solidFill>
+          <a:prstDash val="solid"/>
+        </a:ln>
+        <a:effectLst/>
+      </dsp:spPr>
+      <dsp:style>
+        <a:lnRef idx="2">
+          <a:scrgbClr r="0" g="0" b="0"/>
+        </a:lnRef>
+        <a:fillRef idx="1">
+          <a:scrgbClr r="0" g="0" b="0"/>
+        </a:fillRef>
+        <a:effectRef idx="0">
+          <a:scrgbClr r="0" g="0" b="0"/>
+        </a:effectRef>
+        <a:fontRef idx="minor"/>
+      </dsp:style>
+      <dsp:txBody>
+        <a:bodyPr spcFirstLastPara="0" vert="horz" wrap="square" lIns="638708" tIns="354076" rIns="638708" bIns="120904" numCol="1" spcCol="1270" anchor="t" anchorCtr="0">
+          <a:noAutofit/>
+        </a:bodyPr>
+        <a:lstStyle/>
+        <a:p>
+          <a:pPr marL="171450" lvl="1" indent="-171450" algn="l" defTabSz="755650">
+            <a:lnSpc>
+              <a:spcPct val="90000"/>
+            </a:lnSpc>
+            <a:spcBef>
+              <a:spcPct val="0"/>
+            </a:spcBef>
+            <a:spcAft>
+              <a:spcPct val="15000"/>
+            </a:spcAft>
+            <a:buChar char="••"/>
+          </a:pPr>
+          <a:r>
+            <a:rPr lang="en-US" sz="1700" kern="1200" smtClean="0"/>
+            <a:t>The staff may not be familiar with the specific tools needed to design the Android application or other system components. </a:t>
+          </a:r>
+          <a:endParaRPr lang="en-US" sz="1700" kern="1200" dirty="0" smtClean="0"/>
+        </a:p>
+        <a:p>
+          <a:pPr marL="171450" lvl="1" indent="-171450" algn="l" defTabSz="755650">
+            <a:lnSpc>
+              <a:spcPct val="90000"/>
+            </a:lnSpc>
+            <a:spcBef>
+              <a:spcPct val="0"/>
+            </a:spcBef>
+            <a:spcAft>
+              <a:spcPct val="15000"/>
+            </a:spcAft>
+            <a:buChar char="••"/>
+          </a:pPr>
+          <a:r>
+            <a:rPr lang="en-US" sz="1700" kern="1200" smtClean="0"/>
+            <a:t>Mitigation Plan: Prototype development and working code development is being done by individuals with some experience with the technology</a:t>
+          </a:r>
+          <a:endParaRPr lang="en-US" sz="1700" kern="1200" dirty="0" smtClean="0"/>
+        </a:p>
+      </dsp:txBody>
+      <dsp:txXfrm>
+        <a:off x="0" y="2203410"/>
+        <a:ext cx="8229600" cy="1419075"/>
+      </dsp:txXfrm>
+    </dsp:sp>
+    <dsp:sp modelId="{901B3937-9BCF-431A-9EEE-53FCA527231D}">
+      <dsp:nvSpPr>
+        <dsp:cNvPr id="0" name=""/>
+        <dsp:cNvSpPr/>
+      </dsp:nvSpPr>
+      <dsp:spPr>
+        <a:xfrm>
+          <a:off x="411480" y="1952490"/>
+          <a:ext cx="5760720" cy="501840"/>
+        </a:xfrm>
+        <a:prstGeom prst="roundRect">
+          <a:avLst/>
+        </a:prstGeom>
+        <a:solidFill>
+          <a:schemeClr val="accent1">
+            <a:hueOff val="0"/>
+            <a:satOff val="0"/>
+            <a:lumOff val="0"/>
+            <a:alphaOff val="0"/>
+          </a:schemeClr>
+        </a:solidFill>
+        <a:ln w="38100" cap="flat" cmpd="sng" algn="ctr">
+          <a:solidFill>
+            <a:schemeClr val="lt1">
+              <a:hueOff val="0"/>
+              <a:satOff val="0"/>
+              <a:lumOff val="0"/>
+              <a:alphaOff val="0"/>
+            </a:schemeClr>
+          </a:solidFill>
+          <a:prstDash val="solid"/>
+        </a:ln>
+        <a:effectLst/>
+      </dsp:spPr>
+      <dsp:style>
+        <a:lnRef idx="2">
+          <a:scrgbClr r="0" g="0" b="0"/>
+        </a:lnRef>
+        <a:fillRef idx="1">
+          <a:scrgbClr r="0" g="0" b="0"/>
+        </a:fillRef>
+        <a:effectRef idx="0">
+          <a:scrgbClr r="0" g="0" b="0"/>
+        </a:effectRef>
+        <a:fontRef idx="minor">
+          <a:schemeClr val="lt1"/>
+        </a:fontRef>
+      </dsp:style>
+      <dsp:txBody>
+        <a:bodyPr spcFirstLastPara="0" vert="horz" wrap="square" lIns="217742" tIns="0" rIns="217742" bIns="0" numCol="1" spcCol="1270" anchor="ctr" anchorCtr="0">
+          <a:noAutofit/>
+        </a:bodyPr>
+        <a:lstStyle/>
+        <a:p>
+          <a:pPr lvl="0" algn="l" defTabSz="1066800">
+            <a:lnSpc>
+              <a:spcPct val="90000"/>
+            </a:lnSpc>
+            <a:spcBef>
+              <a:spcPct val="0"/>
+            </a:spcBef>
+            <a:spcAft>
+              <a:spcPct val="35000"/>
+            </a:spcAft>
+          </a:pPr>
+          <a:r>
+            <a:rPr lang="en-US" sz="2400" kern="1200" dirty="0" smtClean="0"/>
+            <a:t>People</a:t>
+          </a:r>
+        </a:p>
+      </dsp:txBody>
+      <dsp:txXfrm>
+        <a:off x="411480" y="1952490"/>
+        <a:ext cx="5760720" cy="501840"/>
+      </dsp:txXfrm>
+    </dsp:sp>
+    <dsp:sp modelId="{3C31FDD6-7F16-434F-B243-AE5D88E32B3E}">
+      <dsp:nvSpPr>
+        <dsp:cNvPr id="0" name=""/>
+        <dsp:cNvSpPr/>
+      </dsp:nvSpPr>
+      <dsp:spPr>
+        <a:xfrm>
+          <a:off x="0" y="3965205"/>
+          <a:ext cx="8229600" cy="1178100"/>
+        </a:xfrm>
+        <a:prstGeom prst="rect">
+          <a:avLst/>
+        </a:prstGeom>
+        <a:solidFill>
+          <a:schemeClr val="lt1">
+            <a:alpha val="90000"/>
+            <a:hueOff val="0"/>
+            <a:satOff val="0"/>
+            <a:lumOff val="0"/>
+            <a:alphaOff val="0"/>
+          </a:schemeClr>
+        </a:solidFill>
+        <a:ln w="38100" cap="flat" cmpd="sng" algn="ctr">
+          <a:solidFill>
+            <a:schemeClr val="accent1">
+              <a:hueOff val="0"/>
+              <a:satOff val="0"/>
+              <a:lumOff val="0"/>
+              <a:alphaOff val="0"/>
+            </a:schemeClr>
+          </a:solidFill>
+          <a:prstDash val="solid"/>
+        </a:ln>
+        <a:effectLst/>
+      </dsp:spPr>
+      <dsp:style>
+        <a:lnRef idx="2">
+          <a:scrgbClr r="0" g="0" b="0"/>
+        </a:lnRef>
+        <a:fillRef idx="1">
+          <a:scrgbClr r="0" g="0" b="0"/>
+        </a:fillRef>
+        <a:effectRef idx="0">
+          <a:scrgbClr r="0" g="0" b="0"/>
+        </a:effectRef>
+        <a:fontRef idx="minor"/>
+      </dsp:style>
+      <dsp:txBody>
+        <a:bodyPr spcFirstLastPara="0" vert="horz" wrap="square" lIns="638708" tIns="354076" rIns="638708" bIns="120904" numCol="1" spcCol="1270" anchor="t" anchorCtr="0">
+          <a:noAutofit/>
+        </a:bodyPr>
+        <a:lstStyle/>
+        <a:p>
+          <a:pPr marL="171450" lvl="1" indent="-171450" algn="l" defTabSz="755650">
+            <a:lnSpc>
+              <a:spcPct val="90000"/>
+            </a:lnSpc>
+            <a:spcBef>
+              <a:spcPct val="0"/>
+            </a:spcBef>
+            <a:spcAft>
+              <a:spcPct val="15000"/>
+            </a:spcAft>
+            <a:buChar char="••"/>
+          </a:pPr>
+          <a:r>
+            <a:rPr lang="en-US" sz="1700" kern="1200" smtClean="0"/>
+            <a:t>Group communication lacks as semester gets busier.</a:t>
+          </a:r>
+          <a:endParaRPr lang="en-US" sz="1700" kern="1200" dirty="0" smtClean="0"/>
+        </a:p>
+        <a:p>
+          <a:pPr marL="171450" lvl="1" indent="-171450" algn="l" defTabSz="755650">
+            <a:lnSpc>
+              <a:spcPct val="90000"/>
+            </a:lnSpc>
+            <a:spcBef>
+              <a:spcPct val="0"/>
+            </a:spcBef>
+            <a:spcAft>
+              <a:spcPct val="15000"/>
+            </a:spcAft>
+            <a:buChar char="••"/>
+          </a:pPr>
+          <a:r>
+            <a:rPr lang="en-US" sz="1700" kern="1200" dirty="0" smtClean="0"/>
+            <a:t>Mitigation Plan: Group is currently using </a:t>
+          </a:r>
+          <a:r>
+            <a:rPr lang="en-US" sz="1700" kern="1200" dirty="0" err="1" smtClean="0"/>
+            <a:t>GitHub</a:t>
+          </a:r>
+          <a:r>
+            <a:rPr lang="en-US" sz="1700" kern="1200" dirty="0" smtClean="0"/>
+            <a:t> and email to relay due date and goal.</a:t>
+          </a:r>
+        </a:p>
+      </dsp:txBody>
+      <dsp:txXfrm>
+        <a:off x="0" y="3965205"/>
+        <a:ext cx="8229600" cy="1178100"/>
+      </dsp:txXfrm>
+    </dsp:sp>
+    <dsp:sp modelId="{A439C707-6D4A-4825-8DF9-BDA540580651}">
+      <dsp:nvSpPr>
+        <dsp:cNvPr id="0" name=""/>
+        <dsp:cNvSpPr/>
+      </dsp:nvSpPr>
+      <dsp:spPr>
+        <a:xfrm>
+          <a:off x="411480" y="3714285"/>
+          <a:ext cx="5760720" cy="501840"/>
+        </a:xfrm>
+        <a:prstGeom prst="roundRect">
+          <a:avLst/>
+        </a:prstGeom>
+        <a:solidFill>
+          <a:schemeClr val="accent1">
+            <a:hueOff val="0"/>
+            <a:satOff val="0"/>
+            <a:lumOff val="0"/>
+            <a:alphaOff val="0"/>
+          </a:schemeClr>
+        </a:solidFill>
+        <a:ln w="38100" cap="flat" cmpd="sng" algn="ctr">
+          <a:solidFill>
+            <a:schemeClr val="lt1">
+              <a:hueOff val="0"/>
+              <a:satOff val="0"/>
+              <a:lumOff val="0"/>
+              <a:alphaOff val="0"/>
+            </a:schemeClr>
+          </a:solidFill>
+          <a:prstDash val="solid"/>
+        </a:ln>
+        <a:effectLst/>
+      </dsp:spPr>
+      <dsp:style>
+        <a:lnRef idx="2">
+          <a:scrgbClr r="0" g="0" b="0"/>
+        </a:lnRef>
+        <a:fillRef idx="1">
+          <a:scrgbClr r="0" g="0" b="0"/>
+        </a:fillRef>
+        <a:effectRef idx="0">
+          <a:scrgbClr r="0" g="0" b="0"/>
+        </a:effectRef>
+        <a:fontRef idx="minor">
+          <a:schemeClr val="lt1"/>
+        </a:fontRef>
+      </dsp:style>
+      <dsp:txBody>
+        <a:bodyPr spcFirstLastPara="0" vert="horz" wrap="square" lIns="217742" tIns="0" rIns="217742" bIns="0" numCol="1" spcCol="1270" anchor="ctr" anchorCtr="0">
+          <a:noAutofit/>
+        </a:bodyPr>
+        <a:lstStyle/>
+        <a:p>
+          <a:pPr lvl="0" algn="l" defTabSz="1066800">
+            <a:lnSpc>
+              <a:spcPct val="90000"/>
+            </a:lnSpc>
+            <a:spcBef>
+              <a:spcPct val="0"/>
+            </a:spcBef>
+            <a:spcAft>
+              <a:spcPct val="35000"/>
+            </a:spcAft>
+          </a:pPr>
+          <a:r>
+            <a:rPr lang="en-US" sz="2400" kern="1200" dirty="0" smtClean="0"/>
+            <a:t>Organizational</a:t>
+          </a:r>
+        </a:p>
+      </dsp:txBody>
+      <dsp:txXfrm>
+        <a:off x="411480" y="3714285"/>
+        <a:ext cx="5760720" cy="501840"/>
+      </dsp:txXfrm>
+    </dsp:sp>
   </dsp:spTree>
 </dsp:drawing>
 </file>
@@ -18094,6 +21079,574 @@
       <dsp:cNvGrpSpPr/>
     </dsp:nvGrpSpPr>
     <dsp:grpSpPr/>
+    <dsp:sp modelId="{35096B94-0E46-485D-B3F9-5544C82E68A3}">
+      <dsp:nvSpPr>
+        <dsp:cNvPr id="0" name=""/>
+        <dsp:cNvSpPr/>
+      </dsp:nvSpPr>
+      <dsp:spPr>
+        <a:xfrm>
+          <a:off x="0" y="575452"/>
+          <a:ext cx="8686800" cy="1178100"/>
+        </a:xfrm>
+        <a:prstGeom prst="rect">
+          <a:avLst/>
+        </a:prstGeom>
+        <a:solidFill>
+          <a:schemeClr val="lt1">
+            <a:alpha val="90000"/>
+            <a:hueOff val="0"/>
+            <a:satOff val="0"/>
+            <a:lumOff val="0"/>
+            <a:alphaOff val="0"/>
+          </a:schemeClr>
+        </a:solidFill>
+        <a:ln w="38100" cap="flat" cmpd="sng" algn="ctr">
+          <a:solidFill>
+            <a:schemeClr val="accent1">
+              <a:hueOff val="0"/>
+              <a:satOff val="0"/>
+              <a:lumOff val="0"/>
+              <a:alphaOff val="0"/>
+            </a:schemeClr>
+          </a:solidFill>
+          <a:prstDash val="solid"/>
+        </a:ln>
+        <a:effectLst/>
+      </dsp:spPr>
+      <dsp:style>
+        <a:lnRef idx="2">
+          <a:scrgbClr r="0" g="0" b="0"/>
+        </a:lnRef>
+        <a:fillRef idx="1">
+          <a:scrgbClr r="0" g="0" b="0"/>
+        </a:fillRef>
+        <a:effectRef idx="0">
+          <a:scrgbClr r="0" g="0" b="0"/>
+        </a:effectRef>
+        <a:fontRef idx="minor"/>
+      </dsp:style>
+      <dsp:txBody>
+        <a:bodyPr spcFirstLastPara="0" vert="horz" wrap="square" lIns="674192" tIns="354076" rIns="674192" bIns="120904" numCol="1" spcCol="1270" anchor="t" anchorCtr="0">
+          <a:noAutofit/>
+        </a:bodyPr>
+        <a:lstStyle/>
+        <a:p>
+          <a:pPr marL="171450" lvl="1" indent="-171450" algn="l" defTabSz="755650">
+            <a:lnSpc>
+              <a:spcPct val="90000"/>
+            </a:lnSpc>
+            <a:spcBef>
+              <a:spcPct val="0"/>
+            </a:spcBef>
+            <a:spcAft>
+              <a:spcPct val="15000"/>
+            </a:spcAft>
+            <a:buChar char="••"/>
+          </a:pPr>
+          <a:r>
+            <a:rPr lang="en-US" sz="1700" kern="1200" dirty="0" err="1" smtClean="0"/>
+            <a:t>Plugins</a:t>
+          </a:r>
+          <a:r>
+            <a:rPr lang="en-US" sz="1700" kern="1200" dirty="0" smtClean="0"/>
+            <a:t>/SDK that are required for Android development may be difficult to install and configure</a:t>
+          </a:r>
+        </a:p>
+        <a:p>
+          <a:pPr marL="171450" lvl="1" indent="-171450" algn="l" defTabSz="755650">
+            <a:lnSpc>
+              <a:spcPct val="90000"/>
+            </a:lnSpc>
+            <a:spcBef>
+              <a:spcPct val="0"/>
+            </a:spcBef>
+            <a:spcAft>
+              <a:spcPct val="15000"/>
+            </a:spcAft>
+            <a:buChar char="••"/>
+          </a:pPr>
+          <a:r>
+            <a:rPr lang="en-US" sz="1700" kern="1200" dirty="0" smtClean="0"/>
+            <a:t>Mitigation Plan: We will have setup instructions for the tools posted on </a:t>
+          </a:r>
+          <a:r>
+            <a:rPr lang="en-US" sz="1700" kern="1200" dirty="0" err="1" smtClean="0"/>
+            <a:t>GitHub</a:t>
+          </a:r>
+          <a:endParaRPr lang="en-US" sz="1700" kern="1200" dirty="0" smtClean="0"/>
+        </a:p>
+      </dsp:txBody>
+      <dsp:txXfrm>
+        <a:off x="0" y="575452"/>
+        <a:ext cx="8686800" cy="1178100"/>
+      </dsp:txXfrm>
+    </dsp:sp>
+    <dsp:sp modelId="{3F4586A4-F5F1-48DB-BB8C-D5B69452209D}">
+      <dsp:nvSpPr>
+        <dsp:cNvPr id="0" name=""/>
+        <dsp:cNvSpPr/>
+      </dsp:nvSpPr>
+      <dsp:spPr>
+        <a:xfrm>
+          <a:off x="434340" y="324532"/>
+          <a:ext cx="6080760" cy="501840"/>
+        </a:xfrm>
+        <a:prstGeom prst="roundRect">
+          <a:avLst/>
+        </a:prstGeom>
+        <a:solidFill>
+          <a:schemeClr val="accent1">
+            <a:hueOff val="0"/>
+            <a:satOff val="0"/>
+            <a:lumOff val="0"/>
+            <a:alphaOff val="0"/>
+          </a:schemeClr>
+        </a:solidFill>
+        <a:ln w="38100" cap="flat" cmpd="sng" algn="ctr">
+          <a:solidFill>
+            <a:schemeClr val="lt1">
+              <a:hueOff val="0"/>
+              <a:satOff val="0"/>
+              <a:lumOff val="0"/>
+              <a:alphaOff val="0"/>
+            </a:schemeClr>
+          </a:solidFill>
+          <a:prstDash val="solid"/>
+        </a:ln>
+        <a:effectLst/>
+      </dsp:spPr>
+      <dsp:style>
+        <a:lnRef idx="2">
+          <a:scrgbClr r="0" g="0" b="0"/>
+        </a:lnRef>
+        <a:fillRef idx="1">
+          <a:scrgbClr r="0" g="0" b="0"/>
+        </a:fillRef>
+        <a:effectRef idx="0">
+          <a:scrgbClr r="0" g="0" b="0"/>
+        </a:effectRef>
+        <a:fontRef idx="minor">
+          <a:schemeClr val="lt1"/>
+        </a:fontRef>
+      </dsp:style>
+      <dsp:txBody>
+        <a:bodyPr spcFirstLastPara="0" vert="horz" wrap="square" lIns="229838" tIns="0" rIns="229838" bIns="0" numCol="1" spcCol="1270" anchor="ctr" anchorCtr="0">
+          <a:noAutofit/>
+        </a:bodyPr>
+        <a:lstStyle/>
+        <a:p>
+          <a:pPr lvl="0" algn="l" defTabSz="1244600">
+            <a:lnSpc>
+              <a:spcPct val="90000"/>
+            </a:lnSpc>
+            <a:spcBef>
+              <a:spcPct val="0"/>
+            </a:spcBef>
+            <a:spcAft>
+              <a:spcPct val="35000"/>
+            </a:spcAft>
+          </a:pPr>
+          <a:r>
+            <a:rPr lang="en-US" sz="2800" kern="1200" dirty="0" smtClean="0"/>
+            <a:t>Tools</a:t>
+          </a:r>
+          <a:endParaRPr lang="en-US" sz="2800" kern="1200" dirty="0"/>
+        </a:p>
+      </dsp:txBody>
+      <dsp:txXfrm>
+        <a:off x="434340" y="324532"/>
+        <a:ext cx="6080760" cy="501840"/>
+      </dsp:txXfrm>
+    </dsp:sp>
+    <dsp:sp modelId="{42D6D699-3095-4AFD-9092-4C479A6BA799}">
+      <dsp:nvSpPr>
+        <dsp:cNvPr id="0" name=""/>
+        <dsp:cNvSpPr/>
+      </dsp:nvSpPr>
+      <dsp:spPr>
+        <a:xfrm>
+          <a:off x="0" y="2096272"/>
+          <a:ext cx="8686800" cy="1419075"/>
+        </a:xfrm>
+        <a:prstGeom prst="rect">
+          <a:avLst/>
+        </a:prstGeom>
+        <a:solidFill>
+          <a:schemeClr val="lt1">
+            <a:alpha val="90000"/>
+            <a:hueOff val="0"/>
+            <a:satOff val="0"/>
+            <a:lumOff val="0"/>
+            <a:alphaOff val="0"/>
+          </a:schemeClr>
+        </a:solidFill>
+        <a:ln w="38100" cap="flat" cmpd="sng" algn="ctr">
+          <a:solidFill>
+            <a:schemeClr val="accent1">
+              <a:hueOff val="0"/>
+              <a:satOff val="0"/>
+              <a:lumOff val="0"/>
+              <a:alphaOff val="0"/>
+            </a:schemeClr>
+          </a:solidFill>
+          <a:prstDash val="solid"/>
+        </a:ln>
+        <a:effectLst/>
+      </dsp:spPr>
+      <dsp:style>
+        <a:lnRef idx="2">
+          <a:scrgbClr r="0" g="0" b="0"/>
+        </a:lnRef>
+        <a:fillRef idx="1">
+          <a:scrgbClr r="0" g="0" b="0"/>
+        </a:fillRef>
+        <a:effectRef idx="0">
+          <a:scrgbClr r="0" g="0" b="0"/>
+        </a:effectRef>
+        <a:fontRef idx="minor"/>
+      </dsp:style>
+      <dsp:txBody>
+        <a:bodyPr spcFirstLastPara="0" vert="horz" wrap="square" lIns="674192" tIns="354076" rIns="674192" bIns="120904" numCol="1" spcCol="1270" anchor="t" anchorCtr="0">
+          <a:noAutofit/>
+        </a:bodyPr>
+        <a:lstStyle/>
+        <a:p>
+          <a:pPr marL="171450" lvl="1" indent="-171450" algn="l" defTabSz="755650">
+            <a:lnSpc>
+              <a:spcPct val="90000"/>
+            </a:lnSpc>
+            <a:spcBef>
+              <a:spcPct val="0"/>
+            </a:spcBef>
+            <a:spcAft>
+              <a:spcPct val="15000"/>
+            </a:spcAft>
+            <a:buChar char="••"/>
+          </a:pPr>
+          <a:r>
+            <a:rPr lang="en-US" sz="1700" kern="1200" dirty="0" smtClean="0"/>
+            <a:t>The JagTran management may not fully specify what they want from the system, causing requirements to change in the middle of the project.</a:t>
+          </a:r>
+        </a:p>
+        <a:p>
+          <a:pPr marL="171450" lvl="1" indent="-171450" algn="l" defTabSz="755650">
+            <a:lnSpc>
+              <a:spcPct val="90000"/>
+            </a:lnSpc>
+            <a:spcBef>
+              <a:spcPct val="0"/>
+            </a:spcBef>
+            <a:spcAft>
+              <a:spcPct val="15000"/>
+            </a:spcAft>
+            <a:buChar char="••"/>
+          </a:pPr>
+          <a:r>
+            <a:rPr lang="en-US" sz="1700" kern="1200" dirty="0" smtClean="0"/>
+            <a:t>Mitigation Plan: By using an iterative development process, the </a:t>
+          </a:r>
+          <a:r>
+            <a:rPr lang="en-US" sz="1700" kern="1200" dirty="0" err="1" smtClean="0"/>
+            <a:t>JagTrack</a:t>
+          </a:r>
+          <a:r>
+            <a:rPr lang="en-US" sz="1700" kern="1200" dirty="0" smtClean="0"/>
+            <a:t> team is prepared to handle changing requirements</a:t>
+          </a:r>
+        </a:p>
+      </dsp:txBody>
+      <dsp:txXfrm>
+        <a:off x="0" y="2096272"/>
+        <a:ext cx="8686800" cy="1419075"/>
+      </dsp:txXfrm>
+    </dsp:sp>
+    <dsp:sp modelId="{B5825BFB-4F17-41F6-B32B-EE3F077E63BC}">
+      <dsp:nvSpPr>
+        <dsp:cNvPr id="0" name=""/>
+        <dsp:cNvSpPr/>
+      </dsp:nvSpPr>
+      <dsp:spPr>
+        <a:xfrm>
+          <a:off x="434340" y="1845352"/>
+          <a:ext cx="6080760" cy="501840"/>
+        </a:xfrm>
+        <a:prstGeom prst="roundRect">
+          <a:avLst/>
+        </a:prstGeom>
+        <a:solidFill>
+          <a:schemeClr val="accent1">
+            <a:hueOff val="0"/>
+            <a:satOff val="0"/>
+            <a:lumOff val="0"/>
+            <a:alphaOff val="0"/>
+          </a:schemeClr>
+        </a:solidFill>
+        <a:ln w="38100" cap="flat" cmpd="sng" algn="ctr">
+          <a:solidFill>
+            <a:schemeClr val="lt1">
+              <a:hueOff val="0"/>
+              <a:satOff val="0"/>
+              <a:lumOff val="0"/>
+              <a:alphaOff val="0"/>
+            </a:schemeClr>
+          </a:solidFill>
+          <a:prstDash val="solid"/>
+        </a:ln>
+        <a:effectLst/>
+      </dsp:spPr>
+      <dsp:style>
+        <a:lnRef idx="2">
+          <a:scrgbClr r="0" g="0" b="0"/>
+        </a:lnRef>
+        <a:fillRef idx="1">
+          <a:scrgbClr r="0" g="0" b="0"/>
+        </a:fillRef>
+        <a:effectRef idx="0">
+          <a:scrgbClr r="0" g="0" b="0"/>
+        </a:effectRef>
+        <a:fontRef idx="minor">
+          <a:schemeClr val="lt1"/>
+        </a:fontRef>
+      </dsp:style>
+      <dsp:txBody>
+        <a:bodyPr spcFirstLastPara="0" vert="horz" wrap="square" lIns="229838" tIns="0" rIns="229838" bIns="0" numCol="1" spcCol="1270" anchor="ctr" anchorCtr="0">
+          <a:noAutofit/>
+        </a:bodyPr>
+        <a:lstStyle/>
+        <a:p>
+          <a:pPr lvl="0" algn="l" defTabSz="1244600">
+            <a:lnSpc>
+              <a:spcPct val="90000"/>
+            </a:lnSpc>
+            <a:spcBef>
+              <a:spcPct val="0"/>
+            </a:spcBef>
+            <a:spcAft>
+              <a:spcPct val="35000"/>
+            </a:spcAft>
+          </a:pPr>
+          <a:r>
+            <a:rPr lang="en-US" sz="2800" kern="1200" dirty="0" smtClean="0"/>
+            <a:t>Requirements</a:t>
+          </a:r>
+        </a:p>
+      </dsp:txBody>
+      <dsp:txXfrm>
+        <a:off x="434340" y="1845352"/>
+        <a:ext cx="6080760" cy="501840"/>
+      </dsp:txXfrm>
+    </dsp:sp>
+    <dsp:sp modelId="{14114926-0DE3-4EF5-A495-D1CAE4EBEF1B}">
+      <dsp:nvSpPr>
+        <dsp:cNvPr id="0" name=""/>
+        <dsp:cNvSpPr/>
+      </dsp:nvSpPr>
+      <dsp:spPr>
+        <a:xfrm>
+          <a:off x="0" y="3858067"/>
+          <a:ext cx="8686800" cy="2142000"/>
+        </a:xfrm>
+        <a:prstGeom prst="rect">
+          <a:avLst/>
+        </a:prstGeom>
+        <a:solidFill>
+          <a:schemeClr val="lt1">
+            <a:alpha val="90000"/>
+            <a:hueOff val="0"/>
+            <a:satOff val="0"/>
+            <a:lumOff val="0"/>
+            <a:alphaOff val="0"/>
+          </a:schemeClr>
+        </a:solidFill>
+        <a:ln w="38100" cap="flat" cmpd="sng" algn="ctr">
+          <a:solidFill>
+            <a:schemeClr val="accent1">
+              <a:hueOff val="0"/>
+              <a:satOff val="0"/>
+              <a:lumOff val="0"/>
+              <a:alphaOff val="0"/>
+            </a:schemeClr>
+          </a:solidFill>
+          <a:prstDash val="solid"/>
+        </a:ln>
+        <a:effectLst/>
+      </dsp:spPr>
+      <dsp:style>
+        <a:lnRef idx="2">
+          <a:scrgbClr r="0" g="0" b="0"/>
+        </a:lnRef>
+        <a:fillRef idx="1">
+          <a:scrgbClr r="0" g="0" b="0"/>
+        </a:fillRef>
+        <a:effectRef idx="0">
+          <a:scrgbClr r="0" g="0" b="0"/>
+        </a:effectRef>
+        <a:fontRef idx="minor"/>
+      </dsp:style>
+      <dsp:txBody>
+        <a:bodyPr spcFirstLastPara="0" vert="horz" wrap="square" lIns="674192" tIns="354076" rIns="674192" bIns="120904" numCol="1" spcCol="1270" anchor="t" anchorCtr="0">
+          <a:noAutofit/>
+        </a:bodyPr>
+        <a:lstStyle/>
+        <a:p>
+          <a:pPr marL="171450" lvl="1" indent="-171450" algn="l" defTabSz="755650">
+            <a:lnSpc>
+              <a:spcPct val="90000"/>
+            </a:lnSpc>
+            <a:spcBef>
+              <a:spcPct val="0"/>
+            </a:spcBef>
+            <a:spcAft>
+              <a:spcPct val="15000"/>
+            </a:spcAft>
+            <a:buChar char="••"/>
+          </a:pPr>
+          <a:r>
+            <a:rPr lang="en-US" sz="1700" kern="1200" dirty="0" smtClean="0"/>
+            <a:t>The time required to complete the project is underestimated since most of the staff involved will be learning new skills</a:t>
+          </a:r>
+        </a:p>
+        <a:p>
+          <a:pPr marL="171450" lvl="1" indent="-171450" algn="l" defTabSz="755650">
+            <a:lnSpc>
+              <a:spcPct val="90000"/>
+            </a:lnSpc>
+            <a:spcBef>
+              <a:spcPct val="0"/>
+            </a:spcBef>
+            <a:spcAft>
+              <a:spcPct val="15000"/>
+            </a:spcAft>
+            <a:buChar char="••"/>
+          </a:pPr>
+          <a:r>
+            <a:rPr lang="en-US" sz="1700" kern="1200" dirty="0" smtClean="0"/>
+            <a:t>Mitigation Plan:</a:t>
+          </a:r>
+        </a:p>
+        <a:p>
+          <a:pPr marL="342900" lvl="2" indent="-171450" algn="l" defTabSz="755650">
+            <a:lnSpc>
+              <a:spcPct val="90000"/>
+            </a:lnSpc>
+            <a:spcBef>
+              <a:spcPct val="0"/>
+            </a:spcBef>
+            <a:spcAft>
+              <a:spcPct val="15000"/>
+            </a:spcAft>
+            <a:buChar char="••"/>
+          </a:pPr>
+          <a:r>
+            <a:rPr lang="en-US" sz="1700" kern="1200" dirty="0" smtClean="0"/>
+            <a:t>The work has been divided amongst many different staff members so that each member doesn’t have to do too much work</a:t>
+          </a:r>
+        </a:p>
+        <a:p>
+          <a:pPr marL="342900" lvl="2" indent="-171450" algn="l" defTabSz="755650">
+            <a:lnSpc>
+              <a:spcPct val="90000"/>
+            </a:lnSpc>
+            <a:spcBef>
+              <a:spcPct val="0"/>
+            </a:spcBef>
+            <a:spcAft>
+              <a:spcPct val="15000"/>
+            </a:spcAft>
+            <a:buChar char="••"/>
+          </a:pPr>
+          <a:r>
+            <a:rPr lang="en-US" sz="1700" kern="1200" dirty="0" err="1" smtClean="0"/>
+            <a:t>GitHub</a:t>
+          </a:r>
+          <a:r>
+            <a:rPr lang="en-US" sz="1700" kern="1200" dirty="0" smtClean="0"/>
+            <a:t> contains links to tutorials do decrease the amount of overhead for mundane tasks such as configuration management and version control</a:t>
+          </a:r>
+        </a:p>
+      </dsp:txBody>
+      <dsp:txXfrm>
+        <a:off x="0" y="3858067"/>
+        <a:ext cx="8686800" cy="2142000"/>
+      </dsp:txXfrm>
+    </dsp:sp>
+    <dsp:sp modelId="{BBE7E4A0-052E-4BA3-8180-297D80E91629}">
+      <dsp:nvSpPr>
+        <dsp:cNvPr id="0" name=""/>
+        <dsp:cNvSpPr/>
+      </dsp:nvSpPr>
+      <dsp:spPr>
+        <a:xfrm>
+          <a:off x="434340" y="3607147"/>
+          <a:ext cx="6080760" cy="501840"/>
+        </a:xfrm>
+        <a:prstGeom prst="roundRect">
+          <a:avLst/>
+        </a:prstGeom>
+        <a:solidFill>
+          <a:schemeClr val="accent1">
+            <a:hueOff val="0"/>
+            <a:satOff val="0"/>
+            <a:lumOff val="0"/>
+            <a:alphaOff val="0"/>
+          </a:schemeClr>
+        </a:solidFill>
+        <a:ln w="38100" cap="flat" cmpd="sng" algn="ctr">
+          <a:solidFill>
+            <a:schemeClr val="lt1">
+              <a:hueOff val="0"/>
+              <a:satOff val="0"/>
+              <a:lumOff val="0"/>
+              <a:alphaOff val="0"/>
+            </a:schemeClr>
+          </a:solidFill>
+          <a:prstDash val="solid"/>
+        </a:ln>
+        <a:effectLst/>
+      </dsp:spPr>
+      <dsp:style>
+        <a:lnRef idx="2">
+          <a:scrgbClr r="0" g="0" b="0"/>
+        </a:lnRef>
+        <a:fillRef idx="1">
+          <a:scrgbClr r="0" g="0" b="0"/>
+        </a:fillRef>
+        <a:effectRef idx="0">
+          <a:scrgbClr r="0" g="0" b="0"/>
+        </a:effectRef>
+        <a:fontRef idx="minor">
+          <a:schemeClr val="lt1"/>
+        </a:fontRef>
+      </dsp:style>
+      <dsp:txBody>
+        <a:bodyPr spcFirstLastPara="0" vert="horz" wrap="square" lIns="229838" tIns="0" rIns="229838" bIns="0" numCol="1" spcCol="1270" anchor="ctr" anchorCtr="0">
+          <a:noAutofit/>
+        </a:bodyPr>
+        <a:lstStyle/>
+        <a:p>
+          <a:pPr lvl="0" algn="l" defTabSz="1244600">
+            <a:lnSpc>
+              <a:spcPct val="90000"/>
+            </a:lnSpc>
+            <a:spcBef>
+              <a:spcPct val="0"/>
+            </a:spcBef>
+            <a:spcAft>
+              <a:spcPct val="35000"/>
+            </a:spcAft>
+          </a:pPr>
+          <a:r>
+            <a:rPr lang="en-US" sz="2800" kern="1200" dirty="0" smtClean="0"/>
+            <a:t>Estimation</a:t>
+          </a:r>
+        </a:p>
+      </dsp:txBody>
+      <dsp:txXfrm>
+        <a:off x="434340" y="3607147"/>
+        <a:ext cx="6080760" cy="501840"/>
+      </dsp:txXfrm>
+    </dsp:sp>
   </dsp:spTree>
 </dsp:drawing>
 </file>
@@ -18106,6 +21659,314 @@
       <dsp:cNvGrpSpPr/>
     </dsp:nvGrpSpPr>
     <dsp:grpSpPr/>
+    <dsp:sp modelId="{2FD082A1-3C56-4D44-89E6-A99ADA3CB763}">
+      <dsp:nvSpPr>
+        <dsp:cNvPr id="0" name=""/>
+        <dsp:cNvSpPr/>
+      </dsp:nvSpPr>
+      <dsp:spPr>
+        <a:xfrm>
+          <a:off x="0" y="574425"/>
+          <a:ext cx="7778750" cy="1847475"/>
+        </a:xfrm>
+        <a:prstGeom prst="rect">
+          <a:avLst/>
+        </a:prstGeom>
+        <a:solidFill>
+          <a:schemeClr val="lt1">
+            <a:alpha val="90000"/>
+            <a:hueOff val="0"/>
+            <a:satOff val="0"/>
+            <a:lumOff val="0"/>
+            <a:alphaOff val="0"/>
+          </a:schemeClr>
+        </a:solidFill>
+        <a:ln w="38100" cap="flat" cmpd="sng" algn="ctr">
+          <a:solidFill>
+            <a:schemeClr val="accent1">
+              <a:hueOff val="0"/>
+              <a:satOff val="0"/>
+              <a:lumOff val="0"/>
+              <a:alphaOff val="0"/>
+            </a:schemeClr>
+          </a:solidFill>
+          <a:prstDash val="solid"/>
+        </a:ln>
+        <a:effectLst/>
+      </dsp:spPr>
+      <dsp:style>
+        <a:lnRef idx="2">
+          <a:scrgbClr r="0" g="0" b="0"/>
+        </a:lnRef>
+        <a:fillRef idx="1">
+          <a:scrgbClr r="0" g="0" b="0"/>
+        </a:fillRef>
+        <a:effectRef idx="0">
+          <a:scrgbClr r="0" g="0" b="0"/>
+        </a:effectRef>
+        <a:fontRef idx="minor"/>
+      </dsp:style>
+      <dsp:txBody>
+        <a:bodyPr spcFirstLastPara="0" vert="horz" wrap="square" lIns="603717" tIns="479044" rIns="603717" bIns="163576" numCol="1" spcCol="1270" anchor="t" anchorCtr="0">
+          <a:noAutofit/>
+        </a:bodyPr>
+        <a:lstStyle/>
+        <a:p>
+          <a:pPr marL="228600" lvl="1" indent="-228600" algn="l" defTabSz="1022350">
+            <a:lnSpc>
+              <a:spcPct val="90000"/>
+            </a:lnSpc>
+            <a:spcBef>
+              <a:spcPct val="0"/>
+            </a:spcBef>
+            <a:spcAft>
+              <a:spcPct val="15000"/>
+            </a:spcAft>
+            <a:buChar char="••"/>
+          </a:pPr>
+          <a:r>
+            <a:rPr lang="en-US" sz="2300" kern="1200" dirty="0" smtClean="0"/>
+            <a:t>At the beginning of each phase of the development process, the requirements and constraints will be assessed and changed according to new manifestations in the process and product. </a:t>
+          </a:r>
+          <a:endParaRPr lang="en-US" sz="2300" kern="1200" dirty="0"/>
+        </a:p>
+      </dsp:txBody>
+      <dsp:txXfrm>
+        <a:off x="0" y="574425"/>
+        <a:ext cx="7778750" cy="1847475"/>
+      </dsp:txXfrm>
+    </dsp:sp>
+    <dsp:sp modelId="{DF4DE8E9-60E4-4961-A324-53FA6D52C58A}">
+      <dsp:nvSpPr>
+        <dsp:cNvPr id="0" name=""/>
+        <dsp:cNvSpPr/>
+      </dsp:nvSpPr>
+      <dsp:spPr>
+        <a:xfrm>
+          <a:off x="388937" y="234945"/>
+          <a:ext cx="5445125" cy="678960"/>
+        </a:xfrm>
+        <a:prstGeom prst="roundRect">
+          <a:avLst/>
+        </a:prstGeom>
+        <a:solidFill>
+          <a:schemeClr val="accent1">
+            <a:hueOff val="0"/>
+            <a:satOff val="0"/>
+            <a:lumOff val="0"/>
+            <a:alphaOff val="0"/>
+          </a:schemeClr>
+        </a:solidFill>
+        <a:ln w="38100" cap="flat" cmpd="sng" algn="ctr">
+          <a:solidFill>
+            <a:schemeClr val="lt1">
+              <a:hueOff val="0"/>
+              <a:satOff val="0"/>
+              <a:lumOff val="0"/>
+              <a:alphaOff val="0"/>
+            </a:schemeClr>
+          </a:solidFill>
+          <a:prstDash val="solid"/>
+        </a:ln>
+        <a:effectLst/>
+      </dsp:spPr>
+      <dsp:style>
+        <a:lnRef idx="2">
+          <a:scrgbClr r="0" g="0" b="0"/>
+        </a:lnRef>
+        <a:fillRef idx="1">
+          <a:scrgbClr r="0" g="0" b="0"/>
+        </a:fillRef>
+        <a:effectRef idx="0">
+          <a:scrgbClr r="0" g="0" b="0"/>
+        </a:effectRef>
+        <a:fontRef idx="minor">
+          <a:schemeClr val="lt1"/>
+        </a:fontRef>
+      </dsp:style>
+      <dsp:txBody>
+        <a:bodyPr spcFirstLastPara="0" vert="horz" wrap="square" lIns="205813" tIns="0" rIns="205813" bIns="0" numCol="1" spcCol="1270" anchor="ctr" anchorCtr="0">
+          <a:noAutofit/>
+        </a:bodyPr>
+        <a:lstStyle/>
+        <a:p>
+          <a:pPr lvl="0" algn="l" defTabSz="1022350">
+            <a:lnSpc>
+              <a:spcPct val="90000"/>
+            </a:lnSpc>
+            <a:spcBef>
+              <a:spcPct val="0"/>
+            </a:spcBef>
+            <a:spcAft>
+              <a:spcPct val="35000"/>
+            </a:spcAft>
+          </a:pPr>
+          <a:r>
+            <a:rPr lang="en-US" sz="2300" kern="1200" dirty="0" smtClean="0"/>
+            <a:t>Phase</a:t>
+          </a:r>
+          <a:endParaRPr lang="en-US" sz="2300" kern="1200" dirty="0"/>
+        </a:p>
+      </dsp:txBody>
+      <dsp:txXfrm>
+        <a:off x="388937" y="234945"/>
+        <a:ext cx="5445125" cy="678960"/>
+      </dsp:txXfrm>
+    </dsp:sp>
+    <dsp:sp modelId="{9C94C757-E6FF-40D6-89DD-AE7C606E081E}">
+      <dsp:nvSpPr>
+        <dsp:cNvPr id="0" name=""/>
+        <dsp:cNvSpPr/>
+      </dsp:nvSpPr>
+      <dsp:spPr>
+        <a:xfrm>
+          <a:off x="0" y="2885580"/>
+          <a:ext cx="7778750" cy="2137275"/>
+        </a:xfrm>
+        <a:prstGeom prst="rect">
+          <a:avLst/>
+        </a:prstGeom>
+        <a:solidFill>
+          <a:schemeClr val="lt1">
+            <a:alpha val="90000"/>
+            <a:hueOff val="0"/>
+            <a:satOff val="0"/>
+            <a:lumOff val="0"/>
+            <a:alphaOff val="0"/>
+          </a:schemeClr>
+        </a:solidFill>
+        <a:ln w="38100" cap="flat" cmpd="sng" algn="ctr">
+          <a:solidFill>
+            <a:schemeClr val="accent1">
+              <a:hueOff val="0"/>
+              <a:satOff val="0"/>
+              <a:lumOff val="0"/>
+              <a:alphaOff val="0"/>
+            </a:schemeClr>
+          </a:solidFill>
+          <a:prstDash val="solid"/>
+        </a:ln>
+        <a:effectLst/>
+      </dsp:spPr>
+      <dsp:style>
+        <a:lnRef idx="2">
+          <a:scrgbClr r="0" g="0" b="0"/>
+        </a:lnRef>
+        <a:fillRef idx="1">
+          <a:scrgbClr r="0" g="0" b="0"/>
+        </a:fillRef>
+        <a:effectRef idx="0">
+          <a:scrgbClr r="0" g="0" b="0"/>
+        </a:effectRef>
+        <a:fontRef idx="minor"/>
+      </dsp:style>
+      <dsp:txBody>
+        <a:bodyPr spcFirstLastPara="0" vert="horz" wrap="square" lIns="603717" tIns="479044" rIns="603717" bIns="163576" numCol="1" spcCol="1270" anchor="t" anchorCtr="0">
+          <a:noAutofit/>
+        </a:bodyPr>
+        <a:lstStyle/>
+        <a:p>
+          <a:pPr marL="228600" lvl="1" indent="-228600" algn="l" defTabSz="1022350">
+            <a:lnSpc>
+              <a:spcPct val="90000"/>
+            </a:lnSpc>
+            <a:spcBef>
+              <a:spcPct val="0"/>
+            </a:spcBef>
+            <a:spcAft>
+              <a:spcPct val="15000"/>
+            </a:spcAft>
+            <a:buChar char="••"/>
+          </a:pPr>
+          <a:r>
+            <a:rPr lang="en-US" sz="2300" kern="1200" smtClean="0"/>
+            <a:t>Much like the process at the end of each phase, requirements will be assessed at the end and all throughout the iterations until release. If changes in requirements are required mid iteration they will be addressed when needed. </a:t>
+          </a:r>
+          <a:endParaRPr lang="en-US" sz="2300" kern="1200"/>
+        </a:p>
+      </dsp:txBody>
+      <dsp:txXfrm>
+        <a:off x="0" y="2885580"/>
+        <a:ext cx="7778750" cy="2137275"/>
+      </dsp:txXfrm>
+    </dsp:sp>
+    <dsp:sp modelId="{418EDB08-FA76-4A54-8C73-BF0494A221C6}">
+      <dsp:nvSpPr>
+        <dsp:cNvPr id="0" name=""/>
+        <dsp:cNvSpPr/>
+      </dsp:nvSpPr>
+      <dsp:spPr>
+        <a:xfrm>
+          <a:off x="388937" y="2546100"/>
+          <a:ext cx="5445125" cy="678960"/>
+        </a:xfrm>
+        <a:prstGeom prst="roundRect">
+          <a:avLst/>
+        </a:prstGeom>
+        <a:solidFill>
+          <a:schemeClr val="accent1">
+            <a:hueOff val="0"/>
+            <a:satOff val="0"/>
+            <a:lumOff val="0"/>
+            <a:alphaOff val="0"/>
+          </a:schemeClr>
+        </a:solidFill>
+        <a:ln w="38100" cap="flat" cmpd="sng" algn="ctr">
+          <a:solidFill>
+            <a:schemeClr val="lt1">
+              <a:hueOff val="0"/>
+              <a:satOff val="0"/>
+              <a:lumOff val="0"/>
+              <a:alphaOff val="0"/>
+            </a:schemeClr>
+          </a:solidFill>
+          <a:prstDash val="solid"/>
+        </a:ln>
+        <a:effectLst/>
+      </dsp:spPr>
+      <dsp:style>
+        <a:lnRef idx="2">
+          <a:scrgbClr r="0" g="0" b="0"/>
+        </a:lnRef>
+        <a:fillRef idx="1">
+          <a:scrgbClr r="0" g="0" b="0"/>
+        </a:fillRef>
+        <a:effectRef idx="0">
+          <a:scrgbClr r="0" g="0" b="0"/>
+        </a:effectRef>
+        <a:fontRef idx="minor">
+          <a:schemeClr val="lt1"/>
+        </a:fontRef>
+      </dsp:style>
+      <dsp:txBody>
+        <a:bodyPr spcFirstLastPara="0" vert="horz" wrap="square" lIns="205813" tIns="0" rIns="205813" bIns="0" numCol="1" spcCol="1270" anchor="ctr" anchorCtr="0">
+          <a:noAutofit/>
+        </a:bodyPr>
+        <a:lstStyle/>
+        <a:p>
+          <a:pPr lvl="0" algn="l" defTabSz="1022350">
+            <a:lnSpc>
+              <a:spcPct val="90000"/>
+            </a:lnSpc>
+            <a:spcBef>
+              <a:spcPct val="0"/>
+            </a:spcBef>
+            <a:spcAft>
+              <a:spcPct val="35000"/>
+            </a:spcAft>
+          </a:pPr>
+          <a:r>
+            <a:rPr lang="en-US" sz="2300" kern="1200" dirty="0" smtClean="0"/>
+            <a:t>Iteration</a:t>
+          </a:r>
+          <a:endParaRPr lang="en-US" sz="2300" kern="1200" dirty="0"/>
+        </a:p>
+      </dsp:txBody>
+      <dsp:txXfrm>
+        <a:off x="388937" y="2546100"/>
+        <a:ext cx="5445125" cy="678960"/>
+      </dsp:txXfrm>
+    </dsp:sp>
   </dsp:spTree>
 </dsp:drawing>
 </file>
@@ -18118,6 +21979,314 @@
       <dsp:cNvGrpSpPr/>
     </dsp:nvGrpSpPr>
     <dsp:grpSpPr/>
+    <dsp:sp modelId="{15C62C06-730B-4C24-94E9-DC5272302539}">
+      <dsp:nvSpPr>
+        <dsp:cNvPr id="0" name=""/>
+        <dsp:cNvSpPr/>
+      </dsp:nvSpPr>
+      <dsp:spPr>
+        <a:xfrm>
+          <a:off x="0" y="373312"/>
+          <a:ext cx="7702550" cy="1847475"/>
+        </a:xfrm>
+        <a:prstGeom prst="rect">
+          <a:avLst/>
+        </a:prstGeom>
+        <a:solidFill>
+          <a:schemeClr val="lt1">
+            <a:alpha val="90000"/>
+            <a:hueOff val="0"/>
+            <a:satOff val="0"/>
+            <a:lumOff val="0"/>
+            <a:alphaOff val="0"/>
+          </a:schemeClr>
+        </a:solidFill>
+        <a:ln w="38100" cap="flat" cmpd="sng" algn="ctr">
+          <a:solidFill>
+            <a:schemeClr val="accent1">
+              <a:hueOff val="0"/>
+              <a:satOff val="0"/>
+              <a:lumOff val="0"/>
+              <a:alphaOff val="0"/>
+            </a:schemeClr>
+          </a:solidFill>
+          <a:prstDash val="solid"/>
+        </a:ln>
+        <a:effectLst/>
+      </dsp:spPr>
+      <dsp:style>
+        <a:lnRef idx="2">
+          <a:scrgbClr r="0" g="0" b="0"/>
+        </a:lnRef>
+        <a:fillRef idx="1">
+          <a:scrgbClr r="0" g="0" b="0"/>
+        </a:fillRef>
+        <a:effectRef idx="0">
+          <a:scrgbClr r="0" g="0" b="0"/>
+        </a:effectRef>
+        <a:fontRef idx="minor"/>
+      </dsp:style>
+      <dsp:txBody>
+        <a:bodyPr spcFirstLastPara="0" vert="horz" wrap="square" lIns="597803" tIns="479044" rIns="597803" bIns="163576" numCol="1" spcCol="1270" anchor="t" anchorCtr="0">
+          <a:noAutofit/>
+        </a:bodyPr>
+        <a:lstStyle/>
+        <a:p>
+          <a:pPr marL="228600" lvl="1" indent="-228600" algn="l" defTabSz="1022350">
+            <a:lnSpc>
+              <a:spcPct val="90000"/>
+            </a:lnSpc>
+            <a:spcBef>
+              <a:spcPct val="0"/>
+            </a:spcBef>
+            <a:spcAft>
+              <a:spcPct val="15000"/>
+            </a:spcAft>
+            <a:buChar char="••"/>
+          </a:pPr>
+          <a:r>
+            <a:rPr lang="en-US" sz="2300" kern="1200" dirty="0" smtClean="0"/>
+            <a:t>Whenever a prototype is released the information gathered from the prototype will be used to update the requirements and confirm that the project is holding to the requirements already established. </a:t>
+          </a:r>
+          <a:endParaRPr lang="en-US" sz="2300" kern="1200" dirty="0"/>
+        </a:p>
+      </dsp:txBody>
+      <dsp:txXfrm>
+        <a:off x="0" y="373312"/>
+        <a:ext cx="7702550" cy="1847475"/>
+      </dsp:txXfrm>
+    </dsp:sp>
+    <dsp:sp modelId="{C78C93BA-D738-4591-8987-3067C72B00F0}">
+      <dsp:nvSpPr>
+        <dsp:cNvPr id="0" name=""/>
+        <dsp:cNvSpPr/>
+      </dsp:nvSpPr>
+      <dsp:spPr>
+        <a:xfrm>
+          <a:off x="385127" y="33832"/>
+          <a:ext cx="5391785" cy="678960"/>
+        </a:xfrm>
+        <a:prstGeom prst="roundRect">
+          <a:avLst/>
+        </a:prstGeom>
+        <a:solidFill>
+          <a:schemeClr val="accent1">
+            <a:hueOff val="0"/>
+            <a:satOff val="0"/>
+            <a:lumOff val="0"/>
+            <a:alphaOff val="0"/>
+          </a:schemeClr>
+        </a:solidFill>
+        <a:ln w="38100" cap="flat" cmpd="sng" algn="ctr">
+          <a:solidFill>
+            <a:schemeClr val="lt1">
+              <a:hueOff val="0"/>
+              <a:satOff val="0"/>
+              <a:lumOff val="0"/>
+              <a:alphaOff val="0"/>
+            </a:schemeClr>
+          </a:solidFill>
+          <a:prstDash val="solid"/>
+        </a:ln>
+        <a:effectLst/>
+      </dsp:spPr>
+      <dsp:style>
+        <a:lnRef idx="2">
+          <a:scrgbClr r="0" g="0" b="0"/>
+        </a:lnRef>
+        <a:fillRef idx="1">
+          <a:scrgbClr r="0" g="0" b="0"/>
+        </a:fillRef>
+        <a:effectRef idx="0">
+          <a:scrgbClr r="0" g="0" b="0"/>
+        </a:effectRef>
+        <a:fontRef idx="minor">
+          <a:schemeClr val="lt1"/>
+        </a:fontRef>
+      </dsp:style>
+      <dsp:txBody>
+        <a:bodyPr spcFirstLastPara="0" vert="horz" wrap="square" lIns="203797" tIns="0" rIns="203797" bIns="0" numCol="1" spcCol="1270" anchor="ctr" anchorCtr="0">
+          <a:noAutofit/>
+        </a:bodyPr>
+        <a:lstStyle/>
+        <a:p>
+          <a:pPr lvl="0" algn="l" defTabSz="1022350">
+            <a:lnSpc>
+              <a:spcPct val="90000"/>
+            </a:lnSpc>
+            <a:spcBef>
+              <a:spcPct val="0"/>
+            </a:spcBef>
+            <a:spcAft>
+              <a:spcPct val="35000"/>
+            </a:spcAft>
+          </a:pPr>
+          <a:r>
+            <a:rPr lang="en-US" sz="2300" kern="1200" dirty="0" smtClean="0"/>
+            <a:t>Prototype Release</a:t>
+          </a:r>
+          <a:endParaRPr lang="en-US" sz="2300" kern="1200" dirty="0"/>
+        </a:p>
+      </dsp:txBody>
+      <dsp:txXfrm>
+        <a:off x="385127" y="33832"/>
+        <a:ext cx="5391785" cy="678960"/>
+      </dsp:txXfrm>
+    </dsp:sp>
+    <dsp:sp modelId="{1ADCF659-B98A-4432-A3E9-317A8BF8903B}">
+      <dsp:nvSpPr>
+        <dsp:cNvPr id="0" name=""/>
+        <dsp:cNvSpPr/>
+      </dsp:nvSpPr>
+      <dsp:spPr>
+        <a:xfrm>
+          <a:off x="0" y="2684467"/>
+          <a:ext cx="7702550" cy="2463300"/>
+        </a:xfrm>
+        <a:prstGeom prst="rect">
+          <a:avLst/>
+        </a:prstGeom>
+        <a:solidFill>
+          <a:schemeClr val="lt1">
+            <a:alpha val="90000"/>
+            <a:hueOff val="0"/>
+            <a:satOff val="0"/>
+            <a:lumOff val="0"/>
+            <a:alphaOff val="0"/>
+          </a:schemeClr>
+        </a:solidFill>
+        <a:ln w="38100" cap="flat" cmpd="sng" algn="ctr">
+          <a:solidFill>
+            <a:schemeClr val="accent1">
+              <a:hueOff val="0"/>
+              <a:satOff val="0"/>
+              <a:lumOff val="0"/>
+              <a:alphaOff val="0"/>
+            </a:schemeClr>
+          </a:solidFill>
+          <a:prstDash val="solid"/>
+        </a:ln>
+        <a:effectLst/>
+      </dsp:spPr>
+      <dsp:style>
+        <a:lnRef idx="2">
+          <a:scrgbClr r="0" g="0" b="0"/>
+        </a:lnRef>
+        <a:fillRef idx="1">
+          <a:scrgbClr r="0" g="0" b="0"/>
+        </a:fillRef>
+        <a:effectRef idx="0">
+          <a:scrgbClr r="0" g="0" b="0"/>
+        </a:effectRef>
+        <a:fontRef idx="minor"/>
+      </dsp:style>
+      <dsp:txBody>
+        <a:bodyPr spcFirstLastPara="0" vert="horz" wrap="square" lIns="597803" tIns="479044" rIns="597803" bIns="163576" numCol="1" spcCol="1270" anchor="t" anchorCtr="0">
+          <a:noAutofit/>
+        </a:bodyPr>
+        <a:lstStyle/>
+        <a:p>
+          <a:pPr marL="228600" lvl="1" indent="-228600" algn="l" defTabSz="1022350">
+            <a:lnSpc>
+              <a:spcPct val="90000"/>
+            </a:lnSpc>
+            <a:spcBef>
+              <a:spcPct val="0"/>
+            </a:spcBef>
+            <a:spcAft>
+              <a:spcPct val="15000"/>
+            </a:spcAft>
+            <a:buChar char="••"/>
+          </a:pPr>
+          <a:r>
+            <a:rPr lang="en-US" sz="2300" kern="1200" dirty="0" smtClean="0"/>
+            <a:t>Every customer meeting will provide feedback from both team leaders and the customer as to assess whether the project is holding to the original and current requirements. Any changes needing to take place can be addressed at these meetings and implemented if deemed necessary. </a:t>
+          </a:r>
+          <a:endParaRPr lang="en-US" sz="2300" kern="1200" dirty="0"/>
+        </a:p>
+      </dsp:txBody>
+      <dsp:txXfrm>
+        <a:off x="0" y="2684467"/>
+        <a:ext cx="7702550" cy="2463300"/>
+      </dsp:txXfrm>
+    </dsp:sp>
+    <dsp:sp modelId="{EC9C2B0C-353E-43D9-97DB-D48D0E47C4D2}">
+      <dsp:nvSpPr>
+        <dsp:cNvPr id="0" name=""/>
+        <dsp:cNvSpPr/>
+      </dsp:nvSpPr>
+      <dsp:spPr>
+        <a:xfrm>
+          <a:off x="385127" y="2344987"/>
+          <a:ext cx="5391785" cy="678960"/>
+        </a:xfrm>
+        <a:prstGeom prst="roundRect">
+          <a:avLst/>
+        </a:prstGeom>
+        <a:solidFill>
+          <a:schemeClr val="accent1">
+            <a:hueOff val="0"/>
+            <a:satOff val="0"/>
+            <a:lumOff val="0"/>
+            <a:alphaOff val="0"/>
+          </a:schemeClr>
+        </a:solidFill>
+        <a:ln w="38100" cap="flat" cmpd="sng" algn="ctr">
+          <a:solidFill>
+            <a:schemeClr val="lt1">
+              <a:hueOff val="0"/>
+              <a:satOff val="0"/>
+              <a:lumOff val="0"/>
+              <a:alphaOff val="0"/>
+            </a:schemeClr>
+          </a:solidFill>
+          <a:prstDash val="solid"/>
+        </a:ln>
+        <a:effectLst/>
+      </dsp:spPr>
+      <dsp:style>
+        <a:lnRef idx="2">
+          <a:scrgbClr r="0" g="0" b="0"/>
+        </a:lnRef>
+        <a:fillRef idx="1">
+          <a:scrgbClr r="0" g="0" b="0"/>
+        </a:fillRef>
+        <a:effectRef idx="0">
+          <a:scrgbClr r="0" g="0" b="0"/>
+        </a:effectRef>
+        <a:fontRef idx="minor">
+          <a:schemeClr val="lt1"/>
+        </a:fontRef>
+      </dsp:style>
+      <dsp:txBody>
+        <a:bodyPr spcFirstLastPara="0" vert="horz" wrap="square" lIns="203797" tIns="0" rIns="203797" bIns="0" numCol="1" spcCol="1270" anchor="ctr" anchorCtr="0">
+          <a:noAutofit/>
+        </a:bodyPr>
+        <a:lstStyle/>
+        <a:p>
+          <a:pPr lvl="0" algn="l" defTabSz="1022350">
+            <a:lnSpc>
+              <a:spcPct val="90000"/>
+            </a:lnSpc>
+            <a:spcBef>
+              <a:spcPct val="0"/>
+            </a:spcBef>
+            <a:spcAft>
+              <a:spcPct val="35000"/>
+            </a:spcAft>
+          </a:pPr>
+          <a:r>
+            <a:rPr lang="en-US" sz="2300" kern="1200" dirty="0" smtClean="0"/>
+            <a:t>Customer Meeting</a:t>
+          </a:r>
+          <a:endParaRPr lang="en-US" sz="2300" kern="1200" dirty="0"/>
+        </a:p>
+      </dsp:txBody>
+      <dsp:txXfrm>
+        <a:off x="385127" y="2344987"/>
+        <a:ext cx="5391785" cy="678960"/>
+      </dsp:txXfrm>
+    </dsp:sp>
   </dsp:spTree>
 </dsp:drawing>
 </file>
@@ -36220,6 +40389,252 @@
 </p:notes>
 </file>
 
+<file path=ppt/notesSlides/notesSlide10.xml><?xml version="1.0" encoding="utf-8"?>
+<p:notes xmlns:a="http://schemas.openxmlformats.org/drawingml/2006/main" xmlns:r="http://schemas.openxmlformats.org/officeDocument/2006/relationships" xmlns:p="http://schemas.openxmlformats.org/presentationml/2006/main">
+  <p:cSld>
+    <p:bg>
+      <p:bgPr>
+        <a:solidFill>
+          <a:srgbClr val="FFFFFF"/>
+        </a:solidFill>
+        <a:effectLst/>
+      </p:bgPr>
+    </p:bg>
+    <p:spTree>
+      <p:nvGrpSpPr>
+        <p:cNvPr id="1" name=""/>
+        <p:cNvGrpSpPr/>
+        <p:nvPr/>
+      </p:nvGrpSpPr>
+      <p:grpSpPr>
+        <a:xfrm>
+          <a:off x="0" y="0"/>
+          <a:ext cx="0" cy="0"/>
+          <a:chOff x="0" y="0"/>
+          <a:chExt cx="0" cy="0"/>
+        </a:xfrm>
+      </p:grpSpPr>
+      <p:sp>
+        <p:nvSpPr>
+          <p:cNvPr id="7" name="Rectangle 6"/>
+          <p:cNvSpPr>
+            <a:spLocks noGrp="1" noChangeArrowheads="1"/>
+          </p:cNvSpPr>
+          <p:nvPr>
+            <p:ph type="sldNum"/>
+          </p:nvPr>
+        </p:nvSpPr>
+        <p:spPr>
+          <a:ln/>
+        </p:spPr>
+        <p:txBody>
+          <a:bodyPr/>
+          <a:lstStyle/>
+          <a:p>
+            <a:fld id="{7BA0123D-32C7-4DB6-AFF6-A12E45A91046}" type="slidenum">
+              <a:rPr lang="en-US"/>
+              <a:pPr/>
+              <a:t>18</a:t>
+            </a:fld>
+            <a:endParaRPr lang="en-US"/>
+          </a:p>
+        </p:txBody>
+      </p:sp>
+      <p:sp>
+        <p:nvSpPr>
+          <p:cNvPr id="21505" name="Rectangle 1"/>
+          <p:cNvSpPr txBox="1">
+            <a:spLocks noGrp="1" noRot="1" noChangeAspect="1" noChangeArrowheads="1"/>
+          </p:cNvSpPr>
+          <p:nvPr>
+            <p:ph type="sldImg"/>
+          </p:nvPr>
+        </p:nvSpPr>
+        <p:spPr bwMode="auto">
+          <a:xfrm>
+            <a:off x="1143000" y="693738"/>
+            <a:ext cx="4572000" cy="3429000"/>
+          </a:xfrm>
+          <a:prstGeom prst="rect">
+            <a:avLst/>
+          </a:prstGeom>
+          <a:solidFill>
+            <a:srgbClr val="FFFFFF"/>
+          </a:solidFill>
+          <a:ln>
+            <a:solidFill>
+              <a:srgbClr val="000000"/>
+            </a:solidFill>
+            <a:miter lim="800000"/>
+            <a:headEnd/>
+            <a:tailEnd/>
+          </a:ln>
+        </p:spPr>
+      </p:sp>
+      <p:sp>
+        <p:nvSpPr>
+          <p:cNvPr id="21506" name="Rectangle 2"/>
+          <p:cNvSpPr txBox="1">
+            <a:spLocks noGrp="1" noChangeArrowheads="1"/>
+          </p:cNvSpPr>
+          <p:nvPr>
+            <p:ph type="body" idx="1"/>
+          </p:nvPr>
+        </p:nvSpPr>
+        <p:spPr bwMode="auto">
+          <a:xfrm>
+            <a:off x="686360" y="4342535"/>
+            <a:ext cx="5486681" cy="4114511"/>
+          </a:xfrm>
+          <a:prstGeom prst="rect">
+            <a:avLst/>
+          </a:prstGeom>
+          <a:noFill/>
+          <a:ln>
+            <a:round/>
+            <a:headEnd/>
+            <a:tailEnd/>
+          </a:ln>
+        </p:spPr>
+        <p:txBody>
+          <a:bodyPr wrap="none" anchor="ctr"/>
+          <a:lstStyle/>
+          <a:p>
+            <a:endParaRPr lang="en-US"/>
+          </a:p>
+        </p:txBody>
+      </p:sp>
+    </p:spTree>
+  </p:cSld>
+  <p:clrMapOvr>
+    <a:masterClrMapping/>
+  </p:clrMapOvr>
+</p:notes>
+</file>
+
+<file path=ppt/notesSlides/notesSlide11.xml><?xml version="1.0" encoding="utf-8"?>
+<p:notes xmlns:a="http://schemas.openxmlformats.org/drawingml/2006/main" xmlns:r="http://schemas.openxmlformats.org/officeDocument/2006/relationships" xmlns:p="http://schemas.openxmlformats.org/presentationml/2006/main">
+  <p:cSld>
+    <p:bg>
+      <p:bgPr>
+        <a:solidFill>
+          <a:srgbClr val="FFFFFF"/>
+        </a:solidFill>
+        <a:effectLst/>
+      </p:bgPr>
+    </p:bg>
+    <p:spTree>
+      <p:nvGrpSpPr>
+        <p:cNvPr id="1" name=""/>
+        <p:cNvGrpSpPr/>
+        <p:nvPr/>
+      </p:nvGrpSpPr>
+      <p:grpSpPr>
+        <a:xfrm>
+          <a:off x="0" y="0"/>
+          <a:ext cx="0" cy="0"/>
+          <a:chOff x="0" y="0"/>
+          <a:chExt cx="0" cy="0"/>
+        </a:xfrm>
+      </p:grpSpPr>
+      <p:sp>
+        <p:nvSpPr>
+          <p:cNvPr id="7" name="Rectangle 6"/>
+          <p:cNvSpPr>
+            <a:spLocks noGrp="1" noChangeArrowheads="1"/>
+          </p:cNvSpPr>
+          <p:nvPr>
+            <p:ph type="sldNum"/>
+          </p:nvPr>
+        </p:nvSpPr>
+        <p:spPr>
+          <a:ln/>
+        </p:spPr>
+        <p:txBody>
+          <a:bodyPr/>
+          <a:lstStyle/>
+          <a:p>
+            <a:fld id="{3D2CEAEB-6047-4239-B975-3CEF6456D6C3}" type="slidenum">
+              <a:rPr lang="en-US"/>
+              <a:pPr/>
+              <a:t>19</a:t>
+            </a:fld>
+            <a:endParaRPr lang="en-US"/>
+          </a:p>
+        </p:txBody>
+      </p:sp>
+      <p:sp>
+        <p:nvSpPr>
+          <p:cNvPr id="20481" name="Rectangle 1"/>
+          <p:cNvSpPr txBox="1">
+            <a:spLocks noGrp="1" noRot="1" noChangeAspect="1" noChangeArrowheads="1"/>
+          </p:cNvSpPr>
+          <p:nvPr>
+            <p:ph type="sldImg"/>
+          </p:nvPr>
+        </p:nvSpPr>
+        <p:spPr bwMode="auto">
+          <a:xfrm>
+            <a:off x="1143000" y="693738"/>
+            <a:ext cx="4572000" cy="3429000"/>
+          </a:xfrm>
+          <a:prstGeom prst="rect">
+            <a:avLst/>
+          </a:prstGeom>
+          <a:solidFill>
+            <a:srgbClr val="FFFFFF"/>
+          </a:solidFill>
+          <a:ln>
+            <a:solidFill>
+              <a:srgbClr val="000000"/>
+            </a:solidFill>
+            <a:miter lim="800000"/>
+            <a:headEnd/>
+            <a:tailEnd/>
+          </a:ln>
+        </p:spPr>
+      </p:sp>
+      <p:sp>
+        <p:nvSpPr>
+          <p:cNvPr id="20482" name="Rectangle 2"/>
+          <p:cNvSpPr txBox="1">
+            <a:spLocks noGrp="1" noChangeArrowheads="1"/>
+          </p:cNvSpPr>
+          <p:nvPr>
+            <p:ph type="body" idx="1"/>
+          </p:nvPr>
+        </p:nvSpPr>
+        <p:spPr bwMode="auto">
+          <a:xfrm>
+            <a:off x="686360" y="4342535"/>
+            <a:ext cx="5486681" cy="4114511"/>
+          </a:xfrm>
+          <a:prstGeom prst="rect">
+            <a:avLst/>
+          </a:prstGeom>
+          <a:noFill/>
+          <a:ln>
+            <a:round/>
+            <a:headEnd/>
+            <a:tailEnd/>
+          </a:ln>
+        </p:spPr>
+        <p:txBody>
+          <a:bodyPr wrap="none" anchor="ctr"/>
+          <a:lstStyle/>
+          <a:p>
+            <a:endParaRPr lang="en-US"/>
+          </a:p>
+        </p:txBody>
+      </p:sp>
+    </p:spTree>
+  </p:cSld>
+  <p:clrMapOvr>
+    <a:masterClrMapping/>
+  </p:clrMapOvr>
+</p:notes>
+</file>
+
 <file path=ppt/notesSlides/notesSlide2.xml><?xml version="1.0" encoding="utf-8"?>
 <p:notes xmlns:a="http://schemas.openxmlformats.org/drawingml/2006/main" xmlns:r="http://schemas.openxmlformats.org/officeDocument/2006/relationships" xmlns:p="http://schemas.openxmlformats.org/presentationml/2006/main">
   <p:cSld>
@@ -36305,6 +40720,252 @@
 <file path=ppt/notesSlides/notesSlide3.xml><?xml version="1.0" encoding="utf-8"?>
 <p:notes xmlns:a="http://schemas.openxmlformats.org/drawingml/2006/main" xmlns:r="http://schemas.openxmlformats.org/officeDocument/2006/relationships" xmlns:p="http://schemas.openxmlformats.org/presentationml/2006/main">
   <p:cSld>
+    <p:bg>
+      <p:bgPr>
+        <a:solidFill>
+          <a:srgbClr val="FFFFFF"/>
+        </a:solidFill>
+        <a:effectLst/>
+      </p:bgPr>
+    </p:bg>
+    <p:spTree>
+      <p:nvGrpSpPr>
+        <p:cNvPr id="1" name=""/>
+        <p:cNvGrpSpPr/>
+        <p:nvPr/>
+      </p:nvGrpSpPr>
+      <p:grpSpPr>
+        <a:xfrm>
+          <a:off x="0" y="0"/>
+          <a:ext cx="0" cy="0"/>
+          <a:chOff x="0" y="0"/>
+          <a:chExt cx="0" cy="0"/>
+        </a:xfrm>
+      </p:grpSpPr>
+      <p:sp>
+        <p:nvSpPr>
+          <p:cNvPr id="7" name="Rectangle 6"/>
+          <p:cNvSpPr>
+            <a:spLocks noGrp="1" noChangeArrowheads="1"/>
+          </p:cNvSpPr>
+          <p:nvPr>
+            <p:ph type="sldNum"/>
+          </p:nvPr>
+        </p:nvSpPr>
+        <p:spPr>
+          <a:ln/>
+        </p:spPr>
+        <p:txBody>
+          <a:bodyPr/>
+          <a:lstStyle/>
+          <a:p>
+            <a:fld id="{7337F55F-CCE5-458C-99A9-7577E7CE3829}" type="slidenum">
+              <a:rPr lang="en-US"/>
+              <a:pPr/>
+              <a:t>6</a:t>
+            </a:fld>
+            <a:endParaRPr lang="en-US"/>
+          </a:p>
+        </p:txBody>
+      </p:sp>
+      <p:sp>
+        <p:nvSpPr>
+          <p:cNvPr id="7169" name="Rectangle 1"/>
+          <p:cNvSpPr txBox="1">
+            <a:spLocks noChangeArrowheads="1"/>
+          </p:cNvSpPr>
+          <p:nvPr>
+            <p:ph type="sldImg"/>
+          </p:nvPr>
+        </p:nvSpPr>
+        <p:spPr bwMode="auto">
+          <a:xfrm>
+            <a:off x="1143000" y="693738"/>
+            <a:ext cx="4572000" cy="3429000"/>
+          </a:xfrm>
+          <a:prstGeom prst="rect">
+            <a:avLst/>
+          </a:prstGeom>
+          <a:solidFill>
+            <a:srgbClr val="FFFFFF"/>
+          </a:solidFill>
+          <a:ln>
+            <a:solidFill>
+              <a:srgbClr val="000000"/>
+            </a:solidFill>
+            <a:miter lim="800000"/>
+            <a:headEnd/>
+            <a:tailEnd/>
+          </a:ln>
+        </p:spPr>
+      </p:sp>
+      <p:sp>
+        <p:nvSpPr>
+          <p:cNvPr id="7170" name="Rectangle 2"/>
+          <p:cNvSpPr txBox="1">
+            <a:spLocks noChangeArrowheads="1"/>
+          </p:cNvSpPr>
+          <p:nvPr>
+            <p:ph type="body" idx="1"/>
+          </p:nvPr>
+        </p:nvSpPr>
+        <p:spPr bwMode="auto">
+          <a:xfrm>
+            <a:off x="686360" y="4342535"/>
+            <a:ext cx="5486681" cy="4114511"/>
+          </a:xfrm>
+          <a:prstGeom prst="rect">
+            <a:avLst/>
+          </a:prstGeom>
+          <a:noFill/>
+          <a:ln>
+            <a:round/>
+            <a:headEnd/>
+            <a:tailEnd/>
+          </a:ln>
+        </p:spPr>
+        <p:txBody>
+          <a:bodyPr wrap="none" anchor="ctr"/>
+          <a:lstStyle/>
+          <a:p>
+            <a:endParaRPr lang="en-US"/>
+          </a:p>
+        </p:txBody>
+      </p:sp>
+    </p:spTree>
+  </p:cSld>
+  <p:clrMapOvr>
+    <a:masterClrMapping/>
+  </p:clrMapOvr>
+</p:notes>
+</file>
+
+<file path=ppt/notesSlides/notesSlide4.xml><?xml version="1.0" encoding="utf-8"?>
+<p:notes xmlns:a="http://schemas.openxmlformats.org/drawingml/2006/main" xmlns:r="http://schemas.openxmlformats.org/officeDocument/2006/relationships" xmlns:p="http://schemas.openxmlformats.org/presentationml/2006/main">
+  <p:cSld>
+    <p:bg>
+      <p:bgPr>
+        <a:solidFill>
+          <a:srgbClr val="FFFFFF"/>
+        </a:solidFill>
+        <a:effectLst/>
+      </p:bgPr>
+    </p:bg>
+    <p:spTree>
+      <p:nvGrpSpPr>
+        <p:cNvPr id="1" name=""/>
+        <p:cNvGrpSpPr/>
+        <p:nvPr/>
+      </p:nvGrpSpPr>
+      <p:grpSpPr>
+        <a:xfrm>
+          <a:off x="0" y="0"/>
+          <a:ext cx="0" cy="0"/>
+          <a:chOff x="0" y="0"/>
+          <a:chExt cx="0" cy="0"/>
+        </a:xfrm>
+      </p:grpSpPr>
+      <p:sp>
+        <p:nvSpPr>
+          <p:cNvPr id="7" name="Rectangle 6"/>
+          <p:cNvSpPr>
+            <a:spLocks noGrp="1" noChangeArrowheads="1"/>
+          </p:cNvSpPr>
+          <p:nvPr>
+            <p:ph type="sldNum"/>
+          </p:nvPr>
+        </p:nvSpPr>
+        <p:spPr>
+          <a:ln/>
+        </p:spPr>
+        <p:txBody>
+          <a:bodyPr/>
+          <a:lstStyle/>
+          <a:p>
+            <a:fld id="{8F217465-728F-4626-A775-351C55DFB4C5}" type="slidenum">
+              <a:rPr lang="en-US"/>
+              <a:pPr/>
+              <a:t>7</a:t>
+            </a:fld>
+            <a:endParaRPr lang="en-US"/>
+          </a:p>
+        </p:txBody>
+      </p:sp>
+      <p:sp>
+        <p:nvSpPr>
+          <p:cNvPr id="8193" name="Rectangle 1"/>
+          <p:cNvSpPr txBox="1">
+            <a:spLocks noChangeArrowheads="1"/>
+          </p:cNvSpPr>
+          <p:nvPr>
+            <p:ph type="sldImg"/>
+          </p:nvPr>
+        </p:nvSpPr>
+        <p:spPr bwMode="auto">
+          <a:xfrm>
+            <a:off x="1210236" y="694171"/>
+            <a:ext cx="4437529" cy="3429000"/>
+          </a:xfrm>
+          <a:prstGeom prst="rect">
+            <a:avLst/>
+          </a:prstGeom>
+          <a:solidFill>
+            <a:srgbClr val="FFFFFF"/>
+          </a:solidFill>
+          <a:ln>
+            <a:solidFill>
+              <a:srgbClr val="000000"/>
+            </a:solidFill>
+            <a:miter lim="800000"/>
+            <a:headEnd/>
+            <a:tailEnd/>
+          </a:ln>
+        </p:spPr>
+      </p:sp>
+      <p:sp>
+        <p:nvSpPr>
+          <p:cNvPr id="8194" name="Rectangle 2"/>
+          <p:cNvSpPr txBox="1">
+            <a:spLocks noChangeArrowheads="1"/>
+          </p:cNvSpPr>
+          <p:nvPr>
+            <p:ph type="body" idx="1"/>
+          </p:nvPr>
+        </p:nvSpPr>
+        <p:spPr bwMode="auto">
+          <a:xfrm>
+            <a:off x="686360" y="4342535"/>
+            <a:ext cx="5486681" cy="4114511"/>
+          </a:xfrm>
+          <a:prstGeom prst="rect">
+            <a:avLst/>
+          </a:prstGeom>
+          <a:noFill/>
+          <a:ln>
+            <a:round/>
+            <a:headEnd/>
+            <a:tailEnd/>
+          </a:ln>
+        </p:spPr>
+        <p:txBody>
+          <a:bodyPr wrap="none" anchor="ctr"/>
+          <a:lstStyle/>
+          <a:p>
+            <a:endParaRPr lang="en-US"/>
+          </a:p>
+        </p:txBody>
+      </p:sp>
+    </p:spTree>
+  </p:cSld>
+  <p:clrMapOvr>
+    <a:masterClrMapping/>
+  </p:clrMapOvr>
+</p:notes>
+</file>
+
+<file path=ppt/notesSlides/notesSlide5.xml><?xml version="1.0" encoding="utf-8"?>
+<p:notes xmlns:a="http://schemas.openxmlformats.org/drawingml/2006/main" xmlns:r="http://schemas.openxmlformats.org/officeDocument/2006/relationships" xmlns:p="http://schemas.openxmlformats.org/presentationml/2006/main">
+  <p:cSld>
     <p:spTree>
       <p:nvGrpSpPr>
         <p:cNvPr id="1" name=""/>
@@ -36370,7 +41031,7 @@
             <a:fld id="{CB7D4244-23A8-4EAC-AE97-3623EC42045E}" type="slidenum">
               <a:rPr lang="en-US" smtClean="0"/>
               <a:pPr/>
-              <a:t>8</a:t>
+              <a:t>10</a:t>
             </a:fld>
             <a:endParaRPr lang="en-US"/>
           </a:p>
@@ -36384,7 +41045,7 @@
 </p:notes>
 </file>
 
-<file path=ppt/notesSlides/notesSlide4.xml><?xml version="1.0" encoding="utf-8"?>
+<file path=ppt/notesSlides/notesSlide6.xml><?xml version="1.0" encoding="utf-8"?>
 <p:notes xmlns:a="http://schemas.openxmlformats.org/drawingml/2006/main" xmlns:r="http://schemas.openxmlformats.org/officeDocument/2006/relationships" xmlns:p="http://schemas.openxmlformats.org/presentationml/2006/main">
   <p:cSld>
     <p:spTree>
@@ -36468,254 +41129,8 @@
             <a:fld id="{CB7D4244-23A8-4EAC-AE97-3623EC42045E}" type="slidenum">
               <a:rPr lang="en-US" smtClean="0"/>
               <a:pPr/>
-              <a:t>9</a:t>
-            </a:fld>
-            <a:endParaRPr lang="en-US"/>
-          </a:p>
-        </p:txBody>
-      </p:sp>
-    </p:spTree>
-  </p:cSld>
-  <p:clrMapOvr>
-    <a:masterClrMapping/>
-  </p:clrMapOvr>
-</p:notes>
-</file>
-
-<file path=ppt/notesSlides/notesSlide5.xml><?xml version="1.0" encoding="utf-8"?>
-<p:notes xmlns:a="http://schemas.openxmlformats.org/drawingml/2006/main" xmlns:r="http://schemas.openxmlformats.org/officeDocument/2006/relationships" xmlns:p="http://schemas.openxmlformats.org/presentationml/2006/main">
-  <p:cSld>
-    <p:bg>
-      <p:bgPr>
-        <a:solidFill>
-          <a:srgbClr val="FFFFFF"/>
-        </a:solidFill>
-        <a:effectLst/>
-      </p:bgPr>
-    </p:bg>
-    <p:spTree>
-      <p:nvGrpSpPr>
-        <p:cNvPr id="1" name=""/>
-        <p:cNvGrpSpPr/>
-        <p:nvPr/>
-      </p:nvGrpSpPr>
-      <p:grpSpPr>
-        <a:xfrm>
-          <a:off x="0" y="0"/>
-          <a:ext cx="0" cy="0"/>
-          <a:chOff x="0" y="0"/>
-          <a:chExt cx="0" cy="0"/>
-        </a:xfrm>
-      </p:grpSpPr>
-      <p:sp>
-        <p:nvSpPr>
-          <p:cNvPr id="7" name="Rectangle 6"/>
-          <p:cNvSpPr>
-            <a:spLocks noGrp="1" noChangeArrowheads="1"/>
-          </p:cNvSpPr>
-          <p:nvPr>
-            <p:ph type="sldNum"/>
-          </p:nvPr>
-        </p:nvSpPr>
-        <p:spPr>
-          <a:ln/>
-        </p:spPr>
-        <p:txBody>
-          <a:bodyPr/>
-          <a:lstStyle/>
-          <a:p>
-            <a:fld id="{5424D3AD-BB66-4F5C-B866-4C2123CD4EDA}" type="slidenum">
-              <a:rPr lang="en-US"/>
-              <a:pPr/>
               <a:t>11</a:t>
             </a:fld>
-            <a:endParaRPr lang="en-US"/>
-          </a:p>
-        </p:txBody>
-      </p:sp>
-      <p:sp>
-        <p:nvSpPr>
-          <p:cNvPr id="22529" name="Rectangle 1"/>
-          <p:cNvSpPr txBox="1">
-            <a:spLocks noGrp="1" noRot="1" noChangeAspect="1" noChangeArrowheads="1"/>
-          </p:cNvSpPr>
-          <p:nvPr>
-            <p:ph type="sldImg"/>
-          </p:nvPr>
-        </p:nvSpPr>
-        <p:spPr bwMode="auto">
-          <a:xfrm>
-            <a:off x="1143000" y="693738"/>
-            <a:ext cx="4572000" cy="3429000"/>
-          </a:xfrm>
-          <a:prstGeom prst="rect">
-            <a:avLst/>
-          </a:prstGeom>
-          <a:solidFill>
-            <a:srgbClr val="FFFFFF"/>
-          </a:solidFill>
-          <a:ln>
-            <a:solidFill>
-              <a:srgbClr val="000000"/>
-            </a:solidFill>
-            <a:miter lim="800000"/>
-            <a:headEnd/>
-            <a:tailEnd/>
-          </a:ln>
-        </p:spPr>
-      </p:sp>
-      <p:sp>
-        <p:nvSpPr>
-          <p:cNvPr id="22530" name="Rectangle 2"/>
-          <p:cNvSpPr txBox="1">
-            <a:spLocks noGrp="1" noChangeArrowheads="1"/>
-          </p:cNvSpPr>
-          <p:nvPr>
-            <p:ph type="body" idx="1"/>
-          </p:nvPr>
-        </p:nvSpPr>
-        <p:spPr bwMode="auto">
-          <a:xfrm>
-            <a:off x="686360" y="4342535"/>
-            <a:ext cx="5486681" cy="4114511"/>
-          </a:xfrm>
-          <a:prstGeom prst="rect">
-            <a:avLst/>
-          </a:prstGeom>
-          <a:noFill/>
-          <a:ln>
-            <a:round/>
-            <a:headEnd/>
-            <a:tailEnd/>
-          </a:ln>
-        </p:spPr>
-        <p:txBody>
-          <a:bodyPr wrap="none" anchor="ctr"/>
-          <a:lstStyle/>
-          <a:p>
-            <a:endParaRPr lang="en-US"/>
-          </a:p>
-        </p:txBody>
-      </p:sp>
-    </p:spTree>
-  </p:cSld>
-  <p:clrMapOvr>
-    <a:masterClrMapping/>
-  </p:clrMapOvr>
-</p:notes>
-</file>
-
-<file path=ppt/notesSlides/notesSlide6.xml><?xml version="1.0" encoding="utf-8"?>
-<p:notes xmlns:a="http://schemas.openxmlformats.org/drawingml/2006/main" xmlns:r="http://schemas.openxmlformats.org/officeDocument/2006/relationships" xmlns:p="http://schemas.openxmlformats.org/presentationml/2006/main">
-  <p:cSld>
-    <p:bg>
-      <p:bgPr>
-        <a:solidFill>
-          <a:srgbClr val="FFFFFF"/>
-        </a:solidFill>
-        <a:effectLst/>
-      </p:bgPr>
-    </p:bg>
-    <p:spTree>
-      <p:nvGrpSpPr>
-        <p:cNvPr id="1" name=""/>
-        <p:cNvGrpSpPr/>
-        <p:nvPr/>
-      </p:nvGrpSpPr>
-      <p:grpSpPr>
-        <a:xfrm>
-          <a:off x="0" y="0"/>
-          <a:ext cx="0" cy="0"/>
-          <a:chOff x="0" y="0"/>
-          <a:chExt cx="0" cy="0"/>
-        </a:xfrm>
-      </p:grpSpPr>
-      <p:sp>
-        <p:nvSpPr>
-          <p:cNvPr id="7" name="Rectangle 6"/>
-          <p:cNvSpPr>
-            <a:spLocks noGrp="1" noChangeArrowheads="1"/>
-          </p:cNvSpPr>
-          <p:nvPr>
-            <p:ph type="sldNum"/>
-          </p:nvPr>
-        </p:nvSpPr>
-        <p:spPr>
-          <a:ln/>
-        </p:spPr>
-        <p:txBody>
-          <a:bodyPr/>
-          <a:lstStyle/>
-          <a:p>
-            <a:fld id="{84F354D4-1058-47E6-822B-B270E01C7F3F}" type="slidenum">
-              <a:rPr lang="en-US"/>
-              <a:pPr/>
-              <a:t>14</a:t>
-            </a:fld>
-            <a:endParaRPr lang="en-US"/>
-          </a:p>
-        </p:txBody>
-      </p:sp>
-      <p:sp>
-        <p:nvSpPr>
-          <p:cNvPr id="19457" name="Rectangle 1"/>
-          <p:cNvSpPr txBox="1">
-            <a:spLocks noGrp="1" noRot="1" noChangeAspect="1" noChangeArrowheads="1"/>
-          </p:cNvSpPr>
-          <p:nvPr>
-            <p:ph type="sldImg"/>
-          </p:nvPr>
-        </p:nvSpPr>
-        <p:spPr bwMode="auto">
-          <a:xfrm>
-            <a:off x="1143000" y="693738"/>
-            <a:ext cx="4572000" cy="3429000"/>
-          </a:xfrm>
-          <a:prstGeom prst="rect">
-            <a:avLst/>
-          </a:prstGeom>
-          <a:solidFill>
-            <a:srgbClr val="FFFFFF"/>
-          </a:solidFill>
-          <a:ln>
-            <a:solidFill>
-              <a:srgbClr val="000000"/>
-            </a:solidFill>
-            <a:miter lim="800000"/>
-            <a:headEnd/>
-            <a:tailEnd/>
-          </a:ln>
-        </p:spPr>
-      </p:sp>
-      <p:sp>
-        <p:nvSpPr>
-          <p:cNvPr id="19458" name="Rectangle 2"/>
-          <p:cNvSpPr txBox="1">
-            <a:spLocks noGrp="1" noChangeArrowheads="1"/>
-          </p:cNvSpPr>
-          <p:nvPr>
-            <p:ph type="body" idx="1"/>
-          </p:nvPr>
-        </p:nvSpPr>
-        <p:spPr bwMode="auto">
-          <a:xfrm>
-            <a:off x="686360" y="4342535"/>
-            <a:ext cx="5486681" cy="4114511"/>
-          </a:xfrm>
-          <a:prstGeom prst="rect">
-            <a:avLst/>
-          </a:prstGeom>
-          <a:noFill/>
-          <a:ln>
-            <a:round/>
-            <a:headEnd/>
-            <a:tailEnd/>
-          </a:ln>
-        </p:spPr>
-        <p:txBody>
-          <a:bodyPr wrap="none" anchor="ctr"/>
-          <a:lstStyle/>
-          <a:p>
             <a:endParaRPr lang="en-US"/>
           </a:p>
         </p:txBody>
@@ -36770,10 +41185,10 @@
           <a:bodyPr/>
           <a:lstStyle/>
           <a:p>
-            <a:fld id="{F64DA0EC-78EA-4A65-B306-5B730F9A8279}" type="slidenum">
+            <a:fld id="{5424D3AD-BB66-4F5C-B866-4C2123CD4EDA}" type="slidenum">
               <a:rPr lang="en-US"/>
               <a:pPr/>
-              <a:t>15</a:t>
+              <a:t>13</a:t>
             </a:fld>
             <a:endParaRPr lang="en-US"/>
           </a:p>
@@ -36781,7 +41196,7 @@
       </p:sp>
       <p:sp>
         <p:nvSpPr>
-          <p:cNvPr id="17409" name="Rectangle 1"/>
+          <p:cNvPr id="22529" name="Rectangle 1"/>
           <p:cNvSpPr txBox="1">
             <a:spLocks noGrp="1" noRot="1" noChangeAspect="1" noChangeArrowheads="1"/>
           </p:cNvSpPr>
@@ -36812,7 +41227,7 @@
       </p:sp>
       <p:sp>
         <p:nvSpPr>
-          <p:cNvPr id="17410" name="Rectangle 2"/>
+          <p:cNvPr id="22530" name="Rectangle 2"/>
           <p:cNvSpPr txBox="1">
             <a:spLocks noGrp="1" noChangeArrowheads="1"/>
           </p:cNvSpPr>
@@ -36893,7 +41308,7 @@
           <a:bodyPr/>
           <a:lstStyle/>
           <a:p>
-            <a:fld id="{7BA0123D-32C7-4DB6-AFF6-A12E45A91046}" type="slidenum">
+            <a:fld id="{84F354D4-1058-47E6-822B-B270E01C7F3F}" type="slidenum">
               <a:rPr lang="en-US"/>
               <a:pPr/>
               <a:t>16</a:t>
@@ -36904,7 +41319,7 @@
       </p:sp>
       <p:sp>
         <p:nvSpPr>
-          <p:cNvPr id="21505" name="Rectangle 1"/>
+          <p:cNvPr id="19457" name="Rectangle 1"/>
           <p:cNvSpPr txBox="1">
             <a:spLocks noGrp="1" noRot="1" noChangeAspect="1" noChangeArrowheads="1"/>
           </p:cNvSpPr>
@@ -36935,7 +41350,7 @@
       </p:sp>
       <p:sp>
         <p:nvSpPr>
-          <p:cNvPr id="21506" name="Rectangle 2"/>
+          <p:cNvPr id="19458" name="Rectangle 2"/>
           <p:cNvSpPr txBox="1">
             <a:spLocks noGrp="1" noChangeArrowheads="1"/>
           </p:cNvSpPr>
@@ -37016,7 +41431,7 @@
           <a:bodyPr/>
           <a:lstStyle/>
           <a:p>
-            <a:fld id="{3D2CEAEB-6047-4239-B975-3CEF6456D6C3}" type="slidenum">
+            <a:fld id="{F64DA0EC-78EA-4A65-B306-5B730F9A8279}" type="slidenum">
               <a:rPr lang="en-US"/>
               <a:pPr/>
               <a:t>17</a:t>
@@ -37027,7 +41442,7 @@
       </p:sp>
       <p:sp>
         <p:nvSpPr>
-          <p:cNvPr id="20481" name="Rectangle 1"/>
+          <p:cNvPr id="17409" name="Rectangle 1"/>
           <p:cNvSpPr txBox="1">
             <a:spLocks noGrp="1" noRot="1" noChangeAspect="1" noChangeArrowheads="1"/>
           </p:cNvSpPr>
@@ -37058,7 +41473,7 @@
       </p:sp>
       <p:sp>
         <p:nvSpPr>
-          <p:cNvPr id="20482" name="Rectangle 2"/>
+          <p:cNvPr id="17410" name="Rectangle 2"/>
           <p:cNvSpPr txBox="1">
             <a:spLocks noGrp="1" noChangeArrowheads="1"/>
           </p:cNvSpPr>
@@ -40082,6 +44497,235 @@
           <a:chExt cx="0" cy="0"/>
         </a:xfrm>
       </p:grpSpPr>
+      <p:sp>
+        <p:nvSpPr>
+          <p:cNvPr id="2" name="Title 1"/>
+          <p:cNvSpPr>
+            <a:spLocks noGrp="1"/>
+          </p:cNvSpPr>
+          <p:nvPr>
+            <p:ph type="title"/>
+          </p:nvPr>
+        </p:nvSpPr>
+        <p:spPr>
+          <a:xfrm>
+            <a:off x="381000" y="-152400"/>
+            <a:ext cx="8229600" cy="1143000"/>
+          </a:xfrm>
+        </p:spPr>
+        <p:txBody>
+          <a:bodyPr/>
+          <a:lstStyle/>
+          <a:p>
+            <a:r>
+              <a:rPr lang="en-US" dirty="0" smtClean="0"/>
+              <a:t>Risk List &amp; Mitigation Strategy</a:t>
+            </a:r>
+            <a:endParaRPr lang="en-US" dirty="0"/>
+          </a:p>
+        </p:txBody>
+      </p:sp>
+      <p:graphicFrame>
+        <p:nvGraphicFramePr>
+          <p:cNvPr id="5" name="Content Placeholder 4"/>
+          <p:cNvGraphicFramePr>
+            <a:graphicFrameLocks noGrp="1"/>
+          </p:cNvGraphicFramePr>
+          <p:nvPr>
+            <p:ph idx="1"/>
+          </p:nvPr>
+        </p:nvGraphicFramePr>
+        <p:xfrm>
+          <a:off x="457200" y="1066800"/>
+          <a:ext cx="8229600" cy="5334000"/>
+        </p:xfrm>
+        <a:graphic>
+          <a:graphicData uri="http://schemas.openxmlformats.org/drawingml/2006/diagram">
+            <dgm:relIds xmlns:dgm="http://schemas.openxmlformats.org/drawingml/2006/diagram" xmlns:r="http://schemas.openxmlformats.org/officeDocument/2006/relationships" r:dm="rId3" r:lo="rId4" r:qs="rId5" r:cs="rId6"/>
+          </a:graphicData>
+        </a:graphic>
+      </p:graphicFrame>
+    </p:spTree>
+  </p:cSld>
+  <p:clrMapOvr>
+    <a:masterClrMapping/>
+  </p:clrMapOvr>
+  <p:transition>
+    <p:fade thruBlk="1"/>
+  </p:transition>
+  <p:timing>
+    <p:tnLst>
+      <p:par>
+        <p:cTn id="1" dur="indefinite" restart="never" nodeType="tmRoot"/>
+      </p:par>
+    </p:tnLst>
+  </p:timing>
+</p:sld>
+</file>
+
+<file path=ppt/slides/slide11.xml><?xml version="1.0" encoding="utf-8"?>
+<p:sld xmlns:a="http://schemas.openxmlformats.org/drawingml/2006/main" xmlns:r="http://schemas.openxmlformats.org/officeDocument/2006/relationships" xmlns:p="http://schemas.openxmlformats.org/presentationml/2006/main">
+  <p:cSld>
+    <p:spTree>
+      <p:nvGrpSpPr>
+        <p:cNvPr id="1" name=""/>
+        <p:cNvGrpSpPr/>
+        <p:nvPr/>
+      </p:nvGrpSpPr>
+      <p:grpSpPr>
+        <a:xfrm>
+          <a:off x="0" y="0"/>
+          <a:ext cx="0" cy="0"/>
+          <a:chOff x="0" y="0"/>
+          <a:chExt cx="0" cy="0"/>
+        </a:xfrm>
+      </p:grpSpPr>
+      <p:graphicFrame>
+        <p:nvGraphicFramePr>
+          <p:cNvPr id="4" name="Content Placeholder 3"/>
+          <p:cNvGraphicFramePr>
+            <a:graphicFrameLocks noGrp="1"/>
+          </p:cNvGraphicFramePr>
+          <p:nvPr>
+            <p:ph idx="1"/>
+          </p:nvPr>
+        </p:nvGraphicFramePr>
+        <p:xfrm>
+          <a:off x="304800" y="533400"/>
+          <a:ext cx="8686800" cy="6324600"/>
+        </p:xfrm>
+        <a:graphic>
+          <a:graphicData uri="http://schemas.openxmlformats.org/drawingml/2006/diagram">
+            <dgm:relIds xmlns:dgm="http://schemas.openxmlformats.org/drawingml/2006/diagram" xmlns:r="http://schemas.openxmlformats.org/officeDocument/2006/relationships" r:dm="rId3" r:lo="rId4" r:qs="rId5" r:cs="rId6"/>
+          </a:graphicData>
+        </a:graphic>
+      </p:graphicFrame>
+      <p:sp>
+        <p:nvSpPr>
+          <p:cNvPr id="6" name="Title 1"/>
+          <p:cNvSpPr txBox="1">
+            <a:spLocks/>
+          </p:cNvSpPr>
+          <p:nvPr/>
+        </p:nvSpPr>
+        <p:spPr>
+          <a:xfrm>
+            <a:off x="381000" y="-152400"/>
+            <a:ext cx="8229600" cy="1143000"/>
+          </a:xfrm>
+          <a:prstGeom prst="rect">
+            <a:avLst/>
+          </a:prstGeom>
+        </p:spPr>
+        <p:txBody>
+          <a:bodyPr vert="horz" lIns="91440" tIns="45720" rIns="91440" bIns="45720" rtlCol="0" anchor="ctr">
+            <a:normAutofit/>
+          </a:bodyPr>
+          <a:lstStyle/>
+          <a:p>
+            <a:pPr marL="0" marR="0" lvl="0" indent="0" algn="ctr" defTabSz="914400" rtl="0" eaLnBrk="1" fontAlgn="auto" latinLnBrk="0" hangingPunct="1">
+              <a:lnSpc>
+                <a:spcPct val="100000"/>
+              </a:lnSpc>
+              <a:spcBef>
+                <a:spcPct val="0"/>
+              </a:spcBef>
+              <a:spcAft>
+                <a:spcPts val="0"/>
+              </a:spcAft>
+              <a:buClrTx/>
+              <a:buSzTx/>
+              <a:buFontTx/>
+              <a:buNone/>
+              <a:tabLst/>
+              <a:defRPr/>
+            </a:pPr>
+            <a:r>
+              <a:rPr kumimoji="0" lang="en-US" sz="4400" b="0" i="0" u="none" strike="noStrike" kern="1200" cap="none" spc="0" normalizeH="0" baseline="0" noProof="0" dirty="0" smtClean="0">
+                <a:ln>
+                  <a:noFill/>
+                </a:ln>
+                <a:solidFill>
+                  <a:schemeClr val="tx1"/>
+                </a:solidFill>
+                <a:effectLst/>
+                <a:uLnTx/>
+                <a:uFillTx/>
+                <a:latin typeface="+mj-lt"/>
+                <a:ea typeface="+mj-ea"/>
+                <a:cs typeface="+mj-cs"/>
+              </a:rPr>
+              <a:t>Risk List &amp;</a:t>
+            </a:r>
+            <a:r>
+              <a:rPr kumimoji="0" lang="en-US" sz="4400" b="0" i="0" u="none" strike="noStrike" kern="1200" cap="none" spc="0" normalizeH="0" noProof="0" dirty="0" smtClean="0">
+                <a:ln>
+                  <a:noFill/>
+                </a:ln>
+                <a:solidFill>
+                  <a:schemeClr val="tx1"/>
+                </a:solidFill>
+                <a:effectLst/>
+                <a:uLnTx/>
+                <a:uFillTx/>
+                <a:latin typeface="+mj-lt"/>
+                <a:ea typeface="+mj-ea"/>
+                <a:cs typeface="+mj-cs"/>
+              </a:rPr>
+              <a:t> Mitigation Strategy</a:t>
+            </a:r>
+            <a:endParaRPr kumimoji="0" lang="en-US" sz="4400" b="0" i="0" u="none" strike="noStrike" kern="1200" cap="none" spc="0" normalizeH="0" baseline="0" noProof="0" dirty="0">
+              <a:ln>
+                <a:noFill/>
+              </a:ln>
+              <a:solidFill>
+                <a:schemeClr val="tx1"/>
+              </a:solidFill>
+              <a:effectLst/>
+              <a:uLnTx/>
+              <a:uFillTx/>
+              <a:latin typeface="+mj-lt"/>
+              <a:ea typeface="+mj-ea"/>
+              <a:cs typeface="+mj-cs"/>
+            </a:endParaRPr>
+          </a:p>
+        </p:txBody>
+      </p:sp>
+    </p:spTree>
+  </p:cSld>
+  <p:clrMapOvr>
+    <a:masterClrMapping/>
+  </p:clrMapOvr>
+  <p:transition>
+    <p:fade thruBlk="1"/>
+  </p:transition>
+  <p:timing>
+    <p:tnLst>
+      <p:par>
+        <p:cTn id="1" dur="indefinite" restart="never" nodeType="tmRoot"/>
+      </p:par>
+    </p:tnLst>
+  </p:timing>
+</p:sld>
+</file>
+
+<file path=ppt/slides/slide12.xml><?xml version="1.0" encoding="utf-8"?>
+<p:sld xmlns:a="http://schemas.openxmlformats.org/drawingml/2006/main" xmlns:r="http://schemas.openxmlformats.org/officeDocument/2006/relationships" xmlns:p="http://schemas.openxmlformats.org/presentationml/2006/main">
+  <p:cSld>
+    <p:spTree>
+      <p:nvGrpSpPr>
+        <p:cNvPr id="1" name=""/>
+        <p:cNvGrpSpPr/>
+        <p:nvPr/>
+      </p:nvGrpSpPr>
+      <p:grpSpPr>
+        <a:xfrm>
+          <a:off x="0" y="0"/>
+          <a:ext cx="0" cy="0"/>
+          <a:chOff x="0" y="0"/>
+          <a:chExt cx="0" cy="0"/>
+        </a:xfrm>
+      </p:grpSpPr>
       <p:pic>
         <p:nvPicPr>
           <p:cNvPr id="2053" name="Picture 5"/>
@@ -40188,7 +44832,7 @@
 </p:sld>
 </file>
 
-<file path=ppt/slides/slide11.xml><?xml version="1.0" encoding="utf-8"?>
+<file path=ppt/slides/slide13.xml><?xml version="1.0" encoding="utf-8"?>
 <p:sld xmlns:a="http://schemas.openxmlformats.org/drawingml/2006/main" xmlns:r="http://schemas.openxmlformats.org/officeDocument/2006/relationships" xmlns:p="http://schemas.openxmlformats.org/presentationml/2006/main">
   <p:cSld>
     <p:spTree>
@@ -40322,7 +44966,7 @@
 </p:sld>
 </file>
 
-<file path=ppt/slides/slide12.xml><?xml version="1.0" encoding="utf-8"?>
+<file path=ppt/slides/slide14.xml><?xml version="1.0" encoding="utf-8"?>
 <p:sld xmlns:a="http://schemas.openxmlformats.org/drawingml/2006/main" xmlns:r="http://schemas.openxmlformats.org/officeDocument/2006/relationships" xmlns:p="http://schemas.openxmlformats.org/presentationml/2006/main">
   <p:cSld>
     <p:spTree>
@@ -40432,7 +45076,7 @@
 </p:sld>
 </file>
 
-<file path=ppt/slides/slide13.xml><?xml version="1.0" encoding="utf-8"?>
+<file path=ppt/slides/slide15.xml><?xml version="1.0" encoding="utf-8"?>
 <p:sld xmlns:a="http://schemas.openxmlformats.org/drawingml/2006/main" xmlns:r="http://schemas.openxmlformats.org/officeDocument/2006/relationships" xmlns:p="http://schemas.openxmlformats.org/presentationml/2006/main">
   <p:cSld>
     <p:spTree>
@@ -40542,7 +45186,7 @@
 </p:sld>
 </file>
 
-<file path=ppt/slides/slide14.xml><?xml version="1.0" encoding="utf-8"?>
+<file path=ppt/slides/slide16.xml><?xml version="1.0" encoding="utf-8"?>
 <p:sld xmlns:a="http://schemas.openxmlformats.org/drawingml/2006/main" xmlns:r="http://schemas.openxmlformats.org/officeDocument/2006/relationships" xmlns:p="http://schemas.openxmlformats.org/presentationml/2006/main">
   <p:cSld>
     <p:spTree>
@@ -40659,7 +45303,7 @@
 </p:sld>
 </file>
 
-<file path=ppt/slides/slide15.xml><?xml version="1.0" encoding="utf-8"?>
+<file path=ppt/slides/slide17.xml><?xml version="1.0" encoding="utf-8"?>
 <p:sld xmlns:a="http://schemas.openxmlformats.org/drawingml/2006/main" xmlns:r="http://schemas.openxmlformats.org/officeDocument/2006/relationships" xmlns:p="http://schemas.openxmlformats.org/presentationml/2006/main">
   <p:cSld>
     <p:spTree>
@@ -40858,7 +45502,7 @@
 </p:sld>
 </file>
 
-<file path=ppt/slides/slide16.xml><?xml version="1.0" encoding="utf-8"?>
+<file path=ppt/slides/slide18.xml><?xml version="1.0" encoding="utf-8"?>
 <p:sld xmlns:a="http://schemas.openxmlformats.org/drawingml/2006/main" xmlns:r="http://schemas.openxmlformats.org/officeDocument/2006/relationships" xmlns:p="http://schemas.openxmlformats.org/presentationml/2006/main">
   <p:cSld>
     <p:spTree>
@@ -41020,7 +45664,7 @@
 </p:sld>
 </file>
 
-<file path=ppt/slides/slide17.xml><?xml version="1.0" encoding="utf-8"?>
+<file path=ppt/slides/slide19.xml><?xml version="1.0" encoding="utf-8"?>
 <p:sld xmlns:a="http://schemas.openxmlformats.org/drawingml/2006/main" xmlns:r="http://schemas.openxmlformats.org/officeDocument/2006/relationships" xmlns:p="http://schemas.openxmlformats.org/presentationml/2006/main">
   <p:cSld>
     <p:spTree>
@@ -41182,108 +45826,6 @@
 </p:sld>
 </file>
 
-<file path=ppt/slides/slide18.xml><?xml version="1.0" encoding="utf-8"?>
-<p:sld xmlns:a="http://schemas.openxmlformats.org/drawingml/2006/main" xmlns:r="http://schemas.openxmlformats.org/officeDocument/2006/relationships" xmlns:p="http://schemas.openxmlformats.org/presentationml/2006/main">
-  <p:cSld>
-    <p:spTree>
-      <p:nvGrpSpPr>
-        <p:cNvPr id="1" name=""/>
-        <p:cNvGrpSpPr/>
-        <p:nvPr/>
-      </p:nvGrpSpPr>
-      <p:grpSpPr>
-        <a:xfrm>
-          <a:off x="0" y="0"/>
-          <a:ext cx="0" cy="0"/>
-          <a:chOff x="0" y="0"/>
-          <a:chExt cx="0" cy="0"/>
-        </a:xfrm>
-      </p:grpSpPr>
-      <p:sp>
-        <p:nvSpPr>
-          <p:cNvPr id="2" name="Title 1"/>
-          <p:cNvSpPr>
-            <a:spLocks noGrp="1"/>
-          </p:cNvSpPr>
-          <p:nvPr>
-            <p:ph type="title"/>
-          </p:nvPr>
-        </p:nvSpPr>
-        <p:spPr/>
-        <p:txBody>
-          <a:bodyPr/>
-          <a:lstStyle/>
-          <a:p>
-            <a:r>
-              <a:rPr lang="en-US" dirty="0" smtClean="0"/>
-              <a:t>Estimated Project Schedule</a:t>
-            </a:r>
-            <a:endParaRPr lang="en-US" dirty="0"/>
-          </a:p>
-        </p:txBody>
-      </p:sp>
-      <p:graphicFrame>
-        <p:nvGraphicFramePr>
-          <p:cNvPr id="5" name="Content Placeholder 4"/>
-          <p:cNvGraphicFramePr>
-            <a:graphicFrameLocks noGrp="1"/>
-          </p:cNvGraphicFramePr>
-          <p:nvPr>
-            <p:ph idx="1"/>
-          </p:nvPr>
-        </p:nvGraphicFramePr>
-        <p:xfrm>
-          <a:off x="457200" y="1600200"/>
-          <a:ext cx="8229600" cy="4525963"/>
-        </p:xfrm>
-        <a:graphic>
-          <a:graphicData uri="http://schemas.openxmlformats.org/drawingml/2006/diagram">
-            <dgm:relIds xmlns:dgm="http://schemas.openxmlformats.org/drawingml/2006/diagram" xmlns:r="http://schemas.openxmlformats.org/officeDocument/2006/relationships" r:dm="rId2" r:lo="rId3" r:qs="rId4" r:cs="rId5"/>
-          </a:graphicData>
-        </a:graphic>
-      </p:graphicFrame>
-      <p:sp>
-        <p:nvSpPr>
-          <p:cNvPr id="4" name="Slide Number Placeholder 3"/>
-          <p:cNvSpPr>
-            <a:spLocks noGrp="1"/>
-          </p:cNvSpPr>
-          <p:nvPr>
-            <p:ph type="sldNum" sz="quarter" idx="12"/>
-          </p:nvPr>
-        </p:nvSpPr>
-        <p:spPr/>
-        <p:txBody>
-          <a:bodyPr/>
-          <a:lstStyle/>
-          <a:p>
-            <a:fld id="{B6F15528-21DE-4FAA-801E-634DDDAF4B2B}" type="slidenum">
-              <a:rPr lang="en-US" smtClean="0"/>
-              <a:pPr/>
-              <a:t>18</a:t>
-            </a:fld>
-            <a:endParaRPr lang="en-US"/>
-          </a:p>
-        </p:txBody>
-      </p:sp>
-    </p:spTree>
-  </p:cSld>
-  <p:clrMapOvr>
-    <a:masterClrMapping/>
-  </p:clrMapOvr>
-  <p:transition>
-    <p:fade thruBlk="1"/>
-  </p:transition>
-  <p:timing>
-    <p:tnLst>
-      <p:par>
-        <p:cTn id="1" dur="indefinite" restart="never" nodeType="tmRoot"/>
-      </p:par>
-    </p:tnLst>
-  </p:timing>
-</p:sld>
-</file>
-
 <file path=ppt/slides/slide2.xml><?xml version="1.0" encoding="utf-8"?>
 <p:sld xmlns:a="http://schemas.openxmlformats.org/drawingml/2006/main" xmlns:r="http://schemas.openxmlformats.org/officeDocument/2006/relationships" xmlns:p="http://schemas.openxmlformats.org/presentationml/2006/main">
   <p:cSld>
@@ -41393,6 +45935,108 @@
             </p:seq>
           </p:childTnLst>
         </p:cTn>
+      </p:par>
+    </p:tnLst>
+  </p:timing>
+</p:sld>
+</file>
+
+<file path=ppt/slides/slide20.xml><?xml version="1.0" encoding="utf-8"?>
+<p:sld xmlns:a="http://schemas.openxmlformats.org/drawingml/2006/main" xmlns:r="http://schemas.openxmlformats.org/officeDocument/2006/relationships" xmlns:p="http://schemas.openxmlformats.org/presentationml/2006/main">
+  <p:cSld>
+    <p:spTree>
+      <p:nvGrpSpPr>
+        <p:cNvPr id="1" name=""/>
+        <p:cNvGrpSpPr/>
+        <p:nvPr/>
+      </p:nvGrpSpPr>
+      <p:grpSpPr>
+        <a:xfrm>
+          <a:off x="0" y="0"/>
+          <a:ext cx="0" cy="0"/>
+          <a:chOff x="0" y="0"/>
+          <a:chExt cx="0" cy="0"/>
+        </a:xfrm>
+      </p:grpSpPr>
+      <p:sp>
+        <p:nvSpPr>
+          <p:cNvPr id="2" name="Title 1"/>
+          <p:cNvSpPr>
+            <a:spLocks noGrp="1"/>
+          </p:cNvSpPr>
+          <p:nvPr>
+            <p:ph type="title"/>
+          </p:nvPr>
+        </p:nvSpPr>
+        <p:spPr/>
+        <p:txBody>
+          <a:bodyPr/>
+          <a:lstStyle/>
+          <a:p>
+            <a:r>
+              <a:rPr lang="en-US" dirty="0" smtClean="0"/>
+              <a:t>Estimated Project Schedule</a:t>
+            </a:r>
+            <a:endParaRPr lang="en-US" dirty="0"/>
+          </a:p>
+        </p:txBody>
+      </p:sp>
+      <p:graphicFrame>
+        <p:nvGraphicFramePr>
+          <p:cNvPr id="5" name="Content Placeholder 4"/>
+          <p:cNvGraphicFramePr>
+            <a:graphicFrameLocks noGrp="1"/>
+          </p:cNvGraphicFramePr>
+          <p:nvPr>
+            <p:ph idx="1"/>
+          </p:nvPr>
+        </p:nvGraphicFramePr>
+        <p:xfrm>
+          <a:off x="457200" y="1600200"/>
+          <a:ext cx="8229600" cy="4525963"/>
+        </p:xfrm>
+        <a:graphic>
+          <a:graphicData uri="http://schemas.openxmlformats.org/drawingml/2006/diagram">
+            <dgm:relIds xmlns:dgm="http://schemas.openxmlformats.org/drawingml/2006/diagram" xmlns:r="http://schemas.openxmlformats.org/officeDocument/2006/relationships" r:dm="rId2" r:lo="rId3" r:qs="rId4" r:cs="rId5"/>
+          </a:graphicData>
+        </a:graphic>
+      </p:graphicFrame>
+      <p:sp>
+        <p:nvSpPr>
+          <p:cNvPr id="4" name="Slide Number Placeholder 3"/>
+          <p:cNvSpPr>
+            <a:spLocks noGrp="1"/>
+          </p:cNvSpPr>
+          <p:nvPr>
+            <p:ph type="sldNum" sz="quarter" idx="12"/>
+          </p:nvPr>
+        </p:nvSpPr>
+        <p:spPr/>
+        <p:txBody>
+          <a:bodyPr/>
+          <a:lstStyle/>
+          <a:p>
+            <a:fld id="{B6F15528-21DE-4FAA-801E-634DDDAF4B2B}" type="slidenum">
+              <a:rPr lang="en-US" smtClean="0"/>
+              <a:pPr/>
+              <a:t>20</a:t>
+            </a:fld>
+            <a:endParaRPr lang="en-US"/>
+          </a:p>
+        </p:txBody>
+      </p:sp>
+    </p:spTree>
+  </p:cSld>
+  <p:clrMapOvr>
+    <a:masterClrMapping/>
+  </p:clrMapOvr>
+  <p:transition>
+    <p:fade thruBlk="1"/>
+  </p:transition>
+  <p:timing>
+    <p:tnLst>
+      <p:par>
+        <p:cTn id="1" dur="indefinite" restart="never" nodeType="tmRoot"/>
       </p:par>
     </p:tnLst>
   </p:timing>
@@ -41865,6 +46509,361 @@
       </p:grpSpPr>
       <p:sp>
         <p:nvSpPr>
+          <p:cNvPr id="4097" name="Rectangle 1"/>
+          <p:cNvSpPr>
+            <a:spLocks noGrp="1" noChangeArrowheads="1"/>
+          </p:cNvSpPr>
+          <p:nvPr>
+            <p:ph type="title"/>
+          </p:nvPr>
+        </p:nvSpPr>
+        <p:spPr>
+          <a:xfrm>
+            <a:off x="456481" y="0"/>
+            <a:ext cx="8418240" cy="668230"/>
+          </a:xfrm>
+          <a:ln/>
+        </p:spPr>
+        <p:txBody>
+          <a:bodyPr tIns="35203">
+            <a:normAutofit fontScale="90000"/>
+          </a:bodyPr>
+          <a:lstStyle/>
+          <a:p>
+            <a:pPr>
+              <a:tabLst>
+                <a:tab pos="656650" algn="l"/>
+                <a:tab pos="1313299" algn="l"/>
+                <a:tab pos="1969949" algn="l"/>
+                <a:tab pos="2626599" algn="l"/>
+                <a:tab pos="3283248" algn="l"/>
+                <a:tab pos="3939898" algn="l"/>
+                <a:tab pos="4596548" algn="l"/>
+                <a:tab pos="5253198" algn="l"/>
+                <a:tab pos="5909847" algn="l"/>
+                <a:tab pos="6566497" algn="l"/>
+                <a:tab pos="7223147" algn="l"/>
+                <a:tab pos="7879796" algn="l"/>
+              </a:tabLst>
+            </a:pPr>
+            <a:r>
+              <a:rPr lang="en-US" dirty="0"/>
+              <a:t>Use Case </a:t>
+            </a:r>
+            <a:r>
+              <a:rPr lang="en-US" dirty="0" smtClean="0"/>
+              <a:t>Model: Load Scheduling</a:t>
+            </a:r>
+            <a:endParaRPr lang="en-US" dirty="0"/>
+          </a:p>
+        </p:txBody>
+      </p:sp>
+      <p:pic>
+        <p:nvPicPr>
+          <p:cNvPr id="4098" name="Picture 2"/>
+          <p:cNvPicPr>
+            <a:picLocks noChangeAspect="1" noChangeArrowheads="1"/>
+          </p:cNvPicPr>
+          <p:nvPr/>
+        </p:nvPicPr>
+        <p:blipFill>
+          <a:blip r:embed="rId3" cstate="print"/>
+          <a:srcRect/>
+          <a:stretch>
+            <a:fillRect/>
+          </a:stretch>
+        </p:blipFill>
+        <p:spPr bwMode="auto">
+          <a:xfrm>
+            <a:off x="0" y="498293"/>
+            <a:ext cx="9144000" cy="6304982"/>
+          </a:xfrm>
+          <a:prstGeom prst="rect">
+            <a:avLst/>
+          </a:prstGeom>
+          <a:noFill/>
+          <a:ln w="9525">
+            <a:noFill/>
+            <a:round/>
+            <a:headEnd/>
+            <a:tailEnd/>
+          </a:ln>
+          <a:effectLst/>
+        </p:spPr>
+      </p:pic>
+    </p:spTree>
+  </p:cSld>
+  <p:clrMapOvr>
+    <a:masterClrMapping/>
+  </p:clrMapOvr>
+  <p:transition spd="med"/>
+  <p:timing>
+    <p:tnLst>
+      <p:par>
+        <p:cTn id="1" dur="indefinite" nodeType="tmRoot">
+          <p:childTnLst>
+            <p:seq concurrent="1" nextAc="seek">
+              <p:cTn id="2" dur="0" nodeType="mainSeq"/>
+              <p:prevCondLst>
+                <p:cond evt="onPrev" delay="0">
+                  <p:tgtEl>
+                    <p:sldTgt/>
+                  </p:tgtEl>
+                </p:cond>
+              </p:prevCondLst>
+              <p:nextCondLst>
+                <p:cond evt="onNext" delay="0">
+                  <p:tgtEl>
+                    <p:sldTgt/>
+                  </p:tgtEl>
+                </p:cond>
+              </p:nextCondLst>
+            </p:seq>
+          </p:childTnLst>
+        </p:cTn>
+      </p:par>
+    </p:tnLst>
+  </p:timing>
+</p:sld>
+</file>
+
+<file path=ppt/slides/slide7.xml><?xml version="1.0" encoding="utf-8"?>
+<p:sld xmlns:a="http://schemas.openxmlformats.org/drawingml/2006/main" xmlns:r="http://schemas.openxmlformats.org/officeDocument/2006/relationships" xmlns:p="http://schemas.openxmlformats.org/presentationml/2006/main">
+  <p:cSld>
+    <p:spTree>
+      <p:nvGrpSpPr>
+        <p:cNvPr id="1" name=""/>
+        <p:cNvGrpSpPr/>
+        <p:nvPr/>
+      </p:nvGrpSpPr>
+      <p:grpSpPr>
+        <a:xfrm>
+          <a:off x="0" y="0"/>
+          <a:ext cx="0" cy="0"/>
+          <a:chOff x="0" y="0"/>
+          <a:chExt cx="0" cy="0"/>
+        </a:xfrm>
+      </p:grpSpPr>
+      <p:sp>
+        <p:nvSpPr>
+          <p:cNvPr id="5121" name="Rectangle 1"/>
+          <p:cNvSpPr>
+            <a:spLocks noGrp="1" noChangeArrowheads="1"/>
+          </p:cNvSpPr>
+          <p:nvPr>
+            <p:ph type="title"/>
+          </p:nvPr>
+        </p:nvSpPr>
+        <p:spPr>
+          <a:xfrm>
+            <a:off x="456481" y="273629"/>
+            <a:ext cx="8228160" cy="1144921"/>
+          </a:xfrm>
+          <a:ln/>
+        </p:spPr>
+        <p:txBody>
+          <a:bodyPr tIns="35203"/>
+          <a:lstStyle/>
+          <a:p>
+            <a:pPr>
+              <a:tabLst>
+                <a:tab pos="656650" algn="l"/>
+                <a:tab pos="1313299" algn="l"/>
+                <a:tab pos="1969949" algn="l"/>
+                <a:tab pos="2626599" algn="l"/>
+                <a:tab pos="3283248" algn="l"/>
+                <a:tab pos="3939898" algn="l"/>
+                <a:tab pos="4596548" algn="l"/>
+                <a:tab pos="5253198" algn="l"/>
+                <a:tab pos="5909847" algn="l"/>
+                <a:tab pos="6566497" algn="l"/>
+                <a:tab pos="7223147" algn="l"/>
+                <a:tab pos="7879796" algn="l"/>
+              </a:tabLst>
+            </a:pPr>
+            <a:r>
+              <a:rPr lang="en-US" dirty="0"/>
+              <a:t>Main Brief Use Cases</a:t>
+            </a:r>
+          </a:p>
+        </p:txBody>
+      </p:sp>
+      <p:sp>
+        <p:nvSpPr>
+          <p:cNvPr id="5122" name="Text Box 2"/>
+          <p:cNvSpPr txBox="1">
+            <a:spLocks noChangeArrowheads="1"/>
+          </p:cNvSpPr>
+          <p:nvPr/>
+        </p:nvSpPr>
+        <p:spPr bwMode="auto">
+          <a:xfrm>
+            <a:off x="84961" y="1418550"/>
+            <a:ext cx="9161280" cy="4471669"/>
+          </a:xfrm>
+          <a:prstGeom prst="rect">
+            <a:avLst/>
+          </a:prstGeom>
+          <a:noFill/>
+          <a:ln w="9525">
+            <a:noFill/>
+            <a:round/>
+            <a:headEnd/>
+            <a:tailEnd/>
+          </a:ln>
+          <a:effectLst/>
+        </p:spPr>
+        <p:txBody>
+          <a:bodyPr lIns="81639" tIns="61621" rIns="81639" bIns="40820"/>
+          <a:lstStyle/>
+          <a:p>
+            <a:pPr marL="195843" indent="-195843">
+              <a:buSzPct val="45000"/>
+              <a:buFont typeface="Wingdings" charset="2"/>
+              <a:buChar char=""/>
+              <a:tabLst>
+                <a:tab pos="656650" algn="l"/>
+                <a:tab pos="1313299" algn="l"/>
+                <a:tab pos="1969949" algn="l"/>
+                <a:tab pos="2626599" algn="l"/>
+                <a:tab pos="3283248" algn="l"/>
+                <a:tab pos="3939898" algn="l"/>
+                <a:tab pos="4596548" algn="l"/>
+                <a:tab pos="5253198" algn="l"/>
+                <a:tab pos="5909847" algn="l"/>
+                <a:tab pos="6566497" algn="l"/>
+                <a:tab pos="7223147" algn="l"/>
+                <a:tab pos="7879796" algn="l"/>
+                <a:tab pos="8536446" algn="l"/>
+              </a:tabLst>
+            </a:pPr>
+            <a:r>
+              <a:rPr lang="en-US" sz="2400" dirty="0">
+                <a:solidFill>
+                  <a:srgbClr val="000000"/>
+                </a:solidFill>
+                <a:ea typeface="Droid Sans" charset="0"/>
+                <a:cs typeface="Droid Sans" charset="0"/>
+              </a:rPr>
+              <a:t>User accesses application and chooses desired Jag Tran stop. System outputs the amount of time since last departure of a bus and amount of time before another bus arrives. </a:t>
+            </a:r>
+          </a:p>
+          <a:p>
+            <a:pPr marL="195843" indent="-195843">
+              <a:buSzPct val="45000"/>
+              <a:tabLst>
+                <a:tab pos="656650" algn="l"/>
+                <a:tab pos="1313299" algn="l"/>
+                <a:tab pos="1969949" algn="l"/>
+                <a:tab pos="2626599" algn="l"/>
+                <a:tab pos="3283248" algn="l"/>
+                <a:tab pos="3939898" algn="l"/>
+                <a:tab pos="4596548" algn="l"/>
+                <a:tab pos="5253198" algn="l"/>
+                <a:tab pos="5909847" algn="l"/>
+                <a:tab pos="6566497" algn="l"/>
+                <a:tab pos="7223147" algn="l"/>
+                <a:tab pos="7879796" algn="l"/>
+                <a:tab pos="8536446" algn="l"/>
+              </a:tabLst>
+            </a:pPr>
+            <a:endParaRPr lang="en-US" sz="2000" dirty="0">
+              <a:solidFill>
+                <a:srgbClr val="000000"/>
+              </a:solidFill>
+              <a:ea typeface="Droid Sans" charset="0"/>
+              <a:cs typeface="Droid Sans" charset="0"/>
+            </a:endParaRPr>
+          </a:p>
+          <a:p>
+            <a:pPr marL="195843" indent="-195843">
+              <a:buSzPct val="45000"/>
+              <a:buFont typeface="Wingdings" charset="2"/>
+              <a:buChar char=""/>
+              <a:tabLst>
+                <a:tab pos="656650" algn="l"/>
+                <a:tab pos="1313299" algn="l"/>
+                <a:tab pos="1969949" algn="l"/>
+                <a:tab pos="2626599" algn="l"/>
+                <a:tab pos="3283248" algn="l"/>
+                <a:tab pos="3939898" algn="l"/>
+                <a:tab pos="4596548" algn="l"/>
+                <a:tab pos="5253198" algn="l"/>
+                <a:tab pos="5909847" algn="l"/>
+                <a:tab pos="6566497" algn="l"/>
+                <a:tab pos="7223147" algn="l"/>
+                <a:tab pos="7879796" algn="l"/>
+                <a:tab pos="8536446" algn="l"/>
+              </a:tabLst>
+            </a:pPr>
+            <a:r>
+              <a:rPr lang="en-US" sz="2400" dirty="0">
+                <a:solidFill>
+                  <a:srgbClr val="000000"/>
+                </a:solidFill>
+                <a:ea typeface="Droid Sans" charset="0"/>
+                <a:cs typeface="Droid Sans" charset="0"/>
+              </a:rPr>
+              <a:t>Application is accessed and the system tells how many people are on each jag Tran bus. </a:t>
+            </a:r>
+          </a:p>
+        </p:txBody>
+      </p:sp>
+    </p:spTree>
+  </p:cSld>
+  <p:clrMapOvr>
+    <a:masterClrMapping/>
+  </p:clrMapOvr>
+  <p:transition spd="med"/>
+  <p:timing>
+    <p:tnLst>
+      <p:par>
+        <p:cTn id="1" dur="indefinite" nodeType="tmRoot">
+          <p:childTnLst>
+            <p:seq concurrent="1" nextAc="seek">
+              <p:cTn id="2" dur="0" nodeType="mainSeq"/>
+              <p:prevCondLst>
+                <p:cond evt="onPrev" delay="0">
+                  <p:tgtEl>
+                    <p:sldTgt/>
+                  </p:tgtEl>
+                </p:cond>
+              </p:prevCondLst>
+              <p:nextCondLst>
+                <p:cond evt="onNext" delay="0">
+                  <p:tgtEl>
+                    <p:sldTgt/>
+                  </p:tgtEl>
+                </p:cond>
+              </p:nextCondLst>
+            </p:seq>
+          </p:childTnLst>
+        </p:cTn>
+      </p:par>
+    </p:tnLst>
+  </p:timing>
+</p:sld>
+</file>
+
+<file path=ppt/slides/slide8.xml><?xml version="1.0" encoding="utf-8"?>
+<p:sld xmlns:a="http://schemas.openxmlformats.org/drawingml/2006/main" xmlns:r="http://schemas.openxmlformats.org/officeDocument/2006/relationships" xmlns:p="http://schemas.openxmlformats.org/presentationml/2006/main">
+  <p:cSld>
+    <p:spTree>
+      <p:nvGrpSpPr>
+        <p:cNvPr id="1" name=""/>
+        <p:cNvGrpSpPr/>
+        <p:nvPr/>
+      </p:nvGrpSpPr>
+      <p:grpSpPr>
+        <a:xfrm>
+          <a:off x="0" y="0"/>
+          <a:ext cx="0" cy="0"/>
+          <a:chOff x="0" y="0"/>
+          <a:chExt cx="0" cy="0"/>
+        </a:xfrm>
+      </p:grpSpPr>
+      <p:sp>
+        <p:nvSpPr>
           <p:cNvPr id="2" name="Title 1"/>
           <p:cNvSpPr>
             <a:spLocks noGrp="1"/>
@@ -41958,7 +46957,7 @@
 </p:sld>
 </file>
 
-<file path=ppt/slides/slide7.xml><?xml version="1.0" encoding="utf-8"?>
+<file path=ppt/slides/slide9.xml><?xml version="1.0" encoding="utf-8"?>
 <p:sld xmlns:a="http://schemas.openxmlformats.org/drawingml/2006/main" xmlns:r="http://schemas.openxmlformats.org/officeDocument/2006/relationships" xmlns:p="http://schemas.openxmlformats.org/presentationml/2006/main">
   <p:cSld>
     <p:spTree>
@@ -42022,235 +47021,6 @@
               <a:t>Nonfunctional Requirements</a:t>
             </a:r>
             <a:endParaRPr lang="zh-CN" altLang="en-US" sz="3600" b="1" dirty="0"/>
-          </a:p>
-        </p:txBody>
-      </p:sp>
-    </p:spTree>
-  </p:cSld>
-  <p:clrMapOvr>
-    <a:masterClrMapping/>
-  </p:clrMapOvr>
-  <p:transition>
-    <p:fade thruBlk="1"/>
-  </p:transition>
-  <p:timing>
-    <p:tnLst>
-      <p:par>
-        <p:cTn id="1" dur="indefinite" restart="never" nodeType="tmRoot"/>
-      </p:par>
-    </p:tnLst>
-  </p:timing>
-</p:sld>
-</file>
-
-<file path=ppt/slides/slide8.xml><?xml version="1.0" encoding="utf-8"?>
-<p:sld xmlns:a="http://schemas.openxmlformats.org/drawingml/2006/main" xmlns:r="http://schemas.openxmlformats.org/officeDocument/2006/relationships" xmlns:p="http://schemas.openxmlformats.org/presentationml/2006/main">
-  <p:cSld>
-    <p:spTree>
-      <p:nvGrpSpPr>
-        <p:cNvPr id="1" name=""/>
-        <p:cNvGrpSpPr/>
-        <p:nvPr/>
-      </p:nvGrpSpPr>
-      <p:grpSpPr>
-        <a:xfrm>
-          <a:off x="0" y="0"/>
-          <a:ext cx="0" cy="0"/>
-          <a:chOff x="0" y="0"/>
-          <a:chExt cx="0" cy="0"/>
-        </a:xfrm>
-      </p:grpSpPr>
-      <p:sp>
-        <p:nvSpPr>
-          <p:cNvPr id="2" name="Title 1"/>
-          <p:cNvSpPr>
-            <a:spLocks noGrp="1"/>
-          </p:cNvSpPr>
-          <p:nvPr>
-            <p:ph type="title"/>
-          </p:nvPr>
-        </p:nvSpPr>
-        <p:spPr>
-          <a:xfrm>
-            <a:off x="381000" y="-152400"/>
-            <a:ext cx="8229600" cy="1143000"/>
-          </a:xfrm>
-        </p:spPr>
-        <p:txBody>
-          <a:bodyPr/>
-          <a:lstStyle/>
-          <a:p>
-            <a:r>
-              <a:rPr lang="en-US" dirty="0" smtClean="0"/>
-              <a:t>Risk List &amp; Mitigation Strategy</a:t>
-            </a:r>
-            <a:endParaRPr lang="en-US" dirty="0"/>
-          </a:p>
-        </p:txBody>
-      </p:sp>
-      <p:graphicFrame>
-        <p:nvGraphicFramePr>
-          <p:cNvPr id="5" name="Content Placeholder 4"/>
-          <p:cNvGraphicFramePr>
-            <a:graphicFrameLocks noGrp="1"/>
-          </p:cNvGraphicFramePr>
-          <p:nvPr>
-            <p:ph idx="1"/>
-          </p:nvPr>
-        </p:nvGraphicFramePr>
-        <p:xfrm>
-          <a:off x="457200" y="1066800"/>
-          <a:ext cx="8229600" cy="5334000"/>
-        </p:xfrm>
-        <a:graphic>
-          <a:graphicData uri="http://schemas.openxmlformats.org/drawingml/2006/diagram">
-            <dgm:relIds xmlns:dgm="http://schemas.openxmlformats.org/drawingml/2006/diagram" xmlns:r="http://schemas.openxmlformats.org/officeDocument/2006/relationships" r:dm="rId3" r:lo="rId4" r:qs="rId5" r:cs="rId6"/>
-          </a:graphicData>
-        </a:graphic>
-      </p:graphicFrame>
-    </p:spTree>
-  </p:cSld>
-  <p:clrMapOvr>
-    <a:masterClrMapping/>
-  </p:clrMapOvr>
-  <p:transition>
-    <p:fade thruBlk="1"/>
-  </p:transition>
-  <p:timing>
-    <p:tnLst>
-      <p:par>
-        <p:cTn id="1" dur="indefinite" restart="never" nodeType="tmRoot"/>
-      </p:par>
-    </p:tnLst>
-  </p:timing>
-</p:sld>
-</file>
-
-<file path=ppt/slides/slide9.xml><?xml version="1.0" encoding="utf-8"?>
-<p:sld xmlns:a="http://schemas.openxmlformats.org/drawingml/2006/main" xmlns:r="http://schemas.openxmlformats.org/officeDocument/2006/relationships" xmlns:p="http://schemas.openxmlformats.org/presentationml/2006/main">
-  <p:cSld>
-    <p:spTree>
-      <p:nvGrpSpPr>
-        <p:cNvPr id="1" name=""/>
-        <p:cNvGrpSpPr/>
-        <p:nvPr/>
-      </p:nvGrpSpPr>
-      <p:grpSpPr>
-        <a:xfrm>
-          <a:off x="0" y="0"/>
-          <a:ext cx="0" cy="0"/>
-          <a:chOff x="0" y="0"/>
-          <a:chExt cx="0" cy="0"/>
-        </a:xfrm>
-      </p:grpSpPr>
-      <p:graphicFrame>
-        <p:nvGraphicFramePr>
-          <p:cNvPr id="4" name="Content Placeholder 3"/>
-          <p:cNvGraphicFramePr>
-            <a:graphicFrameLocks noGrp="1"/>
-          </p:cNvGraphicFramePr>
-          <p:nvPr>
-            <p:ph idx="1"/>
-          </p:nvPr>
-        </p:nvGraphicFramePr>
-        <p:xfrm>
-          <a:off x="304800" y="533400"/>
-          <a:ext cx="8686800" cy="6324600"/>
-        </p:xfrm>
-        <a:graphic>
-          <a:graphicData uri="http://schemas.openxmlformats.org/drawingml/2006/diagram">
-            <dgm:relIds xmlns:dgm="http://schemas.openxmlformats.org/drawingml/2006/diagram" xmlns:r="http://schemas.openxmlformats.org/officeDocument/2006/relationships" r:dm="rId3" r:lo="rId4" r:qs="rId5" r:cs="rId6"/>
-          </a:graphicData>
-        </a:graphic>
-      </p:graphicFrame>
-      <p:sp>
-        <p:nvSpPr>
-          <p:cNvPr id="6" name="Title 1"/>
-          <p:cNvSpPr txBox="1">
-            <a:spLocks/>
-          </p:cNvSpPr>
-          <p:nvPr/>
-        </p:nvSpPr>
-        <p:spPr>
-          <a:xfrm>
-            <a:off x="381000" y="-152400"/>
-            <a:ext cx="8229600" cy="1143000"/>
-          </a:xfrm>
-          <a:prstGeom prst="rect">
-            <a:avLst/>
-          </a:prstGeom>
-        </p:spPr>
-        <p:txBody>
-          <a:bodyPr vert="horz" lIns="91440" tIns="45720" rIns="91440" bIns="45720" rtlCol="0" anchor="ctr">
-            <a:normAutofit/>
-          </a:bodyPr>
-          <a:lstStyle/>
-          <a:p>
-            <a:pPr marL="0" marR="0" lvl="0" indent="0" algn="ctr" defTabSz="914400" rtl="0" eaLnBrk="1" fontAlgn="auto" latinLnBrk="0" hangingPunct="1">
-              <a:lnSpc>
-                <a:spcPct val="100000"/>
-              </a:lnSpc>
-              <a:spcBef>
-                <a:spcPct val="0"/>
-              </a:spcBef>
-              <a:spcAft>
-                <a:spcPts val="0"/>
-              </a:spcAft>
-              <a:buClrTx/>
-              <a:buSzTx/>
-              <a:buFontTx/>
-              <a:buNone/>
-              <a:tabLst/>
-              <a:defRPr/>
-            </a:pPr>
-            <a:r>
-              <a:rPr kumimoji="0" lang="en-US" sz="4400" b="0" i="0" u="none" strike="noStrike" kern="1200" cap="none" spc="0" normalizeH="0" baseline="0" noProof="0" dirty="0" smtClean="0">
-                <a:ln>
-                  <a:noFill/>
-                </a:ln>
-                <a:solidFill>
-                  <a:schemeClr val="tx1"/>
-                </a:solidFill>
-                <a:effectLst/>
-                <a:uLnTx/>
-                <a:uFillTx/>
-                <a:latin typeface="+mj-lt"/>
-                <a:ea typeface="+mj-ea"/>
-                <a:cs typeface="+mj-cs"/>
-              </a:rPr>
-              <a:t>Risk List &amp;</a:t>
-            </a:r>
-            <a:r>
-              <a:rPr kumimoji="0" lang="en-US" sz="4400" b="0" i="0" u="none" strike="noStrike" kern="1200" cap="none" spc="0" normalizeH="0" noProof="0" dirty="0" smtClean="0">
-                <a:ln>
-                  <a:noFill/>
-                </a:ln>
-                <a:solidFill>
-                  <a:schemeClr val="tx1"/>
-                </a:solidFill>
-                <a:effectLst/>
-                <a:uLnTx/>
-                <a:uFillTx/>
-                <a:latin typeface="+mj-lt"/>
-                <a:ea typeface="+mj-ea"/>
-                <a:cs typeface="+mj-cs"/>
-              </a:rPr>
-              <a:t> Mitigation Strategy</a:t>
-            </a:r>
-            <a:endParaRPr kumimoji="0" lang="en-US" sz="4400" b="0" i="0" u="none" strike="noStrike" kern="1200" cap="none" spc="0" normalizeH="0" baseline="0" noProof="0" dirty="0">
-              <a:ln>
-                <a:noFill/>
-              </a:ln>
-              <a:solidFill>
-                <a:schemeClr val="tx1"/>
-              </a:solidFill>
-              <a:effectLst/>
-              <a:uLnTx/>
-              <a:uFillTx/>
-              <a:latin typeface="+mj-lt"/>
-              <a:ea typeface="+mj-ea"/>
-              <a:cs typeface="+mj-cs"/>
-            </a:endParaRPr>
           </a:p>
         </p:txBody>
       </p:sp>
